--- a/Documentacao/bookCarddocumentacao.pptx
+++ b/Documentacao/bookCarddocumentacao.pptx
@@ -114,6 +114,11 @@
       </a:defRPr>
     </a:lvl9pPr>
   </p:defaultTextStyle>
+  <p:extLst>
+    <p:ext uri="{EFAFB233-063F-42B5-8137-9DF3F51BA10A}">
+      <p15:sldGuideLst xmlns:p15="http://schemas.microsoft.com/office/powerpoint/2012/main"/>
+    </p:ext>
+  </p:extLst>
 </p:presentation>
 </file>
 
@@ -3702,13 +3707,13 @@
           <p:nvPr>
             <p:extLst>
               <p:ext uri="{D42A27DB-BD31-4B8C-83A1-F6EECF244321}">
-                <p14:modId xmlns:p14="http://schemas.microsoft.com/office/powerpoint/2010/main" val="640876195"/>
+                <p14:modId xmlns:p14="http://schemas.microsoft.com/office/powerpoint/2010/main" val="1264247455"/>
               </p:ext>
             </p:extLst>
           </p:nvPr>
         </p:nvGraphicFramePr>
         <p:xfrm>
-          <a:off x="1095566" y="1722201"/>
+          <a:off x="1095566" y="1700167"/>
           <a:ext cx="10086555" cy="2494280"/>
         </p:xfrm>
         <a:graphic>
@@ -4332,7 +4337,7 @@
         </p:nvSpPr>
         <p:spPr>
           <a:xfrm>
-            <a:off x="981417" y="606827"/>
+            <a:off x="1190738" y="639878"/>
             <a:ext cx="1696597" cy="804231"/>
           </a:xfrm>
           <a:prstGeom prst="rect">
@@ -4341,13 +4346,13 @@
         </p:spPr>
         <p:style>
           <a:lnRef idx="2">
-            <a:schemeClr val="accent6"/>
+            <a:schemeClr val="accent3"/>
           </a:lnRef>
           <a:fillRef idx="1">
             <a:schemeClr val="lt1"/>
           </a:fillRef>
           <a:effectRef idx="0">
-            <a:schemeClr val="accent6"/>
+            <a:schemeClr val="accent3"/>
           </a:effectRef>
           <a:fontRef idx="minor">
             <a:schemeClr val="dk1"/>

--- a/Documentacao/bookCarddocumentacao.pptx
+++ b/Documentacao/bookCarddocumentacao.pptx
@@ -8,14 +8,22 @@
     <p:sldId id="256" r:id="rId2"/>
     <p:sldId id="257" r:id="rId3"/>
     <p:sldId id="258" r:id="rId4"/>
-    <p:sldId id="259" r:id="rId5"/>
-    <p:sldId id="260" r:id="rId6"/>
-    <p:sldId id="261" r:id="rId7"/>
+    <p:sldId id="275" r:id="rId5"/>
+    <p:sldId id="259" r:id="rId6"/>
+    <p:sldId id="260" r:id="rId7"/>
     <p:sldId id="262" r:id="rId8"/>
     <p:sldId id="263" r:id="rId9"/>
     <p:sldId id="264" r:id="rId10"/>
     <p:sldId id="265" r:id="rId11"/>
     <p:sldId id="266" r:id="rId12"/>
+    <p:sldId id="274" r:id="rId13"/>
+    <p:sldId id="267" r:id="rId14"/>
+    <p:sldId id="269" r:id="rId15"/>
+    <p:sldId id="270" r:id="rId16"/>
+    <p:sldId id="271" r:id="rId17"/>
+    <p:sldId id="272" r:id="rId18"/>
+    <p:sldId id="273" r:id="rId19"/>
+    <p:sldId id="268" r:id="rId20"/>
   </p:sldIdLst>
   <p:sldSz cx="12192000" cy="6858000"/>
   <p:notesSz cx="6858000" cy="9144000"/>
@@ -253,7 +261,7 @@
           <a:p>
             <a:fld id="{CAB82BFB-FFCB-4349-A99A-2971238AC97B}" type="datetimeFigureOut">
               <a:rPr lang="pt-BR" smtClean="0"/>
-              <a:t>02/05/2023</a:t>
+              <a:t>09/05/2023</a:t>
             </a:fld>
             <a:endParaRPr lang="pt-BR"/>
           </a:p>
@@ -423,7 +431,7 @@
           <a:p>
             <a:fld id="{CAB82BFB-FFCB-4349-A99A-2971238AC97B}" type="datetimeFigureOut">
               <a:rPr lang="pt-BR" smtClean="0"/>
-              <a:t>02/05/2023</a:t>
+              <a:t>09/05/2023</a:t>
             </a:fld>
             <a:endParaRPr lang="pt-BR"/>
           </a:p>
@@ -603,7 +611,7 @@
           <a:p>
             <a:fld id="{CAB82BFB-FFCB-4349-A99A-2971238AC97B}" type="datetimeFigureOut">
               <a:rPr lang="pt-BR" smtClean="0"/>
-              <a:t>02/05/2023</a:t>
+              <a:t>09/05/2023</a:t>
             </a:fld>
             <a:endParaRPr lang="pt-BR"/>
           </a:p>
@@ -773,7 +781,7 @@
           <a:p>
             <a:fld id="{CAB82BFB-FFCB-4349-A99A-2971238AC97B}" type="datetimeFigureOut">
               <a:rPr lang="pt-BR" smtClean="0"/>
-              <a:t>02/05/2023</a:t>
+              <a:t>09/05/2023</a:t>
             </a:fld>
             <a:endParaRPr lang="pt-BR"/>
           </a:p>
@@ -1019,7 +1027,7 @@
           <a:p>
             <a:fld id="{CAB82BFB-FFCB-4349-A99A-2971238AC97B}" type="datetimeFigureOut">
               <a:rPr lang="pt-BR" smtClean="0"/>
-              <a:t>02/05/2023</a:t>
+              <a:t>09/05/2023</a:t>
             </a:fld>
             <a:endParaRPr lang="pt-BR"/>
           </a:p>
@@ -1251,7 +1259,7 @@
           <a:p>
             <a:fld id="{CAB82BFB-FFCB-4349-A99A-2971238AC97B}" type="datetimeFigureOut">
               <a:rPr lang="pt-BR" smtClean="0"/>
-              <a:t>02/05/2023</a:t>
+              <a:t>09/05/2023</a:t>
             </a:fld>
             <a:endParaRPr lang="pt-BR"/>
           </a:p>
@@ -1618,7 +1626,7 @@
           <a:p>
             <a:fld id="{CAB82BFB-FFCB-4349-A99A-2971238AC97B}" type="datetimeFigureOut">
               <a:rPr lang="pt-BR" smtClean="0"/>
-              <a:t>02/05/2023</a:t>
+              <a:t>09/05/2023</a:t>
             </a:fld>
             <a:endParaRPr lang="pt-BR"/>
           </a:p>
@@ -1736,7 +1744,7 @@
           <a:p>
             <a:fld id="{CAB82BFB-FFCB-4349-A99A-2971238AC97B}" type="datetimeFigureOut">
               <a:rPr lang="pt-BR" smtClean="0"/>
-              <a:t>02/05/2023</a:t>
+              <a:t>09/05/2023</a:t>
             </a:fld>
             <a:endParaRPr lang="pt-BR"/>
           </a:p>
@@ -1831,7 +1839,7 @@
           <a:p>
             <a:fld id="{CAB82BFB-FFCB-4349-A99A-2971238AC97B}" type="datetimeFigureOut">
               <a:rPr lang="pt-BR" smtClean="0"/>
-              <a:t>02/05/2023</a:t>
+              <a:t>09/05/2023</a:t>
             </a:fld>
             <a:endParaRPr lang="pt-BR"/>
           </a:p>
@@ -2108,7 +2116,7 @@
           <a:p>
             <a:fld id="{CAB82BFB-FFCB-4349-A99A-2971238AC97B}" type="datetimeFigureOut">
               <a:rPr lang="pt-BR" smtClean="0"/>
-              <a:t>02/05/2023</a:t>
+              <a:t>09/05/2023</a:t>
             </a:fld>
             <a:endParaRPr lang="pt-BR"/>
           </a:p>
@@ -2361,7 +2369,7 @@
           <a:p>
             <a:fld id="{CAB82BFB-FFCB-4349-A99A-2971238AC97B}" type="datetimeFigureOut">
               <a:rPr lang="pt-BR" smtClean="0"/>
-              <a:t>02/05/2023</a:t>
+              <a:t>09/05/2023</a:t>
             </a:fld>
             <a:endParaRPr lang="pt-BR"/>
           </a:p>
@@ -2574,7 +2582,7 @@
           <a:p>
             <a:fld id="{CAB82BFB-FFCB-4349-A99A-2971238AC97B}" type="datetimeFigureOut">
               <a:rPr lang="pt-BR" smtClean="0"/>
-              <a:t>02/05/2023</a:t>
+              <a:t>09/05/2023</a:t>
             </a:fld>
             <a:endParaRPr lang="pt-BR"/>
           </a:p>
@@ -4384,6 +4392,5157 @@
 </p:sld>
 </file>
 
+<file path=ppt/slides/slide12.xml><?xml version="1.0" encoding="utf-8"?>
+<p:sld xmlns:a="http://schemas.openxmlformats.org/drawingml/2006/main" xmlns:r="http://schemas.openxmlformats.org/officeDocument/2006/relationships" xmlns:p="http://schemas.openxmlformats.org/presentationml/2006/main">
+  <p:cSld>
+    <p:spTree>
+      <p:nvGrpSpPr>
+        <p:cNvPr id="1" name=""/>
+        <p:cNvGrpSpPr/>
+        <p:nvPr/>
+      </p:nvGrpSpPr>
+      <p:grpSpPr>
+        <a:xfrm>
+          <a:off x="0" y="0"/>
+          <a:ext cx="0" cy="0"/>
+          <a:chOff x="0" y="0"/>
+          <a:chExt cx="0" cy="0"/>
+        </a:xfrm>
+      </p:grpSpPr>
+      <p:graphicFrame>
+        <p:nvGraphicFramePr>
+          <p:cNvPr id="3" name="Tabela 2"/>
+          <p:cNvGraphicFramePr>
+            <a:graphicFrameLocks noGrp="1"/>
+          </p:cNvGraphicFramePr>
+          <p:nvPr>
+            <p:extLst>
+              <p:ext uri="{D42A27DB-BD31-4B8C-83A1-F6EECF244321}">
+                <p14:modId xmlns:p14="http://schemas.microsoft.com/office/powerpoint/2010/main" val="2345265328"/>
+              </p:ext>
+            </p:extLst>
+          </p:nvPr>
+        </p:nvGraphicFramePr>
+        <p:xfrm>
+          <a:off x="1095566" y="1722201"/>
+          <a:ext cx="10086555" cy="2225040"/>
+        </p:xfrm>
+        <a:graphic>
+          <a:graphicData uri="http://schemas.openxmlformats.org/drawingml/2006/table">
+            <a:tbl>
+              <a:tblPr firstRow="1" bandRow="1">
+                <a:tableStyleId>{5C22544A-7EE6-4342-B048-85BDC9FD1C3A}</a:tableStyleId>
+              </a:tblPr>
+              <a:tblGrid>
+                <a:gridCol w="663829">
+                  <a:extLst>
+                    <a:ext uri="{9D8B030D-6E8A-4147-A177-3AD203B41FA5}">
+                      <a16:colId xmlns:a16="http://schemas.microsoft.com/office/drawing/2014/main" val="594636436"/>
+                    </a:ext>
+                  </a:extLst>
+                </a:gridCol>
+                <a:gridCol w="1887188">
+                  <a:extLst>
+                    <a:ext uri="{9D8B030D-6E8A-4147-A177-3AD203B41FA5}">
+                      <a16:colId xmlns:a16="http://schemas.microsoft.com/office/drawing/2014/main" val="520013200"/>
+                    </a:ext>
+                  </a:extLst>
+                </a:gridCol>
+                <a:gridCol w="1784733">
+                  <a:extLst>
+                    <a:ext uri="{9D8B030D-6E8A-4147-A177-3AD203B41FA5}">
+                      <a16:colId xmlns:a16="http://schemas.microsoft.com/office/drawing/2014/main" val="3328953442"/>
+                    </a:ext>
+                  </a:extLst>
+                </a:gridCol>
+                <a:gridCol w="1410159">
+                  <a:extLst>
+                    <a:ext uri="{9D8B030D-6E8A-4147-A177-3AD203B41FA5}">
+                      <a16:colId xmlns:a16="http://schemas.microsoft.com/office/drawing/2014/main" val="1031207000"/>
+                    </a:ext>
+                  </a:extLst>
+                </a:gridCol>
+                <a:gridCol w="4340646">
+                  <a:extLst>
+                    <a:ext uri="{9D8B030D-6E8A-4147-A177-3AD203B41FA5}">
+                      <a16:colId xmlns:a16="http://schemas.microsoft.com/office/drawing/2014/main" val="1532557314"/>
+                    </a:ext>
+                  </a:extLst>
+                </a:gridCol>
+              </a:tblGrid>
+              <a:tr h="370840">
+                <a:tc>
+                  <a:txBody>
+                    <a:bodyPr/>
+                    <a:lstStyle/>
+                    <a:p>
+                      <a:endParaRPr lang="pt-BR" dirty="0"/>
+                    </a:p>
+                  </a:txBody>
+                  <a:tcPr/>
+                </a:tc>
+                <a:tc>
+                  <a:txBody>
+                    <a:bodyPr/>
+                    <a:lstStyle/>
+                    <a:p>
+                      <a:r>
+                        <a:rPr lang="pt-BR" dirty="0" smtClean="0"/>
+                        <a:t>CAMPO</a:t>
+                      </a:r>
+                    </a:p>
+                  </a:txBody>
+                  <a:tcPr/>
+                </a:tc>
+                <a:tc>
+                  <a:txBody>
+                    <a:bodyPr/>
+                    <a:lstStyle/>
+                    <a:p>
+                      <a:r>
+                        <a:rPr lang="pt-BR" dirty="0" smtClean="0"/>
+                        <a:t>TIPO</a:t>
+                      </a:r>
+                      <a:endParaRPr lang="pt-BR" dirty="0"/>
+                    </a:p>
+                  </a:txBody>
+                  <a:tcPr/>
+                </a:tc>
+                <a:tc>
+                  <a:txBody>
+                    <a:bodyPr/>
+                    <a:lstStyle/>
+                    <a:p>
+                      <a:r>
+                        <a:rPr lang="pt-BR" dirty="0" smtClean="0"/>
+                        <a:t>Restrição</a:t>
+                      </a:r>
+                      <a:endParaRPr lang="pt-BR" dirty="0"/>
+                    </a:p>
+                  </a:txBody>
+                  <a:tcPr/>
+                </a:tc>
+                <a:tc>
+                  <a:txBody>
+                    <a:bodyPr/>
+                    <a:lstStyle/>
+                    <a:p>
+                      <a:r>
+                        <a:rPr lang="pt-BR" dirty="0" err="1" smtClean="0"/>
+                        <a:t>Obs</a:t>
+                      </a:r>
+                      <a:endParaRPr lang="pt-BR" dirty="0"/>
+                    </a:p>
+                  </a:txBody>
+                  <a:tcPr/>
+                </a:tc>
+                <a:extLst>
+                  <a:ext uri="{0D108BD9-81ED-4DB2-BD59-A6C34878D82A}">
+                    <a16:rowId xmlns:a16="http://schemas.microsoft.com/office/drawing/2014/main" val="878361534"/>
+                  </a:ext>
+                </a:extLst>
+              </a:tr>
+              <a:tr h="370840">
+                <a:tc>
+                  <a:txBody>
+                    <a:bodyPr/>
+                    <a:lstStyle/>
+                    <a:p>
+                      <a:r>
+                        <a:rPr lang="pt-BR" dirty="0" smtClean="0"/>
+                        <a:t>01</a:t>
+                      </a:r>
+                      <a:endParaRPr lang="pt-BR" dirty="0"/>
+                    </a:p>
+                  </a:txBody>
+                  <a:tcPr/>
+                </a:tc>
+                <a:tc>
+                  <a:txBody>
+                    <a:bodyPr/>
+                    <a:lstStyle/>
+                    <a:p>
+                      <a:r>
+                        <a:rPr lang="pt-BR" dirty="0" smtClean="0"/>
+                        <a:t>PADID</a:t>
+                      </a:r>
+                      <a:endParaRPr lang="pt-BR" dirty="0" smtClean="0"/>
+                    </a:p>
+                  </a:txBody>
+                  <a:tcPr/>
+                </a:tc>
+                <a:tc>
+                  <a:txBody>
+                    <a:bodyPr/>
+                    <a:lstStyle/>
+                    <a:p>
+                      <a:r>
+                        <a:rPr lang="pt-BR" dirty="0" smtClean="0"/>
+                        <a:t>INT</a:t>
+                      </a:r>
+                      <a:endParaRPr lang="pt-BR" dirty="0"/>
+                    </a:p>
+                  </a:txBody>
+                  <a:tcPr/>
+                </a:tc>
+                <a:tc>
+                  <a:txBody>
+                    <a:bodyPr/>
+                    <a:lstStyle/>
+                    <a:p>
+                      <a:r>
+                        <a:rPr lang="pt-BR" dirty="0" smtClean="0"/>
+                        <a:t>PK</a:t>
+                      </a:r>
+                      <a:endParaRPr lang="pt-BR" dirty="0"/>
+                    </a:p>
+                  </a:txBody>
+                  <a:tcPr/>
+                </a:tc>
+                <a:tc>
+                  <a:txBody>
+                    <a:bodyPr/>
+                    <a:lstStyle/>
+                    <a:p>
+                      <a:r>
+                        <a:rPr lang="pt-BR" dirty="0" smtClean="0"/>
+                        <a:t>Numeração</a:t>
+                      </a:r>
+                      <a:r>
+                        <a:rPr lang="pt-BR" baseline="0" dirty="0" smtClean="0"/>
+                        <a:t> automática</a:t>
+                      </a:r>
+                      <a:endParaRPr lang="pt-BR" dirty="0"/>
+                    </a:p>
+                  </a:txBody>
+                  <a:tcPr/>
+                </a:tc>
+                <a:extLst>
+                  <a:ext uri="{0D108BD9-81ED-4DB2-BD59-A6C34878D82A}">
+                    <a16:rowId xmlns:a16="http://schemas.microsoft.com/office/drawing/2014/main" val="1356624889"/>
+                  </a:ext>
+                </a:extLst>
+              </a:tr>
+              <a:tr h="370840">
+                <a:tc>
+                  <a:txBody>
+                    <a:bodyPr/>
+                    <a:lstStyle/>
+                    <a:p>
+                      <a:r>
+                        <a:rPr lang="pt-BR" dirty="0" smtClean="0"/>
+                        <a:t>02</a:t>
+                      </a:r>
+                      <a:endParaRPr lang="pt-BR" dirty="0"/>
+                    </a:p>
+                  </a:txBody>
+                  <a:tcPr/>
+                </a:tc>
+                <a:tc>
+                  <a:txBody>
+                    <a:bodyPr/>
+                    <a:lstStyle/>
+                    <a:p>
+                      <a:r>
+                        <a:rPr lang="pt-BR" dirty="0" smtClean="0"/>
+                        <a:t>PADPALAVRA</a:t>
+                      </a:r>
+                      <a:endParaRPr lang="pt-BR" dirty="0" smtClean="0"/>
+                    </a:p>
+                  </a:txBody>
+                  <a:tcPr/>
+                </a:tc>
+                <a:tc>
+                  <a:txBody>
+                    <a:bodyPr/>
+                    <a:lstStyle/>
+                    <a:p>
+                      <a:r>
+                        <a:rPr lang="pt-BR" dirty="0" smtClean="0"/>
+                        <a:t>Texto(100)</a:t>
+                      </a:r>
+                      <a:endParaRPr lang="pt-BR" dirty="0"/>
+                    </a:p>
+                  </a:txBody>
+                  <a:tcPr/>
+                </a:tc>
+                <a:tc>
+                  <a:txBody>
+                    <a:bodyPr/>
+                    <a:lstStyle/>
+                    <a:p>
+                      <a:endParaRPr lang="pt-BR" dirty="0"/>
+                    </a:p>
+                  </a:txBody>
+                  <a:tcPr/>
+                </a:tc>
+                <a:tc>
+                  <a:txBody>
+                    <a:bodyPr/>
+                    <a:lstStyle/>
+                    <a:p>
+                      <a:endParaRPr lang="pt-BR" dirty="0" smtClean="0"/>
+                    </a:p>
+                  </a:txBody>
+                  <a:tcPr/>
+                </a:tc>
+                <a:extLst>
+                  <a:ext uri="{0D108BD9-81ED-4DB2-BD59-A6C34878D82A}">
+                    <a16:rowId xmlns:a16="http://schemas.microsoft.com/office/drawing/2014/main" val="1611825664"/>
+                  </a:ext>
+                </a:extLst>
+              </a:tr>
+              <a:tr h="370840">
+                <a:tc>
+                  <a:txBody>
+                    <a:bodyPr/>
+                    <a:lstStyle/>
+                    <a:p>
+                      <a:r>
+                        <a:rPr lang="pt-BR" dirty="0" smtClean="0"/>
+                        <a:t>03</a:t>
+                      </a:r>
+                      <a:endParaRPr lang="pt-BR" dirty="0"/>
+                    </a:p>
+                  </a:txBody>
+                  <a:tcPr/>
+                </a:tc>
+                <a:tc>
+                  <a:txBody>
+                    <a:bodyPr/>
+                    <a:lstStyle/>
+                    <a:p>
+                      <a:pPr marL="0" marR="0" lvl="0" indent="0" algn="l" defTabSz="914400" rtl="0" eaLnBrk="1" fontAlgn="auto" latinLnBrk="0" hangingPunct="1">
+                        <a:lnSpc>
+                          <a:spcPct val="100000"/>
+                        </a:lnSpc>
+                        <a:spcBef>
+                          <a:spcPts val="0"/>
+                        </a:spcBef>
+                        <a:spcAft>
+                          <a:spcPts val="0"/>
+                        </a:spcAft>
+                        <a:buClrTx/>
+                        <a:buSzTx/>
+                        <a:buFontTx/>
+                        <a:buNone/>
+                        <a:tabLst/>
+                        <a:defRPr/>
+                      </a:pPr>
+                      <a:r>
+                        <a:rPr lang="pt-BR" dirty="0" smtClean="0"/>
+                        <a:t>PADPRIORIDADE</a:t>
+                      </a:r>
+                      <a:endParaRPr lang="pt-BR" dirty="0" smtClean="0"/>
+                    </a:p>
+                  </a:txBody>
+                  <a:tcPr/>
+                </a:tc>
+                <a:tc>
+                  <a:txBody>
+                    <a:bodyPr/>
+                    <a:lstStyle/>
+                    <a:p>
+                      <a:pPr marL="0" marR="0" lvl="0" indent="0" algn="l" defTabSz="914400" rtl="0" eaLnBrk="1" fontAlgn="auto" latinLnBrk="0" hangingPunct="1">
+                        <a:lnSpc>
+                          <a:spcPct val="100000"/>
+                        </a:lnSpc>
+                        <a:spcBef>
+                          <a:spcPts val="0"/>
+                        </a:spcBef>
+                        <a:spcAft>
+                          <a:spcPts val="0"/>
+                        </a:spcAft>
+                        <a:buClrTx/>
+                        <a:buSzTx/>
+                        <a:buFontTx/>
+                        <a:buNone/>
+                        <a:tabLst/>
+                        <a:defRPr/>
+                      </a:pPr>
+                      <a:r>
+                        <a:rPr lang="pt-BR" dirty="0" smtClean="0"/>
+                        <a:t>INT</a:t>
+                      </a:r>
+                    </a:p>
+                  </a:txBody>
+                  <a:tcPr/>
+                </a:tc>
+                <a:tc>
+                  <a:txBody>
+                    <a:bodyPr/>
+                    <a:lstStyle/>
+                    <a:p>
+                      <a:endParaRPr lang="pt-BR" dirty="0"/>
+                    </a:p>
+                  </a:txBody>
+                  <a:tcPr/>
+                </a:tc>
+                <a:tc>
+                  <a:txBody>
+                    <a:bodyPr/>
+                    <a:lstStyle/>
+                    <a:p>
+                      <a:pPr marL="0" marR="0" lvl="0" indent="0" algn="l" defTabSz="914400" rtl="0" eaLnBrk="1" fontAlgn="auto" latinLnBrk="0" hangingPunct="1">
+                        <a:lnSpc>
+                          <a:spcPct val="100000"/>
+                        </a:lnSpc>
+                        <a:spcBef>
+                          <a:spcPts val="0"/>
+                        </a:spcBef>
+                        <a:spcAft>
+                          <a:spcPts val="0"/>
+                        </a:spcAft>
+                        <a:buClrTx/>
+                        <a:buSzTx/>
+                        <a:buFontTx/>
+                        <a:buNone/>
+                        <a:tabLst/>
+                        <a:defRPr/>
+                      </a:pPr>
+                      <a:r>
+                        <a:rPr lang="pt-BR" dirty="0" smtClean="0"/>
+                        <a:t>1,5,8,13</a:t>
+                      </a:r>
+                      <a:r>
+                        <a:rPr lang="pt-BR" baseline="0" dirty="0" smtClean="0"/>
+                        <a:t> (Só aceita esses valores)</a:t>
+                      </a:r>
+                      <a:endParaRPr lang="pt-BR" dirty="0" smtClean="0"/>
+                    </a:p>
+                  </a:txBody>
+                  <a:tcPr/>
+                </a:tc>
+                <a:extLst>
+                  <a:ext uri="{0D108BD9-81ED-4DB2-BD59-A6C34878D82A}">
+                    <a16:rowId xmlns:a16="http://schemas.microsoft.com/office/drawing/2014/main" val="615865771"/>
+                  </a:ext>
+                </a:extLst>
+              </a:tr>
+              <a:tr h="370840">
+                <a:tc>
+                  <a:txBody>
+                    <a:bodyPr/>
+                    <a:lstStyle/>
+                    <a:p>
+                      <a:endParaRPr lang="pt-BR" dirty="0"/>
+                    </a:p>
+                  </a:txBody>
+                  <a:tcPr/>
+                </a:tc>
+                <a:tc>
+                  <a:txBody>
+                    <a:bodyPr/>
+                    <a:lstStyle/>
+                    <a:p>
+                      <a:endParaRPr lang="pt-BR" dirty="0" smtClean="0"/>
+                    </a:p>
+                  </a:txBody>
+                  <a:tcPr/>
+                </a:tc>
+                <a:tc>
+                  <a:txBody>
+                    <a:bodyPr/>
+                    <a:lstStyle/>
+                    <a:p>
+                      <a:pPr marL="0" marR="0" lvl="0" indent="0" algn="l" defTabSz="914400" rtl="0" eaLnBrk="1" fontAlgn="auto" latinLnBrk="0" hangingPunct="1">
+                        <a:lnSpc>
+                          <a:spcPct val="100000"/>
+                        </a:lnSpc>
+                        <a:spcBef>
+                          <a:spcPts val="0"/>
+                        </a:spcBef>
+                        <a:spcAft>
+                          <a:spcPts val="0"/>
+                        </a:spcAft>
+                        <a:buClrTx/>
+                        <a:buSzTx/>
+                        <a:buFontTx/>
+                        <a:buNone/>
+                        <a:tabLst/>
+                        <a:defRPr/>
+                      </a:pPr>
+                      <a:endParaRPr lang="pt-BR" dirty="0" smtClean="0"/>
+                    </a:p>
+                  </a:txBody>
+                  <a:tcPr/>
+                </a:tc>
+                <a:tc>
+                  <a:txBody>
+                    <a:bodyPr/>
+                    <a:lstStyle/>
+                    <a:p>
+                      <a:endParaRPr lang="pt-BR" dirty="0"/>
+                    </a:p>
+                  </a:txBody>
+                  <a:tcPr/>
+                </a:tc>
+                <a:tc>
+                  <a:txBody>
+                    <a:bodyPr/>
+                    <a:lstStyle/>
+                    <a:p>
+                      <a:pPr marL="0" marR="0" lvl="0" indent="0" algn="l" defTabSz="914400" rtl="0" eaLnBrk="1" fontAlgn="auto" latinLnBrk="0" hangingPunct="1">
+                        <a:lnSpc>
+                          <a:spcPct val="100000"/>
+                        </a:lnSpc>
+                        <a:spcBef>
+                          <a:spcPts val="0"/>
+                        </a:spcBef>
+                        <a:spcAft>
+                          <a:spcPts val="0"/>
+                        </a:spcAft>
+                        <a:buClrTx/>
+                        <a:buSzTx/>
+                        <a:buFontTx/>
+                        <a:buNone/>
+                        <a:tabLst/>
+                        <a:defRPr/>
+                      </a:pPr>
+                      <a:endParaRPr lang="pt-BR" dirty="0" smtClean="0"/>
+                    </a:p>
+                  </a:txBody>
+                  <a:tcPr/>
+                </a:tc>
+                <a:extLst>
+                  <a:ext uri="{0D108BD9-81ED-4DB2-BD59-A6C34878D82A}">
+                    <a16:rowId xmlns:a16="http://schemas.microsoft.com/office/drawing/2014/main" val="115902013"/>
+                  </a:ext>
+                </a:extLst>
+              </a:tr>
+              <a:tr h="370840">
+                <a:tc>
+                  <a:txBody>
+                    <a:bodyPr/>
+                    <a:lstStyle/>
+                    <a:p>
+                      <a:endParaRPr lang="pt-BR" dirty="0"/>
+                    </a:p>
+                  </a:txBody>
+                  <a:tcPr/>
+                </a:tc>
+                <a:tc>
+                  <a:txBody>
+                    <a:bodyPr/>
+                    <a:lstStyle/>
+                    <a:p>
+                      <a:endParaRPr lang="pt-BR" dirty="0" smtClean="0"/>
+                    </a:p>
+                  </a:txBody>
+                  <a:tcPr/>
+                </a:tc>
+                <a:tc>
+                  <a:txBody>
+                    <a:bodyPr/>
+                    <a:lstStyle/>
+                    <a:p>
+                      <a:pPr marL="0" marR="0" lvl="0" indent="0" algn="l" defTabSz="914400" rtl="0" eaLnBrk="1" fontAlgn="auto" latinLnBrk="0" hangingPunct="1">
+                        <a:lnSpc>
+                          <a:spcPct val="100000"/>
+                        </a:lnSpc>
+                        <a:spcBef>
+                          <a:spcPts val="0"/>
+                        </a:spcBef>
+                        <a:spcAft>
+                          <a:spcPts val="0"/>
+                        </a:spcAft>
+                        <a:buClrTx/>
+                        <a:buSzTx/>
+                        <a:buFontTx/>
+                        <a:buNone/>
+                        <a:tabLst/>
+                        <a:defRPr/>
+                      </a:pPr>
+                      <a:endParaRPr lang="pt-BR" dirty="0" smtClean="0"/>
+                    </a:p>
+                  </a:txBody>
+                  <a:tcPr/>
+                </a:tc>
+                <a:tc>
+                  <a:txBody>
+                    <a:bodyPr/>
+                    <a:lstStyle/>
+                    <a:p>
+                      <a:endParaRPr lang="pt-BR" dirty="0"/>
+                    </a:p>
+                  </a:txBody>
+                  <a:tcPr/>
+                </a:tc>
+                <a:tc>
+                  <a:txBody>
+                    <a:bodyPr/>
+                    <a:lstStyle/>
+                    <a:p>
+                      <a:pPr marL="0" marR="0" lvl="0" indent="0" algn="l" defTabSz="914400" rtl="0" eaLnBrk="1" fontAlgn="auto" latinLnBrk="0" hangingPunct="1">
+                        <a:lnSpc>
+                          <a:spcPct val="100000"/>
+                        </a:lnSpc>
+                        <a:spcBef>
+                          <a:spcPts val="0"/>
+                        </a:spcBef>
+                        <a:spcAft>
+                          <a:spcPts val="0"/>
+                        </a:spcAft>
+                        <a:buClrTx/>
+                        <a:buSzTx/>
+                        <a:buFontTx/>
+                        <a:buNone/>
+                        <a:tabLst/>
+                        <a:defRPr/>
+                      </a:pPr>
+                      <a:endParaRPr lang="pt-BR" dirty="0" smtClean="0"/>
+                    </a:p>
+                  </a:txBody>
+                  <a:tcPr/>
+                </a:tc>
+                <a:extLst>
+                  <a:ext uri="{0D108BD9-81ED-4DB2-BD59-A6C34878D82A}">
+                    <a16:rowId xmlns:a16="http://schemas.microsoft.com/office/drawing/2014/main" val="4243751667"/>
+                  </a:ext>
+                </a:extLst>
+              </a:tr>
+            </a:tbl>
+          </a:graphicData>
+        </a:graphic>
+      </p:graphicFrame>
+      <p:sp>
+        <p:nvSpPr>
+          <p:cNvPr id="6" name="Retângulo 5"/>
+          <p:cNvSpPr/>
+          <p:nvPr/>
+        </p:nvSpPr>
+        <p:spPr>
+          <a:xfrm>
+            <a:off x="981417" y="606827"/>
+            <a:ext cx="2158390" cy="804231"/>
+          </a:xfrm>
+          <a:prstGeom prst="rect">
+            <a:avLst/>
+          </a:prstGeom>
+        </p:spPr>
+        <p:style>
+          <a:lnRef idx="2">
+            <a:schemeClr val="accent6"/>
+          </a:lnRef>
+          <a:fillRef idx="1">
+            <a:schemeClr val="lt1"/>
+          </a:fillRef>
+          <a:effectRef idx="0">
+            <a:schemeClr val="accent6"/>
+          </a:effectRef>
+          <a:fontRef idx="minor">
+            <a:schemeClr val="dk1"/>
+          </a:fontRef>
+        </p:style>
+        <p:txBody>
+          <a:bodyPr rtlCol="0" anchor="ctr"/>
+          <a:lstStyle/>
+          <a:p>
+            <a:pPr algn="ctr"/>
+            <a:r>
+              <a:rPr lang="pt-BR" dirty="0" smtClean="0"/>
+              <a:t>PALAVRADESTAQUE</a:t>
+            </a:r>
+            <a:endParaRPr lang="pt-BR" dirty="0" smtClean="0"/>
+          </a:p>
+        </p:txBody>
+      </p:sp>
+    </p:spTree>
+    <p:extLst>
+      <p:ext uri="{BB962C8B-B14F-4D97-AF65-F5344CB8AC3E}">
+        <p14:creationId xmlns:p14="http://schemas.microsoft.com/office/powerpoint/2010/main" val="3476328943"/>
+      </p:ext>
+    </p:extLst>
+  </p:cSld>
+  <p:clrMapOvr>
+    <a:masterClrMapping/>
+  </p:clrMapOvr>
+</p:sld>
+</file>
+
+<file path=ppt/slides/slide13.xml><?xml version="1.0" encoding="utf-8"?>
+<p:sld xmlns:a="http://schemas.openxmlformats.org/drawingml/2006/main" xmlns:r="http://schemas.openxmlformats.org/officeDocument/2006/relationships" xmlns:p="http://schemas.openxmlformats.org/presentationml/2006/main">
+  <p:cSld>
+    <p:spTree>
+      <p:nvGrpSpPr>
+        <p:cNvPr id="1" name=""/>
+        <p:cNvGrpSpPr/>
+        <p:nvPr/>
+      </p:nvGrpSpPr>
+      <p:grpSpPr>
+        <a:xfrm>
+          <a:off x="0" y="0"/>
+          <a:ext cx="0" cy="0"/>
+          <a:chOff x="0" y="0"/>
+          <a:chExt cx="0" cy="0"/>
+        </a:xfrm>
+      </p:grpSpPr>
+      <p:sp>
+        <p:nvSpPr>
+          <p:cNvPr id="2" name="Título 1"/>
+          <p:cNvSpPr>
+            <a:spLocks noGrp="1"/>
+          </p:cNvSpPr>
+          <p:nvPr>
+            <p:ph type="title"/>
+          </p:nvPr>
+        </p:nvSpPr>
+        <p:spPr/>
+        <p:txBody>
+          <a:bodyPr/>
+          <a:lstStyle/>
+          <a:p>
+            <a:r>
+              <a:rPr lang="pt-BR" dirty="0" smtClean="0"/>
+              <a:t>Requisitos Funcionais</a:t>
+            </a:r>
+            <a:endParaRPr lang="pt-BR" dirty="0"/>
+          </a:p>
+        </p:txBody>
+      </p:sp>
+      <p:sp>
+        <p:nvSpPr>
+          <p:cNvPr id="3" name="Espaço Reservado para Texto 2"/>
+          <p:cNvSpPr>
+            <a:spLocks noGrp="1"/>
+          </p:cNvSpPr>
+          <p:nvPr>
+            <p:ph type="body" idx="1"/>
+          </p:nvPr>
+        </p:nvSpPr>
+        <p:spPr/>
+        <p:txBody>
+          <a:bodyPr/>
+          <a:lstStyle/>
+          <a:p>
+            <a:endParaRPr lang="pt-BR"/>
+          </a:p>
+        </p:txBody>
+      </p:sp>
+    </p:spTree>
+    <p:extLst>
+      <p:ext uri="{BB962C8B-B14F-4D97-AF65-F5344CB8AC3E}">
+        <p14:creationId xmlns:p14="http://schemas.microsoft.com/office/powerpoint/2010/main" val="2081608253"/>
+      </p:ext>
+    </p:extLst>
+  </p:cSld>
+  <p:clrMapOvr>
+    <a:masterClrMapping/>
+  </p:clrMapOvr>
+</p:sld>
+</file>
+
+<file path=ppt/slides/slide14.xml><?xml version="1.0" encoding="utf-8"?>
+<p:sld xmlns:a="http://schemas.openxmlformats.org/drawingml/2006/main" xmlns:r="http://schemas.openxmlformats.org/officeDocument/2006/relationships" xmlns:p="http://schemas.openxmlformats.org/presentationml/2006/main">
+  <p:cSld>
+    <p:spTree>
+      <p:nvGrpSpPr>
+        <p:cNvPr id="1" name=""/>
+        <p:cNvGrpSpPr/>
+        <p:nvPr/>
+      </p:nvGrpSpPr>
+      <p:grpSpPr>
+        <a:xfrm>
+          <a:off x="0" y="0"/>
+          <a:ext cx="0" cy="0"/>
+          <a:chOff x="0" y="0"/>
+          <a:chExt cx="0" cy="0"/>
+        </a:xfrm>
+      </p:grpSpPr>
+      <p:sp>
+        <p:nvSpPr>
+          <p:cNvPr id="2" name="Título 1"/>
+          <p:cNvSpPr>
+            <a:spLocks noGrp="1"/>
+          </p:cNvSpPr>
+          <p:nvPr>
+            <p:ph type="title"/>
+          </p:nvPr>
+        </p:nvSpPr>
+        <p:spPr>
+          <a:xfrm>
+            <a:off x="838200" y="365125"/>
+            <a:ext cx="10515600" cy="450123"/>
+          </a:xfrm>
+        </p:spPr>
+        <p:txBody>
+          <a:bodyPr>
+            <a:normAutofit fontScale="90000"/>
+          </a:bodyPr>
+          <a:lstStyle/>
+          <a:p>
+            <a:r>
+              <a:rPr lang="pt-BR" dirty="0" smtClean="0"/>
+              <a:t>Jornada do Cliente – Usuário (Leitura de </a:t>
+            </a:r>
+            <a:r>
+              <a:rPr lang="pt-BR" dirty="0" err="1" smtClean="0"/>
+              <a:t>Card</a:t>
+            </a:r>
+            <a:r>
+              <a:rPr lang="pt-BR" dirty="0" smtClean="0"/>
+              <a:t>)</a:t>
+            </a:r>
+            <a:endParaRPr lang="pt-BR" dirty="0"/>
+          </a:p>
+        </p:txBody>
+      </p:sp>
+      <p:sp>
+        <p:nvSpPr>
+          <p:cNvPr id="5" name="Retângulo Arredondado 4"/>
+          <p:cNvSpPr/>
+          <p:nvPr/>
+        </p:nvSpPr>
+        <p:spPr>
+          <a:xfrm>
+            <a:off x="288274" y="2588962"/>
+            <a:ext cx="802395" cy="198305"/>
+          </a:xfrm>
+          <a:prstGeom prst="roundRect">
+            <a:avLst/>
+          </a:prstGeom>
+        </p:spPr>
+        <p:style>
+          <a:lnRef idx="2">
+            <a:schemeClr val="dk1"/>
+          </a:lnRef>
+          <a:fillRef idx="1">
+            <a:schemeClr val="lt1"/>
+          </a:fillRef>
+          <a:effectRef idx="0">
+            <a:schemeClr val="dk1"/>
+          </a:effectRef>
+          <a:fontRef idx="minor">
+            <a:schemeClr val="dk1"/>
+          </a:fontRef>
+        </p:style>
+        <p:txBody>
+          <a:bodyPr rtlCol="0" anchor="ctr"/>
+          <a:lstStyle/>
+          <a:p>
+            <a:pPr algn="ctr"/>
+            <a:r>
+              <a:rPr lang="pt-BR" dirty="0" smtClean="0"/>
+              <a:t>inicio</a:t>
+            </a:r>
+            <a:endParaRPr lang="pt-BR" dirty="0"/>
+          </a:p>
+        </p:txBody>
+      </p:sp>
+      <p:sp>
+        <p:nvSpPr>
+          <p:cNvPr id="6" name="Retângulo Arredondado 5"/>
+          <p:cNvSpPr/>
+          <p:nvPr/>
+        </p:nvSpPr>
+        <p:spPr>
+          <a:xfrm>
+            <a:off x="1781062" y="2407185"/>
+            <a:ext cx="1068636" cy="561861"/>
+          </a:xfrm>
+          <a:prstGeom prst="roundRect">
+            <a:avLst/>
+          </a:prstGeom>
+        </p:spPr>
+        <p:style>
+          <a:lnRef idx="2">
+            <a:schemeClr val="accent6"/>
+          </a:lnRef>
+          <a:fillRef idx="1">
+            <a:schemeClr val="lt1"/>
+          </a:fillRef>
+          <a:effectRef idx="0">
+            <a:schemeClr val="accent6"/>
+          </a:effectRef>
+          <a:fontRef idx="minor">
+            <a:schemeClr val="dk1"/>
+          </a:fontRef>
+        </p:style>
+        <p:txBody>
+          <a:bodyPr rtlCol="0" anchor="ctr"/>
+          <a:lstStyle/>
+          <a:p>
+            <a:pPr algn="ctr"/>
+            <a:r>
+              <a:rPr lang="pt-BR" dirty="0" err="1" smtClean="0"/>
+              <a:t>Logar</a:t>
+            </a:r>
+            <a:endParaRPr lang="pt-BR" dirty="0"/>
+          </a:p>
+        </p:txBody>
+      </p:sp>
+      <p:cxnSp>
+        <p:nvCxnSpPr>
+          <p:cNvPr id="8" name="Conector de Seta Reta 7"/>
+          <p:cNvCxnSpPr>
+            <a:stCxn id="5" idx="3"/>
+            <a:endCxn id="6" idx="1"/>
+          </p:cNvCxnSpPr>
+          <p:nvPr/>
+        </p:nvCxnSpPr>
+        <p:spPr>
+          <a:xfrm>
+            <a:off x="1090669" y="2688115"/>
+            <a:ext cx="690393" cy="1"/>
+          </a:xfrm>
+          <a:prstGeom prst="straightConnector1">
+            <a:avLst/>
+          </a:prstGeom>
+          <a:ln>
+            <a:tailEnd type="triangle"/>
+          </a:ln>
+        </p:spPr>
+        <p:style>
+          <a:lnRef idx="1">
+            <a:schemeClr val="accent1"/>
+          </a:lnRef>
+          <a:fillRef idx="0">
+            <a:schemeClr val="accent1"/>
+          </a:fillRef>
+          <a:effectRef idx="0">
+            <a:schemeClr val="accent1"/>
+          </a:effectRef>
+          <a:fontRef idx="minor">
+            <a:schemeClr val="tx1"/>
+          </a:fontRef>
+        </p:style>
+      </p:cxnSp>
+      <p:sp>
+        <p:nvSpPr>
+          <p:cNvPr id="10" name="Retângulo Arredondado 9"/>
+          <p:cNvSpPr/>
+          <p:nvPr/>
+        </p:nvSpPr>
+        <p:spPr>
+          <a:xfrm>
+            <a:off x="3503365" y="2407185"/>
+            <a:ext cx="1509310" cy="561861"/>
+          </a:xfrm>
+          <a:prstGeom prst="roundRect">
+            <a:avLst/>
+          </a:prstGeom>
+        </p:spPr>
+        <p:style>
+          <a:lnRef idx="2">
+            <a:schemeClr val="accent6"/>
+          </a:lnRef>
+          <a:fillRef idx="1">
+            <a:schemeClr val="lt1"/>
+          </a:fillRef>
+          <a:effectRef idx="0">
+            <a:schemeClr val="accent6"/>
+          </a:effectRef>
+          <a:fontRef idx="minor">
+            <a:schemeClr val="dk1"/>
+          </a:fontRef>
+        </p:style>
+        <p:txBody>
+          <a:bodyPr rtlCol="0" anchor="ctr"/>
+          <a:lstStyle/>
+          <a:p>
+            <a:pPr algn="ctr"/>
+            <a:r>
+              <a:rPr lang="pt-BR" dirty="0" smtClean="0"/>
+              <a:t>Tela Livros</a:t>
+            </a:r>
+            <a:endParaRPr lang="pt-BR" dirty="0"/>
+          </a:p>
+        </p:txBody>
+      </p:sp>
+      <p:cxnSp>
+        <p:nvCxnSpPr>
+          <p:cNvPr id="11" name="Conector de Seta Reta 10"/>
+          <p:cNvCxnSpPr/>
+          <p:nvPr/>
+        </p:nvCxnSpPr>
+        <p:spPr>
+          <a:xfrm>
+            <a:off x="2831335" y="2688112"/>
+            <a:ext cx="672030" cy="1"/>
+          </a:xfrm>
+          <a:prstGeom prst="straightConnector1">
+            <a:avLst/>
+          </a:prstGeom>
+          <a:ln>
+            <a:tailEnd type="triangle"/>
+          </a:ln>
+        </p:spPr>
+        <p:style>
+          <a:lnRef idx="1">
+            <a:schemeClr val="accent1"/>
+          </a:lnRef>
+          <a:fillRef idx="0">
+            <a:schemeClr val="accent1"/>
+          </a:fillRef>
+          <a:effectRef idx="0">
+            <a:schemeClr val="accent1"/>
+          </a:effectRef>
+          <a:fontRef idx="minor">
+            <a:schemeClr val="tx1"/>
+          </a:fontRef>
+        </p:style>
+      </p:cxnSp>
+      <p:sp>
+        <p:nvSpPr>
+          <p:cNvPr id="12" name="Retângulo Arredondado 11"/>
+          <p:cNvSpPr/>
+          <p:nvPr/>
+        </p:nvSpPr>
+        <p:spPr>
+          <a:xfrm>
+            <a:off x="6521985" y="2407185"/>
+            <a:ext cx="1509310" cy="561861"/>
+          </a:xfrm>
+          <a:prstGeom prst="roundRect">
+            <a:avLst/>
+          </a:prstGeom>
+        </p:spPr>
+        <p:style>
+          <a:lnRef idx="2">
+            <a:schemeClr val="accent6"/>
+          </a:lnRef>
+          <a:fillRef idx="1">
+            <a:schemeClr val="lt1"/>
+          </a:fillRef>
+          <a:effectRef idx="0">
+            <a:schemeClr val="accent6"/>
+          </a:effectRef>
+          <a:fontRef idx="minor">
+            <a:schemeClr val="dk1"/>
+          </a:fontRef>
+        </p:style>
+        <p:txBody>
+          <a:bodyPr rtlCol="0" anchor="ctr"/>
+          <a:lstStyle/>
+          <a:p>
+            <a:pPr algn="ctr"/>
+            <a:r>
+              <a:rPr lang="pt-BR" dirty="0" smtClean="0"/>
+              <a:t>Tela do Livro (Detalhe)</a:t>
+            </a:r>
+            <a:endParaRPr lang="pt-BR" dirty="0"/>
+          </a:p>
+        </p:txBody>
+      </p:sp>
+      <p:cxnSp>
+        <p:nvCxnSpPr>
+          <p:cNvPr id="13" name="Conector de Seta Reta 12"/>
+          <p:cNvCxnSpPr>
+            <a:endCxn id="12" idx="1"/>
+          </p:cNvCxnSpPr>
+          <p:nvPr/>
+        </p:nvCxnSpPr>
+        <p:spPr>
+          <a:xfrm>
+            <a:off x="5012675" y="2685356"/>
+            <a:ext cx="1509310" cy="2760"/>
+          </a:xfrm>
+          <a:prstGeom prst="straightConnector1">
+            <a:avLst/>
+          </a:prstGeom>
+          <a:ln>
+            <a:tailEnd type="triangle"/>
+          </a:ln>
+        </p:spPr>
+        <p:style>
+          <a:lnRef idx="1">
+            <a:schemeClr val="accent1"/>
+          </a:lnRef>
+          <a:fillRef idx="0">
+            <a:schemeClr val="accent1"/>
+          </a:fillRef>
+          <a:effectRef idx="0">
+            <a:schemeClr val="accent1"/>
+          </a:effectRef>
+          <a:fontRef idx="minor">
+            <a:schemeClr val="tx1"/>
+          </a:fontRef>
+        </p:style>
+      </p:cxnSp>
+      <p:sp>
+        <p:nvSpPr>
+          <p:cNvPr id="14" name="Retângulo Arredondado 13"/>
+          <p:cNvSpPr/>
+          <p:nvPr/>
+        </p:nvSpPr>
+        <p:spPr>
+          <a:xfrm>
+            <a:off x="4514161" y="3800808"/>
+            <a:ext cx="1509310" cy="561861"/>
+          </a:xfrm>
+          <a:prstGeom prst="roundRect">
+            <a:avLst/>
+          </a:prstGeom>
+        </p:spPr>
+        <p:style>
+          <a:lnRef idx="2">
+            <a:schemeClr val="accent6"/>
+          </a:lnRef>
+          <a:fillRef idx="1">
+            <a:schemeClr val="lt1"/>
+          </a:fillRef>
+          <a:effectRef idx="0">
+            <a:schemeClr val="accent6"/>
+          </a:effectRef>
+          <a:fontRef idx="minor">
+            <a:schemeClr val="dk1"/>
+          </a:fontRef>
+        </p:style>
+        <p:txBody>
+          <a:bodyPr rtlCol="0" anchor="ctr"/>
+          <a:lstStyle/>
+          <a:p>
+            <a:pPr algn="ctr"/>
+            <a:r>
+              <a:rPr lang="pt-BR" dirty="0" smtClean="0"/>
+              <a:t>Capitulo</a:t>
+            </a:r>
+            <a:endParaRPr lang="pt-BR" dirty="0"/>
+          </a:p>
+        </p:txBody>
+      </p:sp>
+      <p:sp>
+        <p:nvSpPr>
+          <p:cNvPr id="16" name="Retângulo Arredondado 15"/>
+          <p:cNvSpPr/>
+          <p:nvPr/>
+        </p:nvSpPr>
+        <p:spPr>
+          <a:xfrm>
+            <a:off x="6638581" y="3731961"/>
+            <a:ext cx="1509310" cy="561861"/>
+          </a:xfrm>
+          <a:prstGeom prst="roundRect">
+            <a:avLst/>
+          </a:prstGeom>
+        </p:spPr>
+        <p:style>
+          <a:lnRef idx="2">
+            <a:schemeClr val="accent6"/>
+          </a:lnRef>
+          <a:fillRef idx="1">
+            <a:schemeClr val="lt1"/>
+          </a:fillRef>
+          <a:effectRef idx="0">
+            <a:schemeClr val="accent6"/>
+          </a:effectRef>
+          <a:fontRef idx="minor">
+            <a:schemeClr val="dk1"/>
+          </a:fontRef>
+        </p:style>
+        <p:txBody>
+          <a:bodyPr rtlCol="0" anchor="ctr"/>
+          <a:lstStyle/>
+          <a:p>
+            <a:pPr algn="ctr"/>
+            <a:r>
+              <a:rPr lang="pt-BR" dirty="0" smtClean="0"/>
+              <a:t>Lista</a:t>
+            </a:r>
+            <a:endParaRPr lang="pt-BR" dirty="0"/>
+          </a:p>
+        </p:txBody>
+      </p:sp>
+      <p:sp>
+        <p:nvSpPr>
+          <p:cNvPr id="17" name="Retângulo Arredondado 16"/>
+          <p:cNvSpPr/>
+          <p:nvPr/>
+        </p:nvSpPr>
+        <p:spPr>
+          <a:xfrm>
+            <a:off x="9608540" y="2374115"/>
+            <a:ext cx="1509310" cy="561861"/>
+          </a:xfrm>
+          <a:prstGeom prst="roundRect">
+            <a:avLst/>
+          </a:prstGeom>
+        </p:spPr>
+        <p:style>
+          <a:lnRef idx="2">
+            <a:schemeClr val="accent6"/>
+          </a:lnRef>
+          <a:fillRef idx="1">
+            <a:schemeClr val="lt1"/>
+          </a:fillRef>
+          <a:effectRef idx="0">
+            <a:schemeClr val="accent6"/>
+          </a:effectRef>
+          <a:fontRef idx="minor">
+            <a:schemeClr val="dk1"/>
+          </a:fontRef>
+        </p:style>
+        <p:txBody>
+          <a:bodyPr rtlCol="0" anchor="ctr"/>
+          <a:lstStyle/>
+          <a:p>
+            <a:pPr algn="ctr"/>
+            <a:r>
+              <a:rPr lang="pt-BR" dirty="0" smtClean="0"/>
+              <a:t>Próximo </a:t>
+            </a:r>
+            <a:r>
+              <a:rPr lang="pt-BR" dirty="0" err="1" smtClean="0"/>
+              <a:t>Card</a:t>
+            </a:r>
+            <a:endParaRPr lang="pt-BR" dirty="0"/>
+          </a:p>
+        </p:txBody>
+      </p:sp>
+      <p:cxnSp>
+        <p:nvCxnSpPr>
+          <p:cNvPr id="19" name="Conector reto 18"/>
+          <p:cNvCxnSpPr/>
+          <p:nvPr/>
+        </p:nvCxnSpPr>
+        <p:spPr>
+          <a:xfrm>
+            <a:off x="5238521" y="3321580"/>
+            <a:ext cx="2058318" cy="0"/>
+          </a:xfrm>
+          <a:prstGeom prst="line">
+            <a:avLst/>
+          </a:prstGeom>
+        </p:spPr>
+        <p:style>
+          <a:lnRef idx="1">
+            <a:schemeClr val="accent1"/>
+          </a:lnRef>
+          <a:fillRef idx="0">
+            <a:schemeClr val="accent1"/>
+          </a:fillRef>
+          <a:effectRef idx="0">
+            <a:schemeClr val="accent1"/>
+          </a:effectRef>
+          <a:fontRef idx="minor">
+            <a:schemeClr val="tx1"/>
+          </a:fontRef>
+        </p:style>
+      </p:cxnSp>
+      <p:cxnSp>
+        <p:nvCxnSpPr>
+          <p:cNvPr id="20" name="Conector de Seta Reta 19"/>
+          <p:cNvCxnSpPr/>
+          <p:nvPr/>
+        </p:nvCxnSpPr>
+        <p:spPr>
+          <a:xfrm>
+            <a:off x="5221995" y="3316080"/>
+            <a:ext cx="33052" cy="473715"/>
+          </a:xfrm>
+          <a:prstGeom prst="straightConnector1">
+            <a:avLst/>
+          </a:prstGeom>
+          <a:ln>
+            <a:tailEnd type="triangle"/>
+          </a:ln>
+        </p:spPr>
+        <p:style>
+          <a:lnRef idx="1">
+            <a:schemeClr val="accent1"/>
+          </a:lnRef>
+          <a:fillRef idx="0">
+            <a:schemeClr val="accent1"/>
+          </a:fillRef>
+          <a:effectRef idx="0">
+            <a:schemeClr val="accent1"/>
+          </a:effectRef>
+          <a:fontRef idx="minor">
+            <a:schemeClr val="tx1"/>
+          </a:fontRef>
+        </p:style>
+      </p:cxnSp>
+      <p:sp>
+        <p:nvSpPr>
+          <p:cNvPr id="25" name="Retângulo Arredondado 24"/>
+          <p:cNvSpPr/>
+          <p:nvPr/>
+        </p:nvSpPr>
+        <p:spPr>
+          <a:xfrm>
+            <a:off x="11353800" y="2500810"/>
+            <a:ext cx="802395" cy="198305"/>
+          </a:xfrm>
+          <a:prstGeom prst="roundRect">
+            <a:avLst/>
+          </a:prstGeom>
+        </p:spPr>
+        <p:style>
+          <a:lnRef idx="2">
+            <a:schemeClr val="dk1"/>
+          </a:lnRef>
+          <a:fillRef idx="1">
+            <a:schemeClr val="lt1"/>
+          </a:fillRef>
+          <a:effectRef idx="0">
+            <a:schemeClr val="dk1"/>
+          </a:effectRef>
+          <a:fontRef idx="minor">
+            <a:schemeClr val="dk1"/>
+          </a:fontRef>
+        </p:style>
+        <p:txBody>
+          <a:bodyPr rtlCol="0" anchor="ctr"/>
+          <a:lstStyle/>
+          <a:p>
+            <a:pPr algn="ctr"/>
+            <a:r>
+              <a:rPr lang="pt-BR" dirty="0" smtClean="0"/>
+              <a:t>Fim</a:t>
+            </a:r>
+            <a:endParaRPr lang="pt-BR" dirty="0"/>
+          </a:p>
+        </p:txBody>
+      </p:sp>
+      <p:cxnSp>
+        <p:nvCxnSpPr>
+          <p:cNvPr id="26" name="Conector de Seta Reta 25"/>
+          <p:cNvCxnSpPr/>
+          <p:nvPr/>
+        </p:nvCxnSpPr>
+        <p:spPr>
+          <a:xfrm flipV="1">
+            <a:off x="7990900" y="2699115"/>
+            <a:ext cx="355294" cy="11017"/>
+          </a:xfrm>
+          <a:prstGeom prst="straightConnector1">
+            <a:avLst/>
+          </a:prstGeom>
+          <a:ln>
+            <a:tailEnd type="triangle"/>
+          </a:ln>
+        </p:spPr>
+        <p:style>
+          <a:lnRef idx="1">
+            <a:schemeClr val="accent1"/>
+          </a:lnRef>
+          <a:fillRef idx="0">
+            <a:schemeClr val="accent1"/>
+          </a:fillRef>
+          <a:effectRef idx="0">
+            <a:schemeClr val="accent1"/>
+          </a:effectRef>
+          <a:fontRef idx="minor">
+            <a:schemeClr val="tx1"/>
+          </a:fontRef>
+        </p:style>
+      </p:cxnSp>
+      <p:cxnSp>
+        <p:nvCxnSpPr>
+          <p:cNvPr id="27" name="Conector de Seta Reta 26"/>
+          <p:cNvCxnSpPr/>
+          <p:nvPr/>
+        </p:nvCxnSpPr>
+        <p:spPr>
+          <a:xfrm>
+            <a:off x="7263787" y="3321580"/>
+            <a:ext cx="33052" cy="473715"/>
+          </a:xfrm>
+          <a:prstGeom prst="straightConnector1">
+            <a:avLst/>
+          </a:prstGeom>
+          <a:ln>
+            <a:tailEnd type="triangle"/>
+          </a:ln>
+        </p:spPr>
+        <p:style>
+          <a:lnRef idx="1">
+            <a:schemeClr val="accent1"/>
+          </a:lnRef>
+          <a:fillRef idx="0">
+            <a:schemeClr val="accent1"/>
+          </a:fillRef>
+          <a:effectRef idx="0">
+            <a:schemeClr val="accent1"/>
+          </a:effectRef>
+          <a:fontRef idx="minor">
+            <a:schemeClr val="tx1"/>
+          </a:fontRef>
+        </p:style>
+      </p:cxnSp>
+      <p:cxnSp>
+        <p:nvCxnSpPr>
+          <p:cNvPr id="29" name="Conector reto 28"/>
+          <p:cNvCxnSpPr>
+            <a:stCxn id="12" idx="2"/>
+          </p:cNvCxnSpPr>
+          <p:nvPr/>
+        </p:nvCxnSpPr>
+        <p:spPr>
+          <a:xfrm>
+            <a:off x="7276640" y="2969046"/>
+            <a:ext cx="0" cy="397514"/>
+          </a:xfrm>
+          <a:prstGeom prst="line">
+            <a:avLst/>
+          </a:prstGeom>
+        </p:spPr>
+        <p:style>
+          <a:lnRef idx="1">
+            <a:schemeClr val="accent1"/>
+          </a:lnRef>
+          <a:fillRef idx="0">
+            <a:schemeClr val="accent1"/>
+          </a:fillRef>
+          <a:effectRef idx="0">
+            <a:schemeClr val="accent1"/>
+          </a:effectRef>
+          <a:fontRef idx="minor">
+            <a:schemeClr val="tx1"/>
+          </a:fontRef>
+        </p:style>
+      </p:cxnSp>
+      <p:cxnSp>
+        <p:nvCxnSpPr>
+          <p:cNvPr id="33" name="Conector reto 32"/>
+          <p:cNvCxnSpPr/>
+          <p:nvPr/>
+        </p:nvCxnSpPr>
+        <p:spPr>
+          <a:xfrm flipH="1">
+            <a:off x="5255047" y="4293822"/>
+            <a:ext cx="7344" cy="694073"/>
+          </a:xfrm>
+          <a:prstGeom prst="line">
+            <a:avLst/>
+          </a:prstGeom>
+        </p:spPr>
+        <p:style>
+          <a:lnRef idx="1">
+            <a:schemeClr val="accent1"/>
+          </a:lnRef>
+          <a:fillRef idx="0">
+            <a:schemeClr val="accent1"/>
+          </a:fillRef>
+          <a:effectRef idx="0">
+            <a:schemeClr val="accent1"/>
+          </a:effectRef>
+          <a:fontRef idx="minor">
+            <a:schemeClr val="tx1"/>
+          </a:fontRef>
+        </p:style>
+      </p:cxnSp>
+      <p:cxnSp>
+        <p:nvCxnSpPr>
+          <p:cNvPr id="35" name="Conector reto 34"/>
+          <p:cNvCxnSpPr/>
+          <p:nvPr/>
+        </p:nvCxnSpPr>
+        <p:spPr>
+          <a:xfrm>
+            <a:off x="5205469" y="4987895"/>
+            <a:ext cx="2058318" cy="0"/>
+          </a:xfrm>
+          <a:prstGeom prst="line">
+            <a:avLst/>
+          </a:prstGeom>
+        </p:spPr>
+        <p:style>
+          <a:lnRef idx="1">
+            <a:schemeClr val="accent1"/>
+          </a:lnRef>
+          <a:fillRef idx="0">
+            <a:schemeClr val="accent1"/>
+          </a:fillRef>
+          <a:effectRef idx="0">
+            <a:schemeClr val="accent1"/>
+          </a:effectRef>
+          <a:fontRef idx="minor">
+            <a:schemeClr val="tx1"/>
+          </a:fontRef>
+        </p:style>
+      </p:cxnSp>
+      <p:cxnSp>
+        <p:nvCxnSpPr>
+          <p:cNvPr id="36" name="Conector de Seta Reta 35"/>
+          <p:cNvCxnSpPr/>
+          <p:nvPr/>
+        </p:nvCxnSpPr>
+        <p:spPr>
+          <a:xfrm flipH="1">
+            <a:off x="7373041" y="4272708"/>
+            <a:ext cx="7343" cy="704171"/>
+          </a:xfrm>
+          <a:prstGeom prst="straightConnector1">
+            <a:avLst/>
+          </a:prstGeom>
+          <a:ln>
+            <a:tailEnd type="triangle"/>
+          </a:ln>
+        </p:spPr>
+        <p:style>
+          <a:lnRef idx="1">
+            <a:schemeClr val="accent1"/>
+          </a:lnRef>
+          <a:fillRef idx="0">
+            <a:schemeClr val="accent1"/>
+          </a:fillRef>
+          <a:effectRef idx="0">
+            <a:schemeClr val="accent1"/>
+          </a:effectRef>
+          <a:fontRef idx="minor">
+            <a:schemeClr val="tx1"/>
+          </a:fontRef>
+        </p:style>
+      </p:cxnSp>
+      <p:cxnSp>
+        <p:nvCxnSpPr>
+          <p:cNvPr id="38" name="Conector reto 37"/>
+          <p:cNvCxnSpPr/>
+          <p:nvPr/>
+        </p:nvCxnSpPr>
+        <p:spPr>
+          <a:xfrm>
+            <a:off x="7263787" y="4987896"/>
+            <a:ext cx="1689252" cy="8538"/>
+          </a:xfrm>
+          <a:prstGeom prst="line">
+            <a:avLst/>
+          </a:prstGeom>
+        </p:spPr>
+        <p:style>
+          <a:lnRef idx="1">
+            <a:schemeClr val="accent1"/>
+          </a:lnRef>
+          <a:fillRef idx="0">
+            <a:schemeClr val="accent1"/>
+          </a:fillRef>
+          <a:effectRef idx="0">
+            <a:schemeClr val="accent1"/>
+          </a:effectRef>
+          <a:fontRef idx="minor">
+            <a:schemeClr val="tx1"/>
+          </a:fontRef>
+        </p:style>
+      </p:cxnSp>
+      <p:cxnSp>
+        <p:nvCxnSpPr>
+          <p:cNvPr id="40" name="Conector de Seta Reta 39"/>
+          <p:cNvCxnSpPr/>
+          <p:nvPr/>
+        </p:nvCxnSpPr>
+        <p:spPr>
+          <a:xfrm flipV="1">
+            <a:off x="8953039" y="2969044"/>
+            <a:ext cx="0" cy="2087693"/>
+          </a:xfrm>
+          <a:prstGeom prst="straightConnector1">
+            <a:avLst/>
+          </a:prstGeom>
+          <a:ln>
+            <a:tailEnd type="triangle"/>
+          </a:ln>
+        </p:spPr>
+        <p:style>
+          <a:lnRef idx="1">
+            <a:schemeClr val="accent1"/>
+          </a:lnRef>
+          <a:fillRef idx="0">
+            <a:schemeClr val="accent1"/>
+          </a:fillRef>
+          <a:effectRef idx="0">
+            <a:schemeClr val="accent1"/>
+          </a:effectRef>
+          <a:fontRef idx="minor">
+            <a:schemeClr val="tx1"/>
+          </a:fontRef>
+        </p:style>
+      </p:cxnSp>
+      <p:cxnSp>
+        <p:nvCxnSpPr>
+          <p:cNvPr id="43" name="Conector de Seta Reta 42"/>
+          <p:cNvCxnSpPr>
+            <a:stCxn id="17" idx="3"/>
+            <a:endCxn id="25" idx="1"/>
+          </p:cNvCxnSpPr>
+          <p:nvPr/>
+        </p:nvCxnSpPr>
+        <p:spPr>
+          <a:xfrm flipV="1">
+            <a:off x="11117850" y="2599963"/>
+            <a:ext cx="235950" cy="55083"/>
+          </a:xfrm>
+          <a:prstGeom prst="straightConnector1">
+            <a:avLst/>
+          </a:prstGeom>
+          <a:ln>
+            <a:tailEnd type="triangle"/>
+          </a:ln>
+        </p:spPr>
+        <p:style>
+          <a:lnRef idx="1">
+            <a:schemeClr val="accent1"/>
+          </a:lnRef>
+          <a:fillRef idx="0">
+            <a:schemeClr val="accent1"/>
+          </a:fillRef>
+          <a:effectRef idx="0">
+            <a:schemeClr val="accent1"/>
+          </a:effectRef>
+          <a:fontRef idx="minor">
+            <a:schemeClr val="tx1"/>
+          </a:fontRef>
+        </p:style>
+      </p:cxnSp>
+      <p:sp>
+        <p:nvSpPr>
+          <p:cNvPr id="46" name="CaixaDeTexto 45"/>
+          <p:cNvSpPr txBox="1"/>
+          <p:nvPr/>
+        </p:nvSpPr>
+        <p:spPr>
+          <a:xfrm>
+            <a:off x="2027102" y="3065307"/>
+            <a:ext cx="965814" cy="369332"/>
+          </a:xfrm>
+          <a:prstGeom prst="rect">
+            <a:avLst/>
+          </a:prstGeom>
+          <a:noFill/>
+        </p:spPr>
+        <p:txBody>
+          <a:bodyPr wrap="square" rtlCol="0">
+            <a:spAutoFit/>
+          </a:bodyPr>
+          <a:lstStyle/>
+          <a:p>
+            <a:r>
+              <a:rPr lang="pt-BR" dirty="0" smtClean="0"/>
+              <a:t>RN01</a:t>
+            </a:r>
+            <a:endParaRPr lang="pt-BR" dirty="0"/>
+          </a:p>
+        </p:txBody>
+      </p:sp>
+      <p:sp>
+        <p:nvSpPr>
+          <p:cNvPr id="47" name="CaixaDeTexto 46"/>
+          <p:cNvSpPr txBox="1"/>
+          <p:nvPr/>
+        </p:nvSpPr>
+        <p:spPr>
+          <a:xfrm>
+            <a:off x="3888036" y="3059796"/>
+            <a:ext cx="965814" cy="369332"/>
+          </a:xfrm>
+          <a:prstGeom prst="rect">
+            <a:avLst/>
+          </a:prstGeom>
+          <a:noFill/>
+        </p:spPr>
+        <p:txBody>
+          <a:bodyPr wrap="square" rtlCol="0">
+            <a:spAutoFit/>
+          </a:bodyPr>
+          <a:lstStyle/>
+          <a:p>
+            <a:r>
+              <a:rPr lang="pt-BR" dirty="0" smtClean="0"/>
+              <a:t>RN02</a:t>
+            </a:r>
+            <a:endParaRPr lang="pt-BR" dirty="0"/>
+          </a:p>
+        </p:txBody>
+      </p:sp>
+      <p:sp>
+        <p:nvSpPr>
+          <p:cNvPr id="48" name="CaixaDeTexto 47"/>
+          <p:cNvSpPr txBox="1"/>
+          <p:nvPr/>
+        </p:nvSpPr>
+        <p:spPr>
+          <a:xfrm>
+            <a:off x="6545393" y="2911200"/>
+            <a:ext cx="965814" cy="369332"/>
+          </a:xfrm>
+          <a:prstGeom prst="rect">
+            <a:avLst/>
+          </a:prstGeom>
+          <a:noFill/>
+        </p:spPr>
+        <p:txBody>
+          <a:bodyPr wrap="square" rtlCol="0">
+            <a:spAutoFit/>
+          </a:bodyPr>
+          <a:lstStyle/>
+          <a:p>
+            <a:r>
+              <a:rPr lang="pt-BR" dirty="0" smtClean="0"/>
+              <a:t>RN03</a:t>
+            </a:r>
+            <a:endParaRPr lang="pt-BR" dirty="0"/>
+          </a:p>
+        </p:txBody>
+      </p:sp>
+      <p:sp>
+        <p:nvSpPr>
+          <p:cNvPr id="49" name="CaixaDeTexto 48"/>
+          <p:cNvSpPr txBox="1"/>
+          <p:nvPr/>
+        </p:nvSpPr>
+        <p:spPr>
+          <a:xfrm>
+            <a:off x="4509108" y="4293821"/>
+            <a:ext cx="965814" cy="369332"/>
+          </a:xfrm>
+          <a:prstGeom prst="rect">
+            <a:avLst/>
+          </a:prstGeom>
+          <a:noFill/>
+        </p:spPr>
+        <p:txBody>
+          <a:bodyPr wrap="square" rtlCol="0">
+            <a:spAutoFit/>
+          </a:bodyPr>
+          <a:lstStyle/>
+          <a:p>
+            <a:r>
+              <a:rPr lang="pt-BR" dirty="0" smtClean="0"/>
+              <a:t>RN04</a:t>
+            </a:r>
+            <a:endParaRPr lang="pt-BR" dirty="0"/>
+          </a:p>
+        </p:txBody>
+      </p:sp>
+      <p:sp>
+        <p:nvSpPr>
+          <p:cNvPr id="50" name="CaixaDeTexto 49"/>
+          <p:cNvSpPr txBox="1"/>
+          <p:nvPr/>
+        </p:nvSpPr>
+        <p:spPr>
+          <a:xfrm>
+            <a:off x="7387727" y="4302360"/>
+            <a:ext cx="965814" cy="369332"/>
+          </a:xfrm>
+          <a:prstGeom prst="rect">
+            <a:avLst/>
+          </a:prstGeom>
+          <a:noFill/>
+        </p:spPr>
+        <p:txBody>
+          <a:bodyPr wrap="square" rtlCol="0">
+            <a:spAutoFit/>
+          </a:bodyPr>
+          <a:lstStyle/>
+          <a:p>
+            <a:r>
+              <a:rPr lang="pt-BR" dirty="0" smtClean="0"/>
+              <a:t>RN05</a:t>
+            </a:r>
+            <a:endParaRPr lang="pt-BR" dirty="0"/>
+          </a:p>
+        </p:txBody>
+      </p:sp>
+      <p:sp>
+        <p:nvSpPr>
+          <p:cNvPr id="51" name="CaixaDeTexto 50"/>
+          <p:cNvSpPr txBox="1"/>
+          <p:nvPr/>
+        </p:nvSpPr>
+        <p:spPr>
+          <a:xfrm>
+            <a:off x="8320029" y="2966286"/>
+            <a:ext cx="965814" cy="369332"/>
+          </a:xfrm>
+          <a:prstGeom prst="rect">
+            <a:avLst/>
+          </a:prstGeom>
+          <a:noFill/>
+        </p:spPr>
+        <p:txBody>
+          <a:bodyPr wrap="square" rtlCol="0">
+            <a:spAutoFit/>
+          </a:bodyPr>
+          <a:lstStyle/>
+          <a:p>
+            <a:r>
+              <a:rPr lang="pt-BR" dirty="0" smtClean="0"/>
+              <a:t>RN06</a:t>
+            </a:r>
+            <a:endParaRPr lang="pt-BR" dirty="0"/>
+          </a:p>
+        </p:txBody>
+      </p:sp>
+      <p:sp>
+        <p:nvSpPr>
+          <p:cNvPr id="52" name="Retângulo Arredondado 51"/>
+          <p:cNvSpPr/>
+          <p:nvPr/>
+        </p:nvSpPr>
+        <p:spPr>
+          <a:xfrm>
+            <a:off x="7870634" y="985746"/>
+            <a:ext cx="1864604" cy="561861"/>
+          </a:xfrm>
+          <a:prstGeom prst="roundRect">
+            <a:avLst/>
+          </a:prstGeom>
+        </p:spPr>
+        <p:style>
+          <a:lnRef idx="2">
+            <a:schemeClr val="accent6"/>
+          </a:lnRef>
+          <a:fillRef idx="1">
+            <a:schemeClr val="lt1"/>
+          </a:fillRef>
+          <a:effectRef idx="0">
+            <a:schemeClr val="accent6"/>
+          </a:effectRef>
+          <a:fontRef idx="minor">
+            <a:schemeClr val="dk1"/>
+          </a:fontRef>
+        </p:style>
+        <p:txBody>
+          <a:bodyPr rtlCol="0" anchor="ctr"/>
+          <a:lstStyle/>
+          <a:p>
+            <a:pPr algn="ctr"/>
+            <a:r>
+              <a:rPr lang="pt-BR" dirty="0" err="1" smtClean="0"/>
+              <a:t>PalavraDestaque</a:t>
+            </a:r>
+            <a:endParaRPr lang="pt-BR" dirty="0"/>
+          </a:p>
+        </p:txBody>
+      </p:sp>
+      <p:sp>
+        <p:nvSpPr>
+          <p:cNvPr id="58" name="Retângulo Arredondado 57"/>
+          <p:cNvSpPr/>
+          <p:nvPr/>
+        </p:nvSpPr>
+        <p:spPr>
+          <a:xfrm>
+            <a:off x="8382915" y="2404425"/>
+            <a:ext cx="958461" cy="561861"/>
+          </a:xfrm>
+          <a:prstGeom prst="roundRect">
+            <a:avLst/>
+          </a:prstGeom>
+        </p:spPr>
+        <p:style>
+          <a:lnRef idx="2">
+            <a:schemeClr val="accent6"/>
+          </a:lnRef>
+          <a:fillRef idx="1">
+            <a:schemeClr val="lt1"/>
+          </a:fillRef>
+          <a:effectRef idx="0">
+            <a:schemeClr val="accent6"/>
+          </a:effectRef>
+          <a:fontRef idx="minor">
+            <a:schemeClr val="dk1"/>
+          </a:fontRef>
+        </p:style>
+        <p:txBody>
+          <a:bodyPr rtlCol="0" anchor="ctr"/>
+          <a:lstStyle/>
+          <a:p>
+            <a:pPr algn="ctr"/>
+            <a:r>
+              <a:rPr lang="pt-BR" dirty="0" err="1" smtClean="0"/>
+              <a:t>Card</a:t>
+            </a:r>
+            <a:endParaRPr lang="pt-BR" dirty="0"/>
+          </a:p>
+        </p:txBody>
+      </p:sp>
+      <p:cxnSp>
+        <p:nvCxnSpPr>
+          <p:cNvPr id="60" name="Conector de Seta Reta 59"/>
+          <p:cNvCxnSpPr/>
+          <p:nvPr/>
+        </p:nvCxnSpPr>
+        <p:spPr>
+          <a:xfrm flipV="1">
+            <a:off x="9344134" y="2708759"/>
+            <a:ext cx="355294" cy="11017"/>
+          </a:xfrm>
+          <a:prstGeom prst="straightConnector1">
+            <a:avLst/>
+          </a:prstGeom>
+          <a:ln>
+            <a:tailEnd type="triangle"/>
+          </a:ln>
+        </p:spPr>
+        <p:style>
+          <a:lnRef idx="1">
+            <a:schemeClr val="accent1"/>
+          </a:lnRef>
+          <a:fillRef idx="0">
+            <a:schemeClr val="accent1"/>
+          </a:fillRef>
+          <a:effectRef idx="0">
+            <a:schemeClr val="accent1"/>
+          </a:effectRef>
+          <a:fontRef idx="minor">
+            <a:schemeClr val="tx1"/>
+          </a:fontRef>
+        </p:style>
+      </p:cxnSp>
+      <p:cxnSp>
+        <p:nvCxnSpPr>
+          <p:cNvPr id="61" name="Conector de Seta Reta 60"/>
+          <p:cNvCxnSpPr>
+            <a:endCxn id="58" idx="0"/>
+          </p:cNvCxnSpPr>
+          <p:nvPr/>
+        </p:nvCxnSpPr>
+        <p:spPr>
+          <a:xfrm>
+            <a:off x="8861692" y="1547675"/>
+            <a:ext cx="454" cy="856750"/>
+          </a:xfrm>
+          <a:prstGeom prst="straightConnector1">
+            <a:avLst/>
+          </a:prstGeom>
+          <a:ln>
+            <a:tailEnd type="triangle"/>
+          </a:ln>
+        </p:spPr>
+        <p:style>
+          <a:lnRef idx="1">
+            <a:schemeClr val="accent1"/>
+          </a:lnRef>
+          <a:fillRef idx="0">
+            <a:schemeClr val="accent1"/>
+          </a:fillRef>
+          <a:effectRef idx="0">
+            <a:schemeClr val="accent1"/>
+          </a:effectRef>
+          <a:fontRef idx="minor">
+            <a:schemeClr val="tx1"/>
+          </a:fontRef>
+        </p:style>
+      </p:cxnSp>
+      <p:sp>
+        <p:nvSpPr>
+          <p:cNvPr id="63" name="CaixaDeTexto 62"/>
+          <p:cNvSpPr txBox="1"/>
+          <p:nvPr/>
+        </p:nvSpPr>
+        <p:spPr>
+          <a:xfrm>
+            <a:off x="7656490" y="1583914"/>
+            <a:ext cx="965814" cy="369332"/>
+          </a:xfrm>
+          <a:prstGeom prst="rect">
+            <a:avLst/>
+          </a:prstGeom>
+          <a:noFill/>
+        </p:spPr>
+        <p:txBody>
+          <a:bodyPr wrap="square" rtlCol="0">
+            <a:spAutoFit/>
+          </a:bodyPr>
+          <a:lstStyle/>
+          <a:p>
+            <a:r>
+              <a:rPr lang="pt-BR" dirty="0" smtClean="0"/>
+              <a:t>RN07</a:t>
+            </a:r>
+            <a:endParaRPr lang="pt-BR" dirty="0"/>
+          </a:p>
+        </p:txBody>
+      </p:sp>
+      <p:sp>
+        <p:nvSpPr>
+          <p:cNvPr id="64" name="CaixaDeTexto 63"/>
+          <p:cNvSpPr txBox="1"/>
+          <p:nvPr/>
+        </p:nvSpPr>
+        <p:spPr>
+          <a:xfrm>
+            <a:off x="10126333" y="2966286"/>
+            <a:ext cx="965814" cy="369332"/>
+          </a:xfrm>
+          <a:prstGeom prst="rect">
+            <a:avLst/>
+          </a:prstGeom>
+          <a:noFill/>
+        </p:spPr>
+        <p:txBody>
+          <a:bodyPr wrap="square" rtlCol="0">
+            <a:spAutoFit/>
+          </a:bodyPr>
+          <a:lstStyle/>
+          <a:p>
+            <a:r>
+              <a:rPr lang="pt-BR" dirty="0" smtClean="0"/>
+              <a:t>RN08</a:t>
+            </a:r>
+            <a:endParaRPr lang="pt-BR" dirty="0"/>
+          </a:p>
+        </p:txBody>
+      </p:sp>
+    </p:spTree>
+    <p:extLst>
+      <p:ext uri="{BB962C8B-B14F-4D97-AF65-F5344CB8AC3E}">
+        <p14:creationId xmlns:p14="http://schemas.microsoft.com/office/powerpoint/2010/main" val="514782926"/>
+      </p:ext>
+    </p:extLst>
+  </p:cSld>
+  <p:clrMapOvr>
+    <a:masterClrMapping/>
+  </p:clrMapOvr>
+</p:sld>
+</file>
+
+<file path=ppt/slides/slide15.xml><?xml version="1.0" encoding="utf-8"?>
+<p:sld xmlns:a="http://schemas.openxmlformats.org/drawingml/2006/main" xmlns:r="http://schemas.openxmlformats.org/officeDocument/2006/relationships" xmlns:p="http://schemas.openxmlformats.org/presentationml/2006/main">
+  <p:cSld>
+    <p:spTree>
+      <p:nvGrpSpPr>
+        <p:cNvPr id="1" name=""/>
+        <p:cNvGrpSpPr/>
+        <p:nvPr/>
+      </p:nvGrpSpPr>
+      <p:grpSpPr>
+        <a:xfrm>
+          <a:off x="0" y="0"/>
+          <a:ext cx="0" cy="0"/>
+          <a:chOff x="0" y="0"/>
+          <a:chExt cx="0" cy="0"/>
+        </a:xfrm>
+      </p:grpSpPr>
+      <p:sp>
+        <p:nvSpPr>
+          <p:cNvPr id="2" name="Título 1"/>
+          <p:cNvSpPr>
+            <a:spLocks noGrp="1"/>
+          </p:cNvSpPr>
+          <p:nvPr>
+            <p:ph type="title"/>
+          </p:nvPr>
+        </p:nvSpPr>
+        <p:spPr>
+          <a:xfrm>
+            <a:off x="1407405" y="306905"/>
+            <a:ext cx="10515600" cy="450123"/>
+          </a:xfrm>
+        </p:spPr>
+        <p:txBody>
+          <a:bodyPr>
+            <a:normAutofit fontScale="90000"/>
+          </a:bodyPr>
+          <a:lstStyle/>
+          <a:p>
+            <a:r>
+              <a:rPr lang="pt-BR" dirty="0" err="1" smtClean="0"/>
+              <a:t>Logar</a:t>
+            </a:r>
+            <a:endParaRPr lang="pt-BR" dirty="0"/>
+          </a:p>
+        </p:txBody>
+      </p:sp>
+      <p:sp>
+        <p:nvSpPr>
+          <p:cNvPr id="3" name="Retângulo 2"/>
+          <p:cNvSpPr/>
+          <p:nvPr/>
+        </p:nvSpPr>
+        <p:spPr>
+          <a:xfrm>
+            <a:off x="1586429" y="1057620"/>
+            <a:ext cx="9386371" cy="5321146"/>
+          </a:xfrm>
+          <a:prstGeom prst="rect">
+            <a:avLst/>
+          </a:prstGeom>
+        </p:spPr>
+        <p:style>
+          <a:lnRef idx="2">
+            <a:schemeClr val="accent6"/>
+          </a:lnRef>
+          <a:fillRef idx="1">
+            <a:schemeClr val="lt1"/>
+          </a:fillRef>
+          <a:effectRef idx="0">
+            <a:schemeClr val="accent6"/>
+          </a:effectRef>
+          <a:fontRef idx="minor">
+            <a:schemeClr val="dk1"/>
+          </a:fontRef>
+        </p:style>
+        <p:txBody>
+          <a:bodyPr rtlCol="0" anchor="ctr"/>
+          <a:lstStyle/>
+          <a:p>
+            <a:pPr algn="ctr"/>
+            <a:endParaRPr lang="pt-BR"/>
+          </a:p>
+        </p:txBody>
+      </p:sp>
+      <p:sp>
+        <p:nvSpPr>
+          <p:cNvPr id="4" name="Elipse 3"/>
+          <p:cNvSpPr/>
+          <p:nvPr/>
+        </p:nvSpPr>
+        <p:spPr>
+          <a:xfrm>
+            <a:off x="5640636" y="2258458"/>
+            <a:ext cx="1024569" cy="1013552"/>
+          </a:xfrm>
+          <a:prstGeom prst="ellipse">
+            <a:avLst/>
+          </a:prstGeom>
+        </p:spPr>
+        <p:style>
+          <a:lnRef idx="2">
+            <a:schemeClr val="dk1">
+              <a:shade val="50000"/>
+            </a:schemeClr>
+          </a:lnRef>
+          <a:fillRef idx="1">
+            <a:schemeClr val="dk1"/>
+          </a:fillRef>
+          <a:effectRef idx="0">
+            <a:schemeClr val="dk1"/>
+          </a:effectRef>
+          <a:fontRef idx="minor">
+            <a:schemeClr val="lt1"/>
+          </a:fontRef>
+        </p:style>
+        <p:txBody>
+          <a:bodyPr rtlCol="0" anchor="ctr"/>
+          <a:lstStyle/>
+          <a:p>
+            <a:pPr algn="ctr"/>
+            <a:r>
+              <a:rPr lang="pt-BR" dirty="0" smtClean="0"/>
+              <a:t>LOGO</a:t>
+            </a:r>
+            <a:endParaRPr lang="pt-BR" dirty="0"/>
+          </a:p>
+        </p:txBody>
+      </p:sp>
+      <p:sp>
+        <p:nvSpPr>
+          <p:cNvPr id="7" name="Retângulo 6"/>
+          <p:cNvSpPr/>
+          <p:nvPr/>
+        </p:nvSpPr>
+        <p:spPr>
+          <a:xfrm>
+            <a:off x="5255045" y="3877937"/>
+            <a:ext cx="1795750" cy="264405"/>
+          </a:xfrm>
+          <a:prstGeom prst="rect">
+            <a:avLst/>
+          </a:prstGeom>
+        </p:spPr>
+        <p:style>
+          <a:lnRef idx="2">
+            <a:schemeClr val="accent1"/>
+          </a:lnRef>
+          <a:fillRef idx="1">
+            <a:schemeClr val="lt1"/>
+          </a:fillRef>
+          <a:effectRef idx="0">
+            <a:schemeClr val="accent1"/>
+          </a:effectRef>
+          <a:fontRef idx="minor">
+            <a:schemeClr val="dk1"/>
+          </a:fontRef>
+        </p:style>
+        <p:txBody>
+          <a:bodyPr rtlCol="0" anchor="ctr"/>
+          <a:lstStyle/>
+          <a:p>
+            <a:pPr algn="ctr"/>
+            <a:endParaRPr lang="pt-BR"/>
+          </a:p>
+        </p:txBody>
+      </p:sp>
+      <p:sp>
+        <p:nvSpPr>
+          <p:cNvPr id="41" name="Retângulo 40"/>
+          <p:cNvSpPr/>
+          <p:nvPr/>
+        </p:nvSpPr>
+        <p:spPr>
+          <a:xfrm>
+            <a:off x="5255045" y="4483864"/>
+            <a:ext cx="1795750" cy="264405"/>
+          </a:xfrm>
+          <a:prstGeom prst="rect">
+            <a:avLst/>
+          </a:prstGeom>
+        </p:spPr>
+        <p:style>
+          <a:lnRef idx="2">
+            <a:schemeClr val="accent5"/>
+          </a:lnRef>
+          <a:fillRef idx="1">
+            <a:schemeClr val="lt1"/>
+          </a:fillRef>
+          <a:effectRef idx="0">
+            <a:schemeClr val="accent5"/>
+          </a:effectRef>
+          <a:fontRef idx="minor">
+            <a:schemeClr val="dk1"/>
+          </a:fontRef>
+        </p:style>
+        <p:txBody>
+          <a:bodyPr rtlCol="0" anchor="ctr"/>
+          <a:lstStyle/>
+          <a:p>
+            <a:pPr algn="ctr"/>
+            <a:endParaRPr lang="pt-BR"/>
+          </a:p>
+        </p:txBody>
+      </p:sp>
+      <p:sp>
+        <p:nvSpPr>
+          <p:cNvPr id="9" name="Retângulo Arredondado 8"/>
+          <p:cNvSpPr/>
+          <p:nvPr/>
+        </p:nvSpPr>
+        <p:spPr>
+          <a:xfrm>
+            <a:off x="5652111" y="5308562"/>
+            <a:ext cx="1024569" cy="319489"/>
+          </a:xfrm>
+          <a:prstGeom prst="roundRect">
+            <a:avLst/>
+          </a:prstGeom>
+        </p:spPr>
+        <p:style>
+          <a:lnRef idx="2">
+            <a:schemeClr val="accent1">
+              <a:shade val="50000"/>
+            </a:schemeClr>
+          </a:lnRef>
+          <a:fillRef idx="1">
+            <a:schemeClr val="accent1"/>
+          </a:fillRef>
+          <a:effectRef idx="0">
+            <a:schemeClr val="accent1"/>
+          </a:effectRef>
+          <a:fontRef idx="minor">
+            <a:schemeClr val="lt1"/>
+          </a:fontRef>
+        </p:style>
+        <p:txBody>
+          <a:bodyPr rtlCol="0" anchor="ctr"/>
+          <a:lstStyle/>
+          <a:p>
+            <a:pPr algn="ctr"/>
+            <a:r>
+              <a:rPr lang="pt-BR" dirty="0" err="1" smtClean="0"/>
+              <a:t>Logar</a:t>
+            </a:r>
+            <a:endParaRPr lang="pt-BR" dirty="0"/>
+          </a:p>
+        </p:txBody>
+      </p:sp>
+      <p:sp>
+        <p:nvSpPr>
+          <p:cNvPr id="42" name="Título 1"/>
+          <p:cNvSpPr txBox="1">
+            <a:spLocks/>
+          </p:cNvSpPr>
+          <p:nvPr/>
+        </p:nvSpPr>
+        <p:spPr>
+          <a:xfrm>
+            <a:off x="5116875" y="3459298"/>
+            <a:ext cx="1047521" cy="450123"/>
+          </a:xfrm>
+          <a:prstGeom prst="rect">
+            <a:avLst/>
+          </a:prstGeom>
+        </p:spPr>
+        <p:txBody>
+          <a:bodyPr vert="horz" lIns="91440" tIns="45720" rIns="91440" bIns="45720" rtlCol="0" anchor="ctr">
+            <a:normAutofit fontScale="97500"/>
+          </a:bodyPr>
+          <a:lstStyle>
+            <a:lvl1pPr algn="l" defTabSz="914400" rtl="0" eaLnBrk="1" latinLnBrk="0" hangingPunct="1">
+              <a:lnSpc>
+                <a:spcPct val="90000"/>
+              </a:lnSpc>
+              <a:spcBef>
+                <a:spcPct val="0"/>
+              </a:spcBef>
+              <a:buNone/>
+              <a:defRPr sz="4400" kern="1200">
+                <a:solidFill>
+                  <a:schemeClr val="tx1"/>
+                </a:solidFill>
+                <a:latin typeface="+mj-lt"/>
+                <a:ea typeface="+mj-ea"/>
+                <a:cs typeface="+mj-cs"/>
+              </a:defRPr>
+            </a:lvl1pPr>
+          </a:lstStyle>
+          <a:p>
+            <a:r>
+              <a:rPr lang="pt-BR" sz="2200" dirty="0" err="1" smtClean="0"/>
+              <a:t>Login</a:t>
+            </a:r>
+            <a:endParaRPr lang="pt-BR" sz="2200" dirty="0"/>
+          </a:p>
+        </p:txBody>
+      </p:sp>
+      <p:sp>
+        <p:nvSpPr>
+          <p:cNvPr id="53" name="Título 1"/>
+          <p:cNvSpPr txBox="1">
+            <a:spLocks/>
+          </p:cNvSpPr>
+          <p:nvPr/>
+        </p:nvSpPr>
+        <p:spPr>
+          <a:xfrm>
+            <a:off x="5138907" y="4107725"/>
+            <a:ext cx="1047521" cy="450123"/>
+          </a:xfrm>
+          <a:prstGeom prst="rect">
+            <a:avLst/>
+          </a:prstGeom>
+        </p:spPr>
+        <p:txBody>
+          <a:bodyPr vert="horz" lIns="91440" tIns="45720" rIns="91440" bIns="45720" rtlCol="0" anchor="ctr">
+            <a:normAutofit fontScale="97500"/>
+          </a:bodyPr>
+          <a:lstStyle>
+            <a:lvl1pPr algn="l" defTabSz="914400" rtl="0" eaLnBrk="1" latinLnBrk="0" hangingPunct="1">
+              <a:lnSpc>
+                <a:spcPct val="90000"/>
+              </a:lnSpc>
+              <a:spcBef>
+                <a:spcPct val="0"/>
+              </a:spcBef>
+              <a:buNone/>
+              <a:defRPr sz="4400" kern="1200">
+                <a:solidFill>
+                  <a:schemeClr val="tx1"/>
+                </a:solidFill>
+                <a:latin typeface="+mj-lt"/>
+                <a:ea typeface="+mj-ea"/>
+                <a:cs typeface="+mj-cs"/>
+              </a:defRPr>
+            </a:lvl1pPr>
+          </a:lstStyle>
+          <a:p>
+            <a:r>
+              <a:rPr lang="pt-BR" sz="2200" dirty="0" smtClean="0"/>
+              <a:t>Senha</a:t>
+            </a:r>
+            <a:endParaRPr lang="pt-BR" sz="2200" dirty="0"/>
+          </a:p>
+        </p:txBody>
+      </p:sp>
+      <p:sp>
+        <p:nvSpPr>
+          <p:cNvPr id="54" name="Título 1"/>
+          <p:cNvSpPr txBox="1">
+            <a:spLocks/>
+          </p:cNvSpPr>
+          <p:nvPr/>
+        </p:nvSpPr>
+        <p:spPr>
+          <a:xfrm>
+            <a:off x="5255045" y="4702635"/>
+            <a:ext cx="1795750" cy="450123"/>
+          </a:xfrm>
+          <a:prstGeom prst="rect">
+            <a:avLst/>
+          </a:prstGeom>
+        </p:spPr>
+        <p:txBody>
+          <a:bodyPr vert="horz" lIns="91440" tIns="45720" rIns="91440" bIns="45720" rtlCol="0" anchor="ctr">
+            <a:normAutofit fontScale="97500"/>
+          </a:bodyPr>
+          <a:lstStyle>
+            <a:lvl1pPr algn="l" defTabSz="914400" rtl="0" eaLnBrk="1" latinLnBrk="0" hangingPunct="1">
+              <a:lnSpc>
+                <a:spcPct val="90000"/>
+              </a:lnSpc>
+              <a:spcBef>
+                <a:spcPct val="0"/>
+              </a:spcBef>
+              <a:buNone/>
+              <a:defRPr sz="4400" kern="1200">
+                <a:solidFill>
+                  <a:schemeClr val="tx1"/>
+                </a:solidFill>
+                <a:latin typeface="+mj-lt"/>
+                <a:ea typeface="+mj-ea"/>
+                <a:cs typeface="+mj-cs"/>
+              </a:defRPr>
+            </a:lvl1pPr>
+          </a:lstStyle>
+          <a:p>
+            <a:pPr algn="r"/>
+            <a:r>
+              <a:rPr lang="pt-BR" sz="1600" dirty="0" smtClean="0">
+                <a:solidFill>
+                  <a:schemeClr val="bg2">
+                    <a:lumMod val="75000"/>
+                  </a:schemeClr>
+                </a:solidFill>
+              </a:rPr>
+              <a:t>Resetar senha</a:t>
+            </a:r>
+            <a:endParaRPr lang="pt-BR" sz="1600" dirty="0">
+              <a:solidFill>
+                <a:schemeClr val="bg2">
+                  <a:lumMod val="75000"/>
+                </a:schemeClr>
+              </a:solidFill>
+            </a:endParaRPr>
+          </a:p>
+        </p:txBody>
+      </p:sp>
+    </p:spTree>
+    <p:extLst>
+      <p:ext uri="{BB962C8B-B14F-4D97-AF65-F5344CB8AC3E}">
+        <p14:creationId xmlns:p14="http://schemas.microsoft.com/office/powerpoint/2010/main" val="420677186"/>
+      </p:ext>
+    </p:extLst>
+  </p:cSld>
+  <p:clrMapOvr>
+    <a:masterClrMapping/>
+  </p:clrMapOvr>
+</p:sld>
+</file>
+
+<file path=ppt/slides/slide16.xml><?xml version="1.0" encoding="utf-8"?>
+<p:sld xmlns:a="http://schemas.openxmlformats.org/drawingml/2006/main" xmlns:r="http://schemas.openxmlformats.org/officeDocument/2006/relationships" xmlns:p="http://schemas.openxmlformats.org/presentationml/2006/main">
+  <p:cSld>
+    <p:spTree>
+      <p:nvGrpSpPr>
+        <p:cNvPr id="1" name=""/>
+        <p:cNvGrpSpPr/>
+        <p:nvPr/>
+      </p:nvGrpSpPr>
+      <p:grpSpPr>
+        <a:xfrm>
+          <a:off x="0" y="0"/>
+          <a:ext cx="0" cy="0"/>
+          <a:chOff x="0" y="0"/>
+          <a:chExt cx="0" cy="0"/>
+        </a:xfrm>
+      </p:grpSpPr>
+      <p:sp>
+        <p:nvSpPr>
+          <p:cNvPr id="2" name="Título 1"/>
+          <p:cNvSpPr>
+            <a:spLocks noGrp="1"/>
+          </p:cNvSpPr>
+          <p:nvPr>
+            <p:ph type="title"/>
+          </p:nvPr>
+        </p:nvSpPr>
+        <p:spPr>
+          <a:xfrm>
+            <a:off x="1407405" y="306905"/>
+            <a:ext cx="10515600" cy="450123"/>
+          </a:xfrm>
+        </p:spPr>
+        <p:txBody>
+          <a:bodyPr>
+            <a:normAutofit fontScale="90000"/>
+          </a:bodyPr>
+          <a:lstStyle/>
+          <a:p>
+            <a:r>
+              <a:rPr lang="pt-BR" dirty="0" smtClean="0"/>
+              <a:t>Livros (Tela Inicial</a:t>
+            </a:r>
+            <a:endParaRPr lang="pt-BR" dirty="0"/>
+          </a:p>
+        </p:txBody>
+      </p:sp>
+      <p:sp>
+        <p:nvSpPr>
+          <p:cNvPr id="3" name="Retângulo 2"/>
+          <p:cNvSpPr/>
+          <p:nvPr/>
+        </p:nvSpPr>
+        <p:spPr>
+          <a:xfrm>
+            <a:off x="1586429" y="1057620"/>
+            <a:ext cx="9386371" cy="5321146"/>
+          </a:xfrm>
+          <a:prstGeom prst="rect">
+            <a:avLst/>
+          </a:prstGeom>
+        </p:spPr>
+        <p:style>
+          <a:lnRef idx="2">
+            <a:schemeClr val="accent6"/>
+          </a:lnRef>
+          <a:fillRef idx="1">
+            <a:schemeClr val="lt1"/>
+          </a:fillRef>
+          <a:effectRef idx="0">
+            <a:schemeClr val="accent6"/>
+          </a:effectRef>
+          <a:fontRef idx="minor">
+            <a:schemeClr val="dk1"/>
+          </a:fontRef>
+        </p:style>
+        <p:txBody>
+          <a:bodyPr rtlCol="0" anchor="ctr"/>
+          <a:lstStyle/>
+          <a:p>
+            <a:pPr algn="ctr"/>
+            <a:endParaRPr lang="pt-BR"/>
+          </a:p>
+        </p:txBody>
+      </p:sp>
+      <p:sp>
+        <p:nvSpPr>
+          <p:cNvPr id="11" name="Retângulo 10"/>
+          <p:cNvSpPr/>
+          <p:nvPr/>
+        </p:nvSpPr>
+        <p:spPr>
+          <a:xfrm>
+            <a:off x="1603413" y="1057620"/>
+            <a:ext cx="9386371" cy="616944"/>
+          </a:xfrm>
+          <a:prstGeom prst="rect">
+            <a:avLst/>
+          </a:prstGeom>
+        </p:spPr>
+        <p:style>
+          <a:lnRef idx="2">
+            <a:schemeClr val="accent6"/>
+          </a:lnRef>
+          <a:fillRef idx="1">
+            <a:schemeClr val="lt1"/>
+          </a:fillRef>
+          <a:effectRef idx="0">
+            <a:schemeClr val="accent6"/>
+          </a:effectRef>
+          <a:fontRef idx="minor">
+            <a:schemeClr val="dk1"/>
+          </a:fontRef>
+        </p:style>
+        <p:txBody>
+          <a:bodyPr rtlCol="0" anchor="ctr"/>
+          <a:lstStyle/>
+          <a:p>
+            <a:pPr algn="ctr"/>
+            <a:endParaRPr lang="pt-BR"/>
+          </a:p>
+        </p:txBody>
+      </p:sp>
+      <p:sp>
+        <p:nvSpPr>
+          <p:cNvPr id="4" name="Elipse 3"/>
+          <p:cNvSpPr/>
+          <p:nvPr/>
+        </p:nvSpPr>
+        <p:spPr>
+          <a:xfrm>
+            <a:off x="10344839" y="1145754"/>
+            <a:ext cx="451692" cy="396608"/>
+          </a:xfrm>
+          <a:prstGeom prst="ellipse">
+            <a:avLst/>
+          </a:prstGeom>
+        </p:spPr>
+        <p:style>
+          <a:lnRef idx="2">
+            <a:schemeClr val="dk1">
+              <a:shade val="50000"/>
+            </a:schemeClr>
+          </a:lnRef>
+          <a:fillRef idx="1">
+            <a:schemeClr val="dk1"/>
+          </a:fillRef>
+          <a:effectRef idx="0">
+            <a:schemeClr val="dk1"/>
+          </a:effectRef>
+          <a:fontRef idx="minor">
+            <a:schemeClr val="lt1"/>
+          </a:fontRef>
+        </p:style>
+        <p:txBody>
+          <a:bodyPr rtlCol="0" anchor="ctr"/>
+          <a:lstStyle/>
+          <a:p>
+            <a:pPr algn="ctr"/>
+            <a:r>
+              <a:rPr lang="pt-BR" dirty="0" smtClean="0"/>
+              <a:t>R</a:t>
+            </a:r>
+            <a:endParaRPr lang="pt-BR" dirty="0"/>
+          </a:p>
+        </p:txBody>
+      </p:sp>
+      <p:sp>
+        <p:nvSpPr>
+          <p:cNvPr id="5" name="Retângulo Arredondado 4"/>
+          <p:cNvSpPr/>
+          <p:nvPr/>
+        </p:nvSpPr>
+        <p:spPr>
+          <a:xfrm>
+            <a:off x="2027104" y="1975156"/>
+            <a:ext cx="1575412" cy="1935832"/>
+          </a:xfrm>
+          <a:prstGeom prst="roundRect">
+            <a:avLst/>
+          </a:prstGeom>
+        </p:spPr>
+        <p:style>
+          <a:lnRef idx="2">
+            <a:schemeClr val="accent5"/>
+          </a:lnRef>
+          <a:fillRef idx="1">
+            <a:schemeClr val="lt1"/>
+          </a:fillRef>
+          <a:effectRef idx="0">
+            <a:schemeClr val="accent5"/>
+          </a:effectRef>
+          <a:fontRef idx="minor">
+            <a:schemeClr val="dk1"/>
+          </a:fontRef>
+        </p:style>
+        <p:txBody>
+          <a:bodyPr rtlCol="0" anchor="ctr"/>
+          <a:lstStyle/>
+          <a:p>
+            <a:pPr algn="ctr"/>
+            <a:r>
+              <a:rPr lang="pt-BR" sz="2000" b="1" dirty="0" smtClean="0"/>
+              <a:t>Vidas Secas</a:t>
+            </a:r>
+          </a:p>
+          <a:p>
+            <a:pPr algn="ctr"/>
+            <a:r>
+              <a:rPr lang="pt-BR" sz="1200" dirty="0" smtClean="0"/>
+              <a:t>[Menino Feio]</a:t>
+            </a:r>
+            <a:endParaRPr lang="pt-BR" sz="1200" dirty="0"/>
+          </a:p>
+        </p:txBody>
+      </p:sp>
+      <p:sp>
+        <p:nvSpPr>
+          <p:cNvPr id="13" name="Retângulo Arredondado 12"/>
+          <p:cNvSpPr/>
+          <p:nvPr/>
+        </p:nvSpPr>
+        <p:spPr>
+          <a:xfrm>
+            <a:off x="3756753" y="1975156"/>
+            <a:ext cx="1575412" cy="1935832"/>
+          </a:xfrm>
+          <a:prstGeom prst="roundRect">
+            <a:avLst/>
+          </a:prstGeom>
+        </p:spPr>
+        <p:style>
+          <a:lnRef idx="2">
+            <a:schemeClr val="accent5"/>
+          </a:lnRef>
+          <a:fillRef idx="1">
+            <a:schemeClr val="lt1"/>
+          </a:fillRef>
+          <a:effectRef idx="0">
+            <a:schemeClr val="accent5"/>
+          </a:effectRef>
+          <a:fontRef idx="minor">
+            <a:schemeClr val="dk1"/>
+          </a:fontRef>
+        </p:style>
+        <p:txBody>
+          <a:bodyPr rtlCol="0" anchor="ctr"/>
+          <a:lstStyle/>
+          <a:p>
+            <a:pPr algn="ctr"/>
+            <a:r>
+              <a:rPr lang="pt-BR" sz="2000" b="1" dirty="0" smtClean="0"/>
+              <a:t>Vidas Secas</a:t>
+            </a:r>
+          </a:p>
+          <a:p>
+            <a:pPr algn="ctr"/>
+            <a:r>
+              <a:rPr lang="pt-BR" sz="1200" dirty="0" smtClean="0"/>
+              <a:t>[Menino Feio]</a:t>
+            </a:r>
+            <a:endParaRPr lang="pt-BR" sz="1200" dirty="0"/>
+          </a:p>
+        </p:txBody>
+      </p:sp>
+      <p:sp>
+        <p:nvSpPr>
+          <p:cNvPr id="14" name="Retângulo Arredondado 13"/>
+          <p:cNvSpPr/>
+          <p:nvPr/>
+        </p:nvSpPr>
+        <p:spPr>
+          <a:xfrm>
+            <a:off x="5486402" y="1975156"/>
+            <a:ext cx="1575412" cy="1935832"/>
+          </a:xfrm>
+          <a:prstGeom prst="roundRect">
+            <a:avLst/>
+          </a:prstGeom>
+        </p:spPr>
+        <p:style>
+          <a:lnRef idx="2">
+            <a:schemeClr val="accent5"/>
+          </a:lnRef>
+          <a:fillRef idx="1">
+            <a:schemeClr val="lt1"/>
+          </a:fillRef>
+          <a:effectRef idx="0">
+            <a:schemeClr val="accent5"/>
+          </a:effectRef>
+          <a:fontRef idx="minor">
+            <a:schemeClr val="dk1"/>
+          </a:fontRef>
+        </p:style>
+        <p:txBody>
+          <a:bodyPr rtlCol="0" anchor="ctr"/>
+          <a:lstStyle/>
+          <a:p>
+            <a:pPr algn="ctr"/>
+            <a:r>
+              <a:rPr lang="pt-BR" sz="2000" b="1" dirty="0" smtClean="0"/>
+              <a:t>Vidas Secas</a:t>
+            </a:r>
+          </a:p>
+          <a:p>
+            <a:pPr algn="ctr"/>
+            <a:r>
+              <a:rPr lang="pt-BR" sz="1200" dirty="0" smtClean="0"/>
+              <a:t>[Menino Feio]</a:t>
+            </a:r>
+            <a:endParaRPr lang="pt-BR" sz="1200" dirty="0"/>
+          </a:p>
+        </p:txBody>
+      </p:sp>
+      <p:sp>
+        <p:nvSpPr>
+          <p:cNvPr id="15" name="Retângulo Arredondado 14"/>
+          <p:cNvSpPr/>
+          <p:nvPr/>
+        </p:nvSpPr>
+        <p:spPr>
+          <a:xfrm>
+            <a:off x="7216051" y="1975156"/>
+            <a:ext cx="1575412" cy="1935832"/>
+          </a:xfrm>
+          <a:prstGeom prst="roundRect">
+            <a:avLst/>
+          </a:prstGeom>
+        </p:spPr>
+        <p:style>
+          <a:lnRef idx="2">
+            <a:schemeClr val="accent5"/>
+          </a:lnRef>
+          <a:fillRef idx="1">
+            <a:schemeClr val="lt1"/>
+          </a:fillRef>
+          <a:effectRef idx="0">
+            <a:schemeClr val="accent5"/>
+          </a:effectRef>
+          <a:fontRef idx="minor">
+            <a:schemeClr val="dk1"/>
+          </a:fontRef>
+        </p:style>
+        <p:txBody>
+          <a:bodyPr rtlCol="0" anchor="ctr"/>
+          <a:lstStyle/>
+          <a:p>
+            <a:pPr algn="ctr"/>
+            <a:r>
+              <a:rPr lang="pt-BR" sz="2000" b="1" dirty="0" smtClean="0"/>
+              <a:t>Vidas Secas</a:t>
+            </a:r>
+          </a:p>
+          <a:p>
+            <a:pPr algn="ctr"/>
+            <a:r>
+              <a:rPr lang="pt-BR" sz="1200" dirty="0" smtClean="0"/>
+              <a:t>[Menino Feio]</a:t>
+            </a:r>
+            <a:endParaRPr lang="pt-BR" sz="1200" dirty="0"/>
+          </a:p>
+        </p:txBody>
+      </p:sp>
+      <p:sp>
+        <p:nvSpPr>
+          <p:cNvPr id="16" name="Retângulo Arredondado 15"/>
+          <p:cNvSpPr/>
+          <p:nvPr/>
+        </p:nvSpPr>
+        <p:spPr>
+          <a:xfrm>
+            <a:off x="8945700" y="1975156"/>
+            <a:ext cx="1575412" cy="1935832"/>
+          </a:xfrm>
+          <a:prstGeom prst="roundRect">
+            <a:avLst/>
+          </a:prstGeom>
+        </p:spPr>
+        <p:style>
+          <a:lnRef idx="2">
+            <a:schemeClr val="accent5"/>
+          </a:lnRef>
+          <a:fillRef idx="1">
+            <a:schemeClr val="lt1"/>
+          </a:fillRef>
+          <a:effectRef idx="0">
+            <a:schemeClr val="accent5"/>
+          </a:effectRef>
+          <a:fontRef idx="minor">
+            <a:schemeClr val="dk1"/>
+          </a:fontRef>
+        </p:style>
+        <p:txBody>
+          <a:bodyPr rtlCol="0" anchor="ctr"/>
+          <a:lstStyle/>
+          <a:p>
+            <a:pPr algn="ctr"/>
+            <a:r>
+              <a:rPr lang="pt-BR" sz="2000" b="1" dirty="0" smtClean="0"/>
+              <a:t>Vidas Secas</a:t>
+            </a:r>
+          </a:p>
+          <a:p>
+            <a:pPr algn="ctr"/>
+            <a:r>
+              <a:rPr lang="pt-BR" sz="1200" dirty="0" smtClean="0"/>
+              <a:t>[Menino Feio]</a:t>
+            </a:r>
+            <a:endParaRPr lang="pt-BR" sz="1200" dirty="0"/>
+          </a:p>
+        </p:txBody>
+      </p:sp>
+      <p:sp>
+        <p:nvSpPr>
+          <p:cNvPr id="17" name="Retângulo Arredondado 16"/>
+          <p:cNvSpPr/>
+          <p:nvPr/>
+        </p:nvSpPr>
+        <p:spPr>
+          <a:xfrm>
+            <a:off x="2027104" y="4011441"/>
+            <a:ext cx="1575412" cy="1935832"/>
+          </a:xfrm>
+          <a:prstGeom prst="roundRect">
+            <a:avLst/>
+          </a:prstGeom>
+        </p:spPr>
+        <p:style>
+          <a:lnRef idx="2">
+            <a:schemeClr val="accent5"/>
+          </a:lnRef>
+          <a:fillRef idx="1">
+            <a:schemeClr val="lt1"/>
+          </a:fillRef>
+          <a:effectRef idx="0">
+            <a:schemeClr val="accent5"/>
+          </a:effectRef>
+          <a:fontRef idx="minor">
+            <a:schemeClr val="dk1"/>
+          </a:fontRef>
+        </p:style>
+        <p:txBody>
+          <a:bodyPr rtlCol="0" anchor="ctr"/>
+          <a:lstStyle/>
+          <a:p>
+            <a:pPr algn="ctr"/>
+            <a:r>
+              <a:rPr lang="pt-BR" sz="2000" b="1" dirty="0" smtClean="0"/>
+              <a:t>Vidas Secas</a:t>
+            </a:r>
+          </a:p>
+          <a:p>
+            <a:pPr algn="ctr"/>
+            <a:r>
+              <a:rPr lang="pt-BR" sz="1200" dirty="0" smtClean="0"/>
+              <a:t>[Menino Feio]</a:t>
+            </a:r>
+            <a:endParaRPr lang="pt-BR" sz="1200" dirty="0"/>
+          </a:p>
+        </p:txBody>
+      </p:sp>
+      <p:sp>
+        <p:nvSpPr>
+          <p:cNvPr id="18" name="Retângulo Arredondado 17"/>
+          <p:cNvSpPr/>
+          <p:nvPr/>
+        </p:nvSpPr>
+        <p:spPr>
+          <a:xfrm>
+            <a:off x="3756753" y="4011441"/>
+            <a:ext cx="1575412" cy="1935832"/>
+          </a:xfrm>
+          <a:prstGeom prst="roundRect">
+            <a:avLst/>
+          </a:prstGeom>
+        </p:spPr>
+        <p:style>
+          <a:lnRef idx="2">
+            <a:schemeClr val="accent5"/>
+          </a:lnRef>
+          <a:fillRef idx="1">
+            <a:schemeClr val="lt1"/>
+          </a:fillRef>
+          <a:effectRef idx="0">
+            <a:schemeClr val="accent5"/>
+          </a:effectRef>
+          <a:fontRef idx="minor">
+            <a:schemeClr val="dk1"/>
+          </a:fontRef>
+        </p:style>
+        <p:txBody>
+          <a:bodyPr rtlCol="0" anchor="ctr"/>
+          <a:lstStyle/>
+          <a:p>
+            <a:pPr algn="ctr"/>
+            <a:r>
+              <a:rPr lang="pt-BR" sz="2000" b="1" dirty="0" smtClean="0"/>
+              <a:t>Vidas Secas</a:t>
+            </a:r>
+          </a:p>
+          <a:p>
+            <a:pPr algn="ctr"/>
+            <a:r>
+              <a:rPr lang="pt-BR" sz="1200" dirty="0" smtClean="0"/>
+              <a:t>[Menino Feio]</a:t>
+            </a:r>
+            <a:endParaRPr lang="pt-BR" sz="1200" dirty="0"/>
+          </a:p>
+        </p:txBody>
+      </p:sp>
+      <p:sp>
+        <p:nvSpPr>
+          <p:cNvPr id="19" name="Retângulo Arredondado 18"/>
+          <p:cNvSpPr/>
+          <p:nvPr/>
+        </p:nvSpPr>
+        <p:spPr>
+          <a:xfrm>
+            <a:off x="5486402" y="4011441"/>
+            <a:ext cx="1575412" cy="1935832"/>
+          </a:xfrm>
+          <a:prstGeom prst="roundRect">
+            <a:avLst/>
+          </a:prstGeom>
+        </p:spPr>
+        <p:style>
+          <a:lnRef idx="2">
+            <a:schemeClr val="accent5"/>
+          </a:lnRef>
+          <a:fillRef idx="1">
+            <a:schemeClr val="lt1"/>
+          </a:fillRef>
+          <a:effectRef idx="0">
+            <a:schemeClr val="accent5"/>
+          </a:effectRef>
+          <a:fontRef idx="minor">
+            <a:schemeClr val="dk1"/>
+          </a:fontRef>
+        </p:style>
+        <p:txBody>
+          <a:bodyPr rtlCol="0" anchor="ctr"/>
+          <a:lstStyle/>
+          <a:p>
+            <a:pPr algn="ctr"/>
+            <a:r>
+              <a:rPr lang="pt-BR" sz="2000" b="1" dirty="0" smtClean="0"/>
+              <a:t>Vidas Secas</a:t>
+            </a:r>
+          </a:p>
+          <a:p>
+            <a:pPr algn="ctr"/>
+            <a:r>
+              <a:rPr lang="pt-BR" sz="1200" dirty="0" smtClean="0"/>
+              <a:t>[Menino Feio]</a:t>
+            </a:r>
+            <a:endParaRPr lang="pt-BR" sz="1200" dirty="0"/>
+          </a:p>
+        </p:txBody>
+      </p:sp>
+      <p:sp>
+        <p:nvSpPr>
+          <p:cNvPr id="20" name="Retângulo Arredondado 19"/>
+          <p:cNvSpPr/>
+          <p:nvPr/>
+        </p:nvSpPr>
+        <p:spPr>
+          <a:xfrm>
+            <a:off x="7216051" y="4011441"/>
+            <a:ext cx="1575412" cy="1935832"/>
+          </a:xfrm>
+          <a:prstGeom prst="roundRect">
+            <a:avLst/>
+          </a:prstGeom>
+        </p:spPr>
+        <p:style>
+          <a:lnRef idx="2">
+            <a:schemeClr val="accent5"/>
+          </a:lnRef>
+          <a:fillRef idx="1">
+            <a:schemeClr val="lt1"/>
+          </a:fillRef>
+          <a:effectRef idx="0">
+            <a:schemeClr val="accent5"/>
+          </a:effectRef>
+          <a:fontRef idx="minor">
+            <a:schemeClr val="dk1"/>
+          </a:fontRef>
+        </p:style>
+        <p:txBody>
+          <a:bodyPr rtlCol="0" anchor="ctr"/>
+          <a:lstStyle/>
+          <a:p>
+            <a:pPr algn="ctr"/>
+            <a:r>
+              <a:rPr lang="pt-BR" sz="2000" b="1" dirty="0" smtClean="0"/>
+              <a:t>Vidas Secas</a:t>
+            </a:r>
+          </a:p>
+          <a:p>
+            <a:pPr algn="ctr"/>
+            <a:r>
+              <a:rPr lang="pt-BR" sz="1200" dirty="0" smtClean="0"/>
+              <a:t>[Menino Feio]</a:t>
+            </a:r>
+            <a:endParaRPr lang="pt-BR" sz="1200" dirty="0"/>
+          </a:p>
+        </p:txBody>
+      </p:sp>
+      <p:sp>
+        <p:nvSpPr>
+          <p:cNvPr id="21" name="Retângulo Arredondado 20"/>
+          <p:cNvSpPr/>
+          <p:nvPr/>
+        </p:nvSpPr>
+        <p:spPr>
+          <a:xfrm>
+            <a:off x="8945700" y="4011441"/>
+            <a:ext cx="1575412" cy="1935832"/>
+          </a:xfrm>
+          <a:prstGeom prst="roundRect">
+            <a:avLst/>
+          </a:prstGeom>
+        </p:spPr>
+        <p:style>
+          <a:lnRef idx="2">
+            <a:schemeClr val="accent5"/>
+          </a:lnRef>
+          <a:fillRef idx="1">
+            <a:schemeClr val="lt1"/>
+          </a:fillRef>
+          <a:effectRef idx="0">
+            <a:schemeClr val="accent5"/>
+          </a:effectRef>
+          <a:fontRef idx="minor">
+            <a:schemeClr val="dk1"/>
+          </a:fontRef>
+        </p:style>
+        <p:txBody>
+          <a:bodyPr rtlCol="0" anchor="ctr"/>
+          <a:lstStyle/>
+          <a:p>
+            <a:pPr algn="ctr"/>
+            <a:r>
+              <a:rPr lang="pt-BR" sz="2000" b="1" dirty="0" smtClean="0"/>
+              <a:t>Vidas Secas</a:t>
+            </a:r>
+          </a:p>
+          <a:p>
+            <a:pPr algn="ctr"/>
+            <a:r>
+              <a:rPr lang="pt-BR" sz="1200" dirty="0" smtClean="0"/>
+              <a:t>[Menino Feio]</a:t>
+            </a:r>
+            <a:endParaRPr lang="pt-BR" sz="1200" dirty="0"/>
+          </a:p>
+        </p:txBody>
+      </p:sp>
+      <p:sp>
+        <p:nvSpPr>
+          <p:cNvPr id="22" name="Retângulo Arredondado 21"/>
+          <p:cNvSpPr/>
+          <p:nvPr/>
+        </p:nvSpPr>
+        <p:spPr>
+          <a:xfrm>
+            <a:off x="2159306" y="1261432"/>
+            <a:ext cx="1112705" cy="280930"/>
+          </a:xfrm>
+          <a:prstGeom prst="roundRect">
+            <a:avLst/>
+          </a:prstGeom>
+          <a:ln>
+            <a:noFill/>
+          </a:ln>
+        </p:spPr>
+        <p:style>
+          <a:lnRef idx="2">
+            <a:schemeClr val="accent5"/>
+          </a:lnRef>
+          <a:fillRef idx="1">
+            <a:schemeClr val="lt1"/>
+          </a:fillRef>
+          <a:effectRef idx="0">
+            <a:schemeClr val="accent5"/>
+          </a:effectRef>
+          <a:fontRef idx="minor">
+            <a:schemeClr val="dk1"/>
+          </a:fontRef>
+        </p:style>
+        <p:txBody>
+          <a:bodyPr rtlCol="0" anchor="ctr"/>
+          <a:lstStyle/>
+          <a:p>
+            <a:pPr algn="ctr"/>
+            <a:r>
+              <a:rPr lang="pt-BR" sz="1600" dirty="0" smtClean="0"/>
+              <a:t>Livros</a:t>
+            </a:r>
+            <a:endParaRPr lang="pt-BR" sz="1600" dirty="0"/>
+          </a:p>
+        </p:txBody>
+      </p:sp>
+      <p:sp>
+        <p:nvSpPr>
+          <p:cNvPr id="23" name="Retângulo Arredondado 22"/>
+          <p:cNvSpPr/>
+          <p:nvPr/>
+        </p:nvSpPr>
+        <p:spPr>
+          <a:xfrm>
+            <a:off x="3602516" y="1225627"/>
+            <a:ext cx="1542361" cy="280930"/>
+          </a:xfrm>
+          <a:prstGeom prst="roundRect">
+            <a:avLst/>
+          </a:prstGeom>
+          <a:ln>
+            <a:noFill/>
+          </a:ln>
+        </p:spPr>
+        <p:style>
+          <a:lnRef idx="2">
+            <a:schemeClr val="accent5"/>
+          </a:lnRef>
+          <a:fillRef idx="1">
+            <a:schemeClr val="lt1"/>
+          </a:fillRef>
+          <a:effectRef idx="0">
+            <a:schemeClr val="accent5"/>
+          </a:effectRef>
+          <a:fontRef idx="minor">
+            <a:schemeClr val="dk1"/>
+          </a:fontRef>
+        </p:style>
+        <p:txBody>
+          <a:bodyPr rtlCol="0" anchor="ctr"/>
+          <a:lstStyle/>
+          <a:p>
+            <a:pPr algn="ctr"/>
+            <a:r>
+              <a:rPr lang="pt-BR" sz="1600" dirty="0"/>
+              <a:t>Ú</a:t>
+            </a:r>
+            <a:r>
+              <a:rPr lang="pt-BR" sz="1600" dirty="0" smtClean="0"/>
+              <a:t>ltima leitura</a:t>
+            </a:r>
+            <a:endParaRPr lang="pt-BR" sz="1600" dirty="0"/>
+          </a:p>
+        </p:txBody>
+      </p:sp>
+    </p:spTree>
+    <p:extLst>
+      <p:ext uri="{BB962C8B-B14F-4D97-AF65-F5344CB8AC3E}">
+        <p14:creationId xmlns:p14="http://schemas.microsoft.com/office/powerpoint/2010/main" val="707660133"/>
+      </p:ext>
+    </p:extLst>
+  </p:cSld>
+  <p:clrMapOvr>
+    <a:masterClrMapping/>
+  </p:clrMapOvr>
+</p:sld>
+</file>
+
+<file path=ppt/slides/slide17.xml><?xml version="1.0" encoding="utf-8"?>
+<p:sld xmlns:a="http://schemas.openxmlformats.org/drawingml/2006/main" xmlns:r="http://schemas.openxmlformats.org/officeDocument/2006/relationships" xmlns:p="http://schemas.openxmlformats.org/presentationml/2006/main">
+  <p:cSld>
+    <p:spTree>
+      <p:nvGrpSpPr>
+        <p:cNvPr id="1" name=""/>
+        <p:cNvGrpSpPr/>
+        <p:nvPr/>
+      </p:nvGrpSpPr>
+      <p:grpSpPr>
+        <a:xfrm>
+          <a:off x="0" y="0"/>
+          <a:ext cx="0" cy="0"/>
+          <a:chOff x="0" y="0"/>
+          <a:chExt cx="0" cy="0"/>
+        </a:xfrm>
+      </p:grpSpPr>
+      <p:sp>
+        <p:nvSpPr>
+          <p:cNvPr id="2" name="Título 1"/>
+          <p:cNvSpPr>
+            <a:spLocks noGrp="1"/>
+          </p:cNvSpPr>
+          <p:nvPr>
+            <p:ph type="title"/>
+          </p:nvPr>
+        </p:nvSpPr>
+        <p:spPr>
+          <a:xfrm>
+            <a:off x="1407405" y="306905"/>
+            <a:ext cx="10515600" cy="450123"/>
+          </a:xfrm>
+        </p:spPr>
+        <p:txBody>
+          <a:bodyPr>
+            <a:normAutofit fontScale="90000"/>
+          </a:bodyPr>
+          <a:lstStyle/>
+          <a:p>
+            <a:r>
+              <a:rPr lang="pt-BR" dirty="0" smtClean="0"/>
+              <a:t>Livros (Tela Inicial</a:t>
+            </a:r>
+            <a:endParaRPr lang="pt-BR" dirty="0"/>
+          </a:p>
+        </p:txBody>
+      </p:sp>
+      <p:sp>
+        <p:nvSpPr>
+          <p:cNvPr id="3" name="Retângulo 2"/>
+          <p:cNvSpPr/>
+          <p:nvPr/>
+        </p:nvSpPr>
+        <p:spPr>
+          <a:xfrm>
+            <a:off x="1586429" y="1057620"/>
+            <a:ext cx="9386371" cy="5321146"/>
+          </a:xfrm>
+          <a:prstGeom prst="rect">
+            <a:avLst/>
+          </a:prstGeom>
+        </p:spPr>
+        <p:style>
+          <a:lnRef idx="2">
+            <a:schemeClr val="accent6"/>
+          </a:lnRef>
+          <a:fillRef idx="1">
+            <a:schemeClr val="lt1"/>
+          </a:fillRef>
+          <a:effectRef idx="0">
+            <a:schemeClr val="accent6"/>
+          </a:effectRef>
+          <a:fontRef idx="minor">
+            <a:schemeClr val="dk1"/>
+          </a:fontRef>
+        </p:style>
+        <p:txBody>
+          <a:bodyPr rtlCol="0" anchor="ctr"/>
+          <a:lstStyle/>
+          <a:p>
+            <a:pPr algn="ctr"/>
+            <a:endParaRPr lang="pt-BR"/>
+          </a:p>
+        </p:txBody>
+      </p:sp>
+      <p:sp>
+        <p:nvSpPr>
+          <p:cNvPr id="11" name="Retângulo 10"/>
+          <p:cNvSpPr/>
+          <p:nvPr/>
+        </p:nvSpPr>
+        <p:spPr>
+          <a:xfrm>
+            <a:off x="1603413" y="1057620"/>
+            <a:ext cx="9386371" cy="616944"/>
+          </a:xfrm>
+          <a:prstGeom prst="rect">
+            <a:avLst/>
+          </a:prstGeom>
+        </p:spPr>
+        <p:style>
+          <a:lnRef idx="2">
+            <a:schemeClr val="accent6"/>
+          </a:lnRef>
+          <a:fillRef idx="1">
+            <a:schemeClr val="lt1"/>
+          </a:fillRef>
+          <a:effectRef idx="0">
+            <a:schemeClr val="accent6"/>
+          </a:effectRef>
+          <a:fontRef idx="minor">
+            <a:schemeClr val="dk1"/>
+          </a:fontRef>
+        </p:style>
+        <p:txBody>
+          <a:bodyPr rtlCol="0" anchor="ctr"/>
+          <a:lstStyle/>
+          <a:p>
+            <a:pPr algn="ctr"/>
+            <a:endParaRPr lang="pt-BR"/>
+          </a:p>
+        </p:txBody>
+      </p:sp>
+      <p:sp>
+        <p:nvSpPr>
+          <p:cNvPr id="4" name="Elipse 3"/>
+          <p:cNvSpPr/>
+          <p:nvPr/>
+        </p:nvSpPr>
+        <p:spPr>
+          <a:xfrm>
+            <a:off x="10344839" y="1145754"/>
+            <a:ext cx="451692" cy="396608"/>
+          </a:xfrm>
+          <a:prstGeom prst="ellipse">
+            <a:avLst/>
+          </a:prstGeom>
+        </p:spPr>
+        <p:style>
+          <a:lnRef idx="2">
+            <a:schemeClr val="dk1">
+              <a:shade val="50000"/>
+            </a:schemeClr>
+          </a:lnRef>
+          <a:fillRef idx="1">
+            <a:schemeClr val="dk1"/>
+          </a:fillRef>
+          <a:effectRef idx="0">
+            <a:schemeClr val="dk1"/>
+          </a:effectRef>
+          <a:fontRef idx="minor">
+            <a:schemeClr val="lt1"/>
+          </a:fontRef>
+        </p:style>
+        <p:txBody>
+          <a:bodyPr rtlCol="0" anchor="ctr"/>
+          <a:lstStyle/>
+          <a:p>
+            <a:pPr algn="ctr"/>
+            <a:r>
+              <a:rPr lang="pt-BR" dirty="0" smtClean="0"/>
+              <a:t>R</a:t>
+            </a:r>
+            <a:endParaRPr lang="pt-BR" dirty="0"/>
+          </a:p>
+        </p:txBody>
+      </p:sp>
+      <p:sp>
+        <p:nvSpPr>
+          <p:cNvPr id="22" name="Retângulo Arredondado 21"/>
+          <p:cNvSpPr/>
+          <p:nvPr/>
+        </p:nvSpPr>
+        <p:spPr>
+          <a:xfrm>
+            <a:off x="2159306" y="1261432"/>
+            <a:ext cx="1112705" cy="280930"/>
+          </a:xfrm>
+          <a:prstGeom prst="roundRect">
+            <a:avLst/>
+          </a:prstGeom>
+          <a:ln>
+            <a:noFill/>
+          </a:ln>
+        </p:spPr>
+        <p:style>
+          <a:lnRef idx="2">
+            <a:schemeClr val="accent5"/>
+          </a:lnRef>
+          <a:fillRef idx="1">
+            <a:schemeClr val="lt1"/>
+          </a:fillRef>
+          <a:effectRef idx="0">
+            <a:schemeClr val="accent5"/>
+          </a:effectRef>
+          <a:fontRef idx="minor">
+            <a:schemeClr val="dk1"/>
+          </a:fontRef>
+        </p:style>
+        <p:txBody>
+          <a:bodyPr rtlCol="0" anchor="ctr"/>
+          <a:lstStyle/>
+          <a:p>
+            <a:pPr algn="ctr"/>
+            <a:r>
+              <a:rPr lang="pt-BR" sz="1600" dirty="0" smtClean="0"/>
+              <a:t>Livros</a:t>
+            </a:r>
+            <a:endParaRPr lang="pt-BR" sz="1600" dirty="0"/>
+          </a:p>
+        </p:txBody>
+      </p:sp>
+      <p:sp>
+        <p:nvSpPr>
+          <p:cNvPr id="23" name="Retângulo Arredondado 22"/>
+          <p:cNvSpPr/>
+          <p:nvPr/>
+        </p:nvSpPr>
+        <p:spPr>
+          <a:xfrm>
+            <a:off x="3150825" y="1271263"/>
+            <a:ext cx="1542361" cy="280930"/>
+          </a:xfrm>
+          <a:prstGeom prst="roundRect">
+            <a:avLst/>
+          </a:prstGeom>
+          <a:ln>
+            <a:noFill/>
+          </a:ln>
+        </p:spPr>
+        <p:style>
+          <a:lnRef idx="2">
+            <a:schemeClr val="accent5"/>
+          </a:lnRef>
+          <a:fillRef idx="1">
+            <a:schemeClr val="lt1"/>
+          </a:fillRef>
+          <a:effectRef idx="0">
+            <a:schemeClr val="accent5"/>
+          </a:effectRef>
+          <a:fontRef idx="minor">
+            <a:schemeClr val="dk1"/>
+          </a:fontRef>
+        </p:style>
+        <p:txBody>
+          <a:bodyPr rtlCol="0" anchor="ctr"/>
+          <a:lstStyle/>
+          <a:p>
+            <a:pPr algn="ctr"/>
+            <a:r>
+              <a:rPr lang="pt-BR" sz="1600" dirty="0"/>
+              <a:t>Ú</a:t>
+            </a:r>
+            <a:r>
+              <a:rPr lang="pt-BR" sz="1600" dirty="0" smtClean="0"/>
+              <a:t>ltima leitura</a:t>
+            </a:r>
+            <a:endParaRPr lang="pt-BR" sz="1600" dirty="0"/>
+          </a:p>
+        </p:txBody>
+      </p:sp>
+      <p:sp>
+        <p:nvSpPr>
+          <p:cNvPr id="24" name="Retângulo Arredondado 23"/>
+          <p:cNvSpPr/>
+          <p:nvPr/>
+        </p:nvSpPr>
+        <p:spPr>
+          <a:xfrm>
+            <a:off x="1762698" y="1854755"/>
+            <a:ext cx="1905919" cy="280930"/>
+          </a:xfrm>
+          <a:prstGeom prst="roundRect">
+            <a:avLst/>
+          </a:prstGeom>
+          <a:ln>
+            <a:noFill/>
+          </a:ln>
+        </p:spPr>
+        <p:style>
+          <a:lnRef idx="2">
+            <a:schemeClr val="accent5"/>
+          </a:lnRef>
+          <a:fillRef idx="1">
+            <a:schemeClr val="lt1"/>
+          </a:fillRef>
+          <a:effectRef idx="0">
+            <a:schemeClr val="accent5"/>
+          </a:effectRef>
+          <a:fontRef idx="minor">
+            <a:schemeClr val="dk1"/>
+          </a:fontRef>
+        </p:style>
+        <p:txBody>
+          <a:bodyPr rtlCol="0" anchor="ctr"/>
+          <a:lstStyle/>
+          <a:p>
+            <a:r>
+              <a:rPr lang="pt-BR" sz="1600" dirty="0" smtClean="0"/>
+              <a:t>Vidas Secas</a:t>
+            </a:r>
+            <a:endParaRPr lang="pt-BR" sz="1600" dirty="0"/>
+          </a:p>
+        </p:txBody>
+      </p:sp>
+      <p:sp>
+        <p:nvSpPr>
+          <p:cNvPr id="25" name="Retângulo Arredondado 24"/>
+          <p:cNvSpPr/>
+          <p:nvPr/>
+        </p:nvSpPr>
+        <p:spPr>
+          <a:xfrm>
+            <a:off x="3922005" y="2007040"/>
+            <a:ext cx="6411816" cy="3677664"/>
+          </a:xfrm>
+          <a:prstGeom prst="roundRect">
+            <a:avLst/>
+          </a:prstGeom>
+        </p:spPr>
+        <p:style>
+          <a:lnRef idx="2">
+            <a:schemeClr val="accent5"/>
+          </a:lnRef>
+          <a:fillRef idx="1">
+            <a:schemeClr val="lt1"/>
+          </a:fillRef>
+          <a:effectRef idx="0">
+            <a:schemeClr val="accent5"/>
+          </a:effectRef>
+          <a:fontRef idx="minor">
+            <a:schemeClr val="dk1"/>
+          </a:fontRef>
+        </p:style>
+        <p:txBody>
+          <a:bodyPr rtlCol="0" anchor="ctr"/>
+          <a:lstStyle/>
+          <a:p>
+            <a:pPr algn="ctr"/>
+            <a:r>
+              <a:rPr lang="pt-BR" u="sng">
+                <a:hlinkClick r:id="rId2"/>
+              </a:rPr>
+              <a:t>Vidas Secas</a:t>
+            </a:r>
+            <a:r>
+              <a:rPr lang="pt-BR"/>
+              <a:t>“, romance publicado em 1938, retrata a vida miserável de uma família de retirantes sertanejos obrigada a se deslocar de tempos em tempos para áreas menos castigadas pela seca. A obra pertence à segunda fase modernista, conhecida como regionalista, e é qualificada como uma das mais bem-sucedidas criações da época.</a:t>
+            </a:r>
+            <a:endParaRPr lang="pt-BR" sz="1200" dirty="0"/>
+          </a:p>
+        </p:txBody>
+      </p:sp>
+      <p:sp>
+        <p:nvSpPr>
+          <p:cNvPr id="26" name="Retângulo Arredondado 25"/>
+          <p:cNvSpPr/>
+          <p:nvPr/>
+        </p:nvSpPr>
+        <p:spPr>
+          <a:xfrm>
+            <a:off x="1795749" y="2436277"/>
+            <a:ext cx="1905919" cy="280930"/>
+          </a:xfrm>
+          <a:prstGeom prst="roundRect">
+            <a:avLst/>
+          </a:prstGeom>
+          <a:ln>
+            <a:noFill/>
+          </a:ln>
+        </p:spPr>
+        <p:style>
+          <a:lnRef idx="2">
+            <a:schemeClr val="accent5"/>
+          </a:lnRef>
+          <a:fillRef idx="1">
+            <a:schemeClr val="lt1"/>
+          </a:fillRef>
+          <a:effectRef idx="0">
+            <a:schemeClr val="accent5"/>
+          </a:effectRef>
+          <a:fontRef idx="minor">
+            <a:schemeClr val="dk1"/>
+          </a:fontRef>
+        </p:style>
+        <p:txBody>
+          <a:bodyPr rtlCol="0" anchor="ctr"/>
+          <a:lstStyle/>
+          <a:p>
+            <a:r>
+              <a:rPr lang="pt-BR" sz="1600" b="1" dirty="0" smtClean="0"/>
+              <a:t>Capítulo</a:t>
+            </a:r>
+            <a:endParaRPr lang="pt-BR" sz="1600" b="1" dirty="0"/>
+          </a:p>
+        </p:txBody>
+      </p:sp>
+      <p:sp>
+        <p:nvSpPr>
+          <p:cNvPr id="27" name="Retângulo Arredondado 26"/>
+          <p:cNvSpPr/>
+          <p:nvPr/>
+        </p:nvSpPr>
+        <p:spPr>
+          <a:xfrm>
+            <a:off x="2016086" y="3194892"/>
+            <a:ext cx="1134739" cy="638978"/>
+          </a:xfrm>
+          <a:prstGeom prst="roundRect">
+            <a:avLst/>
+          </a:prstGeom>
+          <a:ln>
+            <a:noFill/>
+          </a:ln>
+        </p:spPr>
+        <p:style>
+          <a:lnRef idx="2">
+            <a:schemeClr val="accent5"/>
+          </a:lnRef>
+          <a:fillRef idx="1">
+            <a:schemeClr val="lt1"/>
+          </a:fillRef>
+          <a:effectRef idx="0">
+            <a:schemeClr val="accent5"/>
+          </a:effectRef>
+          <a:fontRef idx="minor">
+            <a:schemeClr val="dk1"/>
+          </a:fontRef>
+        </p:style>
+        <p:txBody>
+          <a:bodyPr rtlCol="0" anchor="ctr"/>
+          <a:lstStyle/>
+          <a:p>
+            <a:r>
+              <a:rPr lang="pt-BR" sz="1400" dirty="0" smtClean="0"/>
+              <a:t>Capítulo 01</a:t>
+            </a:r>
+          </a:p>
+          <a:p>
+            <a:r>
+              <a:rPr lang="pt-BR" sz="1400" dirty="0" smtClean="0"/>
+              <a:t>Capítulo 02</a:t>
+            </a:r>
+          </a:p>
+          <a:p>
+            <a:r>
+              <a:rPr lang="pt-BR" sz="1400" b="1" dirty="0" smtClean="0"/>
+              <a:t>Capítulo 03</a:t>
+            </a:r>
+          </a:p>
+          <a:p>
+            <a:r>
+              <a:rPr lang="pt-BR" sz="1400" dirty="0" smtClean="0"/>
+              <a:t>Capítulo 04</a:t>
+            </a:r>
+          </a:p>
+          <a:p>
+            <a:r>
+              <a:rPr lang="pt-BR" sz="1400" dirty="0" smtClean="0"/>
+              <a:t>Capítulo 05</a:t>
+            </a:r>
+          </a:p>
+          <a:p>
+            <a:endParaRPr lang="pt-BR" sz="1400" dirty="0"/>
+          </a:p>
+        </p:txBody>
+      </p:sp>
+      <p:sp>
+        <p:nvSpPr>
+          <p:cNvPr id="28" name="Retângulo Arredondado 27"/>
+          <p:cNvSpPr/>
+          <p:nvPr/>
+        </p:nvSpPr>
+        <p:spPr>
+          <a:xfrm>
+            <a:off x="1795749" y="4344567"/>
+            <a:ext cx="1905919" cy="280930"/>
+          </a:xfrm>
+          <a:prstGeom prst="roundRect">
+            <a:avLst/>
+          </a:prstGeom>
+          <a:ln>
+            <a:noFill/>
+          </a:ln>
+        </p:spPr>
+        <p:style>
+          <a:lnRef idx="2">
+            <a:schemeClr val="accent5"/>
+          </a:lnRef>
+          <a:fillRef idx="1">
+            <a:schemeClr val="lt1"/>
+          </a:fillRef>
+          <a:effectRef idx="0">
+            <a:schemeClr val="accent5"/>
+          </a:effectRef>
+          <a:fontRef idx="minor">
+            <a:schemeClr val="dk1"/>
+          </a:fontRef>
+        </p:style>
+        <p:txBody>
+          <a:bodyPr rtlCol="0" anchor="ctr"/>
+          <a:lstStyle/>
+          <a:p>
+            <a:r>
+              <a:rPr lang="pt-BR" sz="1600" b="1" dirty="0" smtClean="0"/>
+              <a:t>Lista Capitulo 03</a:t>
+            </a:r>
+            <a:endParaRPr lang="pt-BR" sz="1600" b="1" dirty="0"/>
+          </a:p>
+        </p:txBody>
+      </p:sp>
+      <p:sp>
+        <p:nvSpPr>
+          <p:cNvPr id="29" name="Retângulo Arredondado 28"/>
+          <p:cNvSpPr/>
+          <p:nvPr/>
+        </p:nvSpPr>
+        <p:spPr>
+          <a:xfrm>
+            <a:off x="2032610" y="4775048"/>
+            <a:ext cx="1134739" cy="638978"/>
+          </a:xfrm>
+          <a:prstGeom prst="roundRect">
+            <a:avLst/>
+          </a:prstGeom>
+          <a:ln>
+            <a:noFill/>
+          </a:ln>
+        </p:spPr>
+        <p:style>
+          <a:lnRef idx="2">
+            <a:schemeClr val="accent5"/>
+          </a:lnRef>
+          <a:fillRef idx="1">
+            <a:schemeClr val="lt1"/>
+          </a:fillRef>
+          <a:effectRef idx="0">
+            <a:schemeClr val="accent5"/>
+          </a:effectRef>
+          <a:fontRef idx="minor">
+            <a:schemeClr val="dk1"/>
+          </a:fontRef>
+        </p:style>
+        <p:txBody>
+          <a:bodyPr rtlCol="0" anchor="ctr"/>
+          <a:lstStyle/>
+          <a:p>
+            <a:r>
+              <a:rPr lang="pt-BR" sz="1400" dirty="0" smtClean="0"/>
+              <a:t>Lista 01</a:t>
+            </a:r>
+          </a:p>
+          <a:p>
+            <a:r>
+              <a:rPr lang="pt-BR" sz="1400" dirty="0" smtClean="0"/>
+              <a:t>Lista 02</a:t>
+            </a:r>
+          </a:p>
+          <a:p>
+            <a:r>
+              <a:rPr lang="pt-BR" sz="1400" dirty="0" smtClean="0"/>
+              <a:t>Lista 03</a:t>
+            </a:r>
+          </a:p>
+          <a:p>
+            <a:endParaRPr lang="pt-BR" sz="1400" dirty="0"/>
+          </a:p>
+        </p:txBody>
+      </p:sp>
+      <p:sp>
+        <p:nvSpPr>
+          <p:cNvPr id="6" name="Seta para a Direita 5"/>
+          <p:cNvSpPr/>
+          <p:nvPr/>
+        </p:nvSpPr>
+        <p:spPr>
+          <a:xfrm>
+            <a:off x="9309253" y="5295977"/>
+            <a:ext cx="495759" cy="236098"/>
+          </a:xfrm>
+          <a:prstGeom prst="rightArrow">
+            <a:avLst/>
+          </a:prstGeom>
+        </p:spPr>
+        <p:style>
+          <a:lnRef idx="2">
+            <a:schemeClr val="accent1">
+              <a:shade val="50000"/>
+            </a:schemeClr>
+          </a:lnRef>
+          <a:fillRef idx="1">
+            <a:schemeClr val="accent1"/>
+          </a:fillRef>
+          <a:effectRef idx="0">
+            <a:schemeClr val="accent1"/>
+          </a:effectRef>
+          <a:fontRef idx="minor">
+            <a:schemeClr val="lt1"/>
+          </a:fontRef>
+        </p:style>
+        <p:txBody>
+          <a:bodyPr rtlCol="0" anchor="ctr"/>
+          <a:lstStyle/>
+          <a:p>
+            <a:pPr algn="ctr"/>
+            <a:endParaRPr lang="pt-BR"/>
+          </a:p>
+        </p:txBody>
+      </p:sp>
+      <p:sp>
+        <p:nvSpPr>
+          <p:cNvPr id="30" name="Seta para a Direita 29"/>
+          <p:cNvSpPr/>
+          <p:nvPr/>
+        </p:nvSpPr>
+        <p:spPr>
+          <a:xfrm rot="10800000">
+            <a:off x="4548130" y="5295977"/>
+            <a:ext cx="495759" cy="236098"/>
+          </a:xfrm>
+          <a:prstGeom prst="rightArrow">
+            <a:avLst/>
+          </a:prstGeom>
+        </p:spPr>
+        <p:style>
+          <a:lnRef idx="2">
+            <a:schemeClr val="accent1">
+              <a:shade val="50000"/>
+            </a:schemeClr>
+          </a:lnRef>
+          <a:fillRef idx="1">
+            <a:schemeClr val="accent1"/>
+          </a:fillRef>
+          <a:effectRef idx="0">
+            <a:schemeClr val="accent1"/>
+          </a:effectRef>
+          <a:fontRef idx="minor">
+            <a:schemeClr val="lt1"/>
+          </a:fontRef>
+        </p:style>
+        <p:txBody>
+          <a:bodyPr rtlCol="0" anchor="ctr"/>
+          <a:lstStyle/>
+          <a:p>
+            <a:pPr algn="ctr"/>
+            <a:endParaRPr lang="pt-BR"/>
+          </a:p>
+        </p:txBody>
+      </p:sp>
+      <p:sp>
+        <p:nvSpPr>
+          <p:cNvPr id="31" name="Retângulo Arredondado 30"/>
+          <p:cNvSpPr/>
+          <p:nvPr/>
+        </p:nvSpPr>
+        <p:spPr>
+          <a:xfrm>
+            <a:off x="4219459" y="2135685"/>
+            <a:ext cx="2445746" cy="280930"/>
+          </a:xfrm>
+          <a:prstGeom prst="roundRect">
+            <a:avLst/>
+          </a:prstGeom>
+          <a:ln>
+            <a:noFill/>
+          </a:ln>
+        </p:spPr>
+        <p:style>
+          <a:lnRef idx="2">
+            <a:schemeClr val="accent5"/>
+          </a:lnRef>
+          <a:fillRef idx="1">
+            <a:schemeClr val="lt1"/>
+          </a:fillRef>
+          <a:effectRef idx="0">
+            <a:schemeClr val="accent5"/>
+          </a:effectRef>
+          <a:fontRef idx="minor">
+            <a:schemeClr val="dk1"/>
+          </a:fontRef>
+        </p:style>
+        <p:txBody>
+          <a:bodyPr rtlCol="0" anchor="ctr"/>
+          <a:lstStyle/>
+          <a:p>
+            <a:r>
+              <a:rPr lang="pt-BR" sz="1600" dirty="0" smtClean="0"/>
+              <a:t>Capítulo 01 / Lista 01</a:t>
+            </a:r>
+            <a:endParaRPr lang="pt-BR" sz="1600" dirty="0"/>
+          </a:p>
+        </p:txBody>
+      </p:sp>
+      <p:sp>
+        <p:nvSpPr>
+          <p:cNvPr id="7" name="Retângulo 6"/>
+          <p:cNvSpPr/>
+          <p:nvPr/>
+        </p:nvSpPr>
+        <p:spPr>
+          <a:xfrm>
+            <a:off x="9557133" y="2225408"/>
+            <a:ext cx="247880" cy="210870"/>
+          </a:xfrm>
+          <a:prstGeom prst="rect">
+            <a:avLst/>
+          </a:prstGeom>
+        </p:spPr>
+        <p:style>
+          <a:lnRef idx="2">
+            <a:schemeClr val="accent6"/>
+          </a:lnRef>
+          <a:fillRef idx="1">
+            <a:schemeClr val="lt1"/>
+          </a:fillRef>
+          <a:effectRef idx="0">
+            <a:schemeClr val="accent6"/>
+          </a:effectRef>
+          <a:fontRef idx="minor">
+            <a:schemeClr val="dk1"/>
+          </a:fontRef>
+        </p:style>
+        <p:txBody>
+          <a:bodyPr rtlCol="0" anchor="ctr"/>
+          <a:lstStyle/>
+          <a:p>
+            <a:pPr algn="ctr"/>
+            <a:endParaRPr lang="pt-BR"/>
+          </a:p>
+        </p:txBody>
+      </p:sp>
+      <p:sp>
+        <p:nvSpPr>
+          <p:cNvPr id="32" name="Retângulo 31"/>
+          <p:cNvSpPr/>
+          <p:nvPr/>
+        </p:nvSpPr>
+        <p:spPr>
+          <a:xfrm>
+            <a:off x="9681072" y="2311180"/>
+            <a:ext cx="247880" cy="210870"/>
+          </a:xfrm>
+          <a:prstGeom prst="rect">
+            <a:avLst/>
+          </a:prstGeom>
+        </p:spPr>
+        <p:style>
+          <a:lnRef idx="2">
+            <a:schemeClr val="accent6"/>
+          </a:lnRef>
+          <a:fillRef idx="1">
+            <a:schemeClr val="lt1"/>
+          </a:fillRef>
+          <a:effectRef idx="0">
+            <a:schemeClr val="accent6"/>
+          </a:effectRef>
+          <a:fontRef idx="minor">
+            <a:schemeClr val="dk1"/>
+          </a:fontRef>
+        </p:style>
+        <p:txBody>
+          <a:bodyPr rtlCol="0" anchor="ctr"/>
+          <a:lstStyle/>
+          <a:p>
+            <a:pPr algn="ctr"/>
+            <a:endParaRPr lang="pt-BR"/>
+          </a:p>
+        </p:txBody>
+      </p:sp>
+    </p:spTree>
+    <p:extLst>
+      <p:ext uri="{BB962C8B-B14F-4D97-AF65-F5344CB8AC3E}">
+        <p14:creationId xmlns:p14="http://schemas.microsoft.com/office/powerpoint/2010/main" val="2327267280"/>
+      </p:ext>
+    </p:extLst>
+  </p:cSld>
+  <p:clrMapOvr>
+    <a:masterClrMapping/>
+  </p:clrMapOvr>
+</p:sld>
+</file>
+
+<file path=ppt/slides/slide18.xml><?xml version="1.0" encoding="utf-8"?>
+<p:sld xmlns:a="http://schemas.openxmlformats.org/drawingml/2006/main" xmlns:r="http://schemas.openxmlformats.org/officeDocument/2006/relationships" xmlns:p="http://schemas.openxmlformats.org/presentationml/2006/main">
+  <p:cSld>
+    <p:spTree>
+      <p:nvGrpSpPr>
+        <p:cNvPr id="1" name=""/>
+        <p:cNvGrpSpPr/>
+        <p:nvPr/>
+      </p:nvGrpSpPr>
+      <p:grpSpPr>
+        <a:xfrm>
+          <a:off x="0" y="0"/>
+          <a:ext cx="0" cy="0"/>
+          <a:chOff x="0" y="0"/>
+          <a:chExt cx="0" cy="0"/>
+        </a:xfrm>
+      </p:grpSpPr>
+      <p:sp>
+        <p:nvSpPr>
+          <p:cNvPr id="2" name="Título 1"/>
+          <p:cNvSpPr>
+            <a:spLocks noGrp="1"/>
+          </p:cNvSpPr>
+          <p:nvPr>
+            <p:ph type="title"/>
+          </p:nvPr>
+        </p:nvSpPr>
+        <p:spPr>
+          <a:xfrm>
+            <a:off x="1407405" y="306905"/>
+            <a:ext cx="10515600" cy="450123"/>
+          </a:xfrm>
+        </p:spPr>
+        <p:txBody>
+          <a:bodyPr>
+            <a:normAutofit fontScale="90000"/>
+          </a:bodyPr>
+          <a:lstStyle/>
+          <a:p>
+            <a:r>
+              <a:rPr lang="pt-BR" dirty="0" err="1" smtClean="0"/>
+              <a:t>Card</a:t>
+            </a:r>
+            <a:r>
+              <a:rPr lang="pt-BR" dirty="0" smtClean="0"/>
+              <a:t> – Tela cheia</a:t>
+            </a:r>
+            <a:endParaRPr lang="pt-BR" dirty="0"/>
+          </a:p>
+        </p:txBody>
+      </p:sp>
+      <p:sp>
+        <p:nvSpPr>
+          <p:cNvPr id="3" name="Retângulo 2"/>
+          <p:cNvSpPr/>
+          <p:nvPr/>
+        </p:nvSpPr>
+        <p:spPr>
+          <a:xfrm>
+            <a:off x="1586429" y="1057620"/>
+            <a:ext cx="9386371" cy="5321146"/>
+          </a:xfrm>
+          <a:prstGeom prst="rect">
+            <a:avLst/>
+          </a:prstGeom>
+        </p:spPr>
+        <p:style>
+          <a:lnRef idx="2">
+            <a:schemeClr val="accent6"/>
+          </a:lnRef>
+          <a:fillRef idx="1">
+            <a:schemeClr val="lt1"/>
+          </a:fillRef>
+          <a:effectRef idx="0">
+            <a:schemeClr val="accent6"/>
+          </a:effectRef>
+          <a:fontRef idx="minor">
+            <a:schemeClr val="dk1"/>
+          </a:fontRef>
+        </p:style>
+        <p:txBody>
+          <a:bodyPr rtlCol="0" anchor="ctr"/>
+          <a:lstStyle/>
+          <a:p>
+            <a:pPr algn="ctr"/>
+            <a:endParaRPr lang="pt-BR"/>
+          </a:p>
+        </p:txBody>
+      </p:sp>
+      <p:sp>
+        <p:nvSpPr>
+          <p:cNvPr id="11" name="Retângulo 10"/>
+          <p:cNvSpPr/>
+          <p:nvPr/>
+        </p:nvSpPr>
+        <p:spPr>
+          <a:xfrm>
+            <a:off x="1603413" y="1057620"/>
+            <a:ext cx="9386371" cy="616944"/>
+          </a:xfrm>
+          <a:prstGeom prst="rect">
+            <a:avLst/>
+          </a:prstGeom>
+        </p:spPr>
+        <p:style>
+          <a:lnRef idx="2">
+            <a:schemeClr val="accent6"/>
+          </a:lnRef>
+          <a:fillRef idx="1">
+            <a:schemeClr val="lt1"/>
+          </a:fillRef>
+          <a:effectRef idx="0">
+            <a:schemeClr val="accent6"/>
+          </a:effectRef>
+          <a:fontRef idx="minor">
+            <a:schemeClr val="dk1"/>
+          </a:fontRef>
+        </p:style>
+        <p:txBody>
+          <a:bodyPr rtlCol="0" anchor="ctr"/>
+          <a:lstStyle/>
+          <a:p>
+            <a:pPr algn="ctr"/>
+            <a:endParaRPr lang="pt-BR"/>
+          </a:p>
+        </p:txBody>
+      </p:sp>
+      <p:sp>
+        <p:nvSpPr>
+          <p:cNvPr id="4" name="Elipse 3"/>
+          <p:cNvSpPr/>
+          <p:nvPr/>
+        </p:nvSpPr>
+        <p:spPr>
+          <a:xfrm>
+            <a:off x="10344839" y="1145754"/>
+            <a:ext cx="451692" cy="396608"/>
+          </a:xfrm>
+          <a:prstGeom prst="ellipse">
+            <a:avLst/>
+          </a:prstGeom>
+        </p:spPr>
+        <p:style>
+          <a:lnRef idx="2">
+            <a:schemeClr val="dk1">
+              <a:shade val="50000"/>
+            </a:schemeClr>
+          </a:lnRef>
+          <a:fillRef idx="1">
+            <a:schemeClr val="dk1"/>
+          </a:fillRef>
+          <a:effectRef idx="0">
+            <a:schemeClr val="dk1"/>
+          </a:effectRef>
+          <a:fontRef idx="minor">
+            <a:schemeClr val="lt1"/>
+          </a:fontRef>
+        </p:style>
+        <p:txBody>
+          <a:bodyPr rtlCol="0" anchor="ctr"/>
+          <a:lstStyle/>
+          <a:p>
+            <a:pPr algn="ctr"/>
+            <a:r>
+              <a:rPr lang="pt-BR" dirty="0" smtClean="0"/>
+              <a:t>R</a:t>
+            </a:r>
+            <a:endParaRPr lang="pt-BR" dirty="0"/>
+          </a:p>
+        </p:txBody>
+      </p:sp>
+      <p:sp>
+        <p:nvSpPr>
+          <p:cNvPr id="22" name="Retângulo Arredondado 21"/>
+          <p:cNvSpPr/>
+          <p:nvPr/>
+        </p:nvSpPr>
+        <p:spPr>
+          <a:xfrm>
+            <a:off x="2159306" y="1261432"/>
+            <a:ext cx="1112705" cy="280930"/>
+          </a:xfrm>
+          <a:prstGeom prst="roundRect">
+            <a:avLst/>
+          </a:prstGeom>
+          <a:ln>
+            <a:noFill/>
+          </a:ln>
+        </p:spPr>
+        <p:style>
+          <a:lnRef idx="2">
+            <a:schemeClr val="accent5"/>
+          </a:lnRef>
+          <a:fillRef idx="1">
+            <a:schemeClr val="lt1"/>
+          </a:fillRef>
+          <a:effectRef idx="0">
+            <a:schemeClr val="accent5"/>
+          </a:effectRef>
+          <a:fontRef idx="minor">
+            <a:schemeClr val="dk1"/>
+          </a:fontRef>
+        </p:style>
+        <p:txBody>
+          <a:bodyPr rtlCol="0" anchor="ctr"/>
+          <a:lstStyle/>
+          <a:p>
+            <a:pPr algn="ctr"/>
+            <a:r>
+              <a:rPr lang="pt-BR" sz="1600" dirty="0" smtClean="0"/>
+              <a:t>Livros</a:t>
+            </a:r>
+            <a:endParaRPr lang="pt-BR" sz="1600" dirty="0"/>
+          </a:p>
+        </p:txBody>
+      </p:sp>
+      <p:sp>
+        <p:nvSpPr>
+          <p:cNvPr id="23" name="Retângulo Arredondado 22"/>
+          <p:cNvSpPr/>
+          <p:nvPr/>
+        </p:nvSpPr>
+        <p:spPr>
+          <a:xfrm>
+            <a:off x="3150825" y="1271263"/>
+            <a:ext cx="1542361" cy="280930"/>
+          </a:xfrm>
+          <a:prstGeom prst="roundRect">
+            <a:avLst/>
+          </a:prstGeom>
+          <a:ln>
+            <a:noFill/>
+          </a:ln>
+        </p:spPr>
+        <p:style>
+          <a:lnRef idx="2">
+            <a:schemeClr val="accent5"/>
+          </a:lnRef>
+          <a:fillRef idx="1">
+            <a:schemeClr val="lt1"/>
+          </a:fillRef>
+          <a:effectRef idx="0">
+            <a:schemeClr val="accent5"/>
+          </a:effectRef>
+          <a:fontRef idx="minor">
+            <a:schemeClr val="dk1"/>
+          </a:fontRef>
+        </p:style>
+        <p:txBody>
+          <a:bodyPr rtlCol="0" anchor="ctr"/>
+          <a:lstStyle/>
+          <a:p>
+            <a:pPr algn="ctr"/>
+            <a:r>
+              <a:rPr lang="pt-BR" sz="1600" dirty="0"/>
+              <a:t>Ú</a:t>
+            </a:r>
+            <a:r>
+              <a:rPr lang="pt-BR" sz="1600" dirty="0" smtClean="0"/>
+              <a:t>ltima leitura</a:t>
+            </a:r>
+            <a:endParaRPr lang="pt-BR" sz="1600" dirty="0"/>
+          </a:p>
+        </p:txBody>
+      </p:sp>
+      <p:sp>
+        <p:nvSpPr>
+          <p:cNvPr id="25" name="Retângulo Arredondado 24"/>
+          <p:cNvSpPr/>
+          <p:nvPr/>
+        </p:nvSpPr>
+        <p:spPr>
+          <a:xfrm>
+            <a:off x="3150825" y="2095174"/>
+            <a:ext cx="6411816" cy="3677664"/>
+          </a:xfrm>
+          <a:prstGeom prst="roundRect">
+            <a:avLst/>
+          </a:prstGeom>
+        </p:spPr>
+        <p:style>
+          <a:lnRef idx="2">
+            <a:schemeClr val="accent5"/>
+          </a:lnRef>
+          <a:fillRef idx="1">
+            <a:schemeClr val="lt1"/>
+          </a:fillRef>
+          <a:effectRef idx="0">
+            <a:schemeClr val="accent5"/>
+          </a:effectRef>
+          <a:fontRef idx="minor">
+            <a:schemeClr val="dk1"/>
+          </a:fontRef>
+        </p:style>
+        <p:txBody>
+          <a:bodyPr rtlCol="0" anchor="ctr"/>
+          <a:lstStyle/>
+          <a:p>
+            <a:pPr algn="ctr"/>
+            <a:r>
+              <a:rPr lang="pt-BR" u="sng" dirty="0"/>
+              <a:t>Vidas Secas</a:t>
+            </a:r>
+            <a:r>
+              <a:rPr lang="pt-BR" dirty="0"/>
+              <a:t>“, romance publicado em 1938, retrata a vida miserável de uma família de retirantes sertanejos obrigada a se deslocar de tempos em </a:t>
+            </a:r>
+            <a:r>
+              <a:rPr lang="pt-BR" sz="2600" b="1" dirty="0"/>
+              <a:t>tempos</a:t>
+            </a:r>
+            <a:r>
+              <a:rPr lang="pt-BR" dirty="0"/>
+              <a:t> para áreas menos </a:t>
+            </a:r>
+            <a:r>
+              <a:rPr lang="pt-BR" sz="3000" b="1" dirty="0"/>
+              <a:t>castigadas</a:t>
+            </a:r>
+            <a:r>
+              <a:rPr lang="pt-BR" dirty="0"/>
+              <a:t> pela seca. A obra pertence à segunda fase modernista, conhecida como regionalista, e é qualificada como uma das mais bem-sucedidas criações da época.</a:t>
+            </a:r>
+            <a:endParaRPr lang="pt-BR" sz="1200" dirty="0"/>
+          </a:p>
+        </p:txBody>
+      </p:sp>
+      <p:sp>
+        <p:nvSpPr>
+          <p:cNvPr id="6" name="Seta para a Direita 5"/>
+          <p:cNvSpPr/>
+          <p:nvPr/>
+        </p:nvSpPr>
+        <p:spPr>
+          <a:xfrm>
+            <a:off x="8538073" y="5384111"/>
+            <a:ext cx="495759" cy="236098"/>
+          </a:xfrm>
+          <a:prstGeom prst="rightArrow">
+            <a:avLst/>
+          </a:prstGeom>
+        </p:spPr>
+        <p:style>
+          <a:lnRef idx="2">
+            <a:schemeClr val="accent1">
+              <a:shade val="50000"/>
+            </a:schemeClr>
+          </a:lnRef>
+          <a:fillRef idx="1">
+            <a:schemeClr val="accent1"/>
+          </a:fillRef>
+          <a:effectRef idx="0">
+            <a:schemeClr val="accent1"/>
+          </a:effectRef>
+          <a:fontRef idx="minor">
+            <a:schemeClr val="lt1"/>
+          </a:fontRef>
+        </p:style>
+        <p:txBody>
+          <a:bodyPr rtlCol="0" anchor="ctr"/>
+          <a:lstStyle/>
+          <a:p>
+            <a:pPr algn="ctr"/>
+            <a:endParaRPr lang="pt-BR"/>
+          </a:p>
+        </p:txBody>
+      </p:sp>
+      <p:sp>
+        <p:nvSpPr>
+          <p:cNvPr id="30" name="Seta para a Direita 29"/>
+          <p:cNvSpPr/>
+          <p:nvPr/>
+        </p:nvSpPr>
+        <p:spPr>
+          <a:xfrm rot="10800000">
+            <a:off x="3776950" y="5384111"/>
+            <a:ext cx="495759" cy="236098"/>
+          </a:xfrm>
+          <a:prstGeom prst="rightArrow">
+            <a:avLst/>
+          </a:prstGeom>
+        </p:spPr>
+        <p:style>
+          <a:lnRef idx="2">
+            <a:schemeClr val="accent1">
+              <a:shade val="50000"/>
+            </a:schemeClr>
+          </a:lnRef>
+          <a:fillRef idx="1">
+            <a:schemeClr val="accent1"/>
+          </a:fillRef>
+          <a:effectRef idx="0">
+            <a:schemeClr val="accent1"/>
+          </a:effectRef>
+          <a:fontRef idx="minor">
+            <a:schemeClr val="lt1"/>
+          </a:fontRef>
+        </p:style>
+        <p:txBody>
+          <a:bodyPr rtlCol="0" anchor="ctr"/>
+          <a:lstStyle/>
+          <a:p>
+            <a:pPr algn="ctr"/>
+            <a:endParaRPr lang="pt-BR"/>
+          </a:p>
+        </p:txBody>
+      </p:sp>
+      <p:sp>
+        <p:nvSpPr>
+          <p:cNvPr id="31" name="Retângulo Arredondado 30"/>
+          <p:cNvSpPr/>
+          <p:nvPr/>
+        </p:nvSpPr>
+        <p:spPr>
+          <a:xfrm>
+            <a:off x="3448279" y="2223819"/>
+            <a:ext cx="2445746" cy="280930"/>
+          </a:xfrm>
+          <a:prstGeom prst="roundRect">
+            <a:avLst/>
+          </a:prstGeom>
+          <a:ln>
+            <a:noFill/>
+          </a:ln>
+        </p:spPr>
+        <p:style>
+          <a:lnRef idx="2">
+            <a:schemeClr val="accent5"/>
+          </a:lnRef>
+          <a:fillRef idx="1">
+            <a:schemeClr val="lt1"/>
+          </a:fillRef>
+          <a:effectRef idx="0">
+            <a:schemeClr val="accent5"/>
+          </a:effectRef>
+          <a:fontRef idx="minor">
+            <a:schemeClr val="dk1"/>
+          </a:fontRef>
+        </p:style>
+        <p:txBody>
+          <a:bodyPr rtlCol="0" anchor="ctr"/>
+          <a:lstStyle/>
+          <a:p>
+            <a:r>
+              <a:rPr lang="pt-BR" sz="1600" dirty="0" smtClean="0"/>
+              <a:t>Capítulo 01 / Lista 01</a:t>
+            </a:r>
+            <a:endParaRPr lang="pt-BR" sz="1600" dirty="0"/>
+          </a:p>
+        </p:txBody>
+      </p:sp>
+      <p:sp>
+        <p:nvSpPr>
+          <p:cNvPr id="7" name="Retângulo 6"/>
+          <p:cNvSpPr/>
+          <p:nvPr/>
+        </p:nvSpPr>
+        <p:spPr>
+          <a:xfrm>
+            <a:off x="8785953" y="2313542"/>
+            <a:ext cx="247880" cy="210870"/>
+          </a:xfrm>
+          <a:prstGeom prst="rect">
+            <a:avLst/>
+          </a:prstGeom>
+        </p:spPr>
+        <p:style>
+          <a:lnRef idx="2">
+            <a:schemeClr val="accent6"/>
+          </a:lnRef>
+          <a:fillRef idx="1">
+            <a:schemeClr val="lt1"/>
+          </a:fillRef>
+          <a:effectRef idx="0">
+            <a:schemeClr val="accent6"/>
+          </a:effectRef>
+          <a:fontRef idx="minor">
+            <a:schemeClr val="dk1"/>
+          </a:fontRef>
+        </p:style>
+        <p:txBody>
+          <a:bodyPr rtlCol="0" anchor="ctr"/>
+          <a:lstStyle/>
+          <a:p>
+            <a:pPr algn="ctr"/>
+            <a:endParaRPr lang="pt-BR"/>
+          </a:p>
+        </p:txBody>
+      </p:sp>
+      <p:sp>
+        <p:nvSpPr>
+          <p:cNvPr id="32" name="Retângulo 31"/>
+          <p:cNvSpPr/>
+          <p:nvPr/>
+        </p:nvSpPr>
+        <p:spPr>
+          <a:xfrm>
+            <a:off x="8909892" y="2399314"/>
+            <a:ext cx="247880" cy="210870"/>
+          </a:xfrm>
+          <a:prstGeom prst="rect">
+            <a:avLst/>
+          </a:prstGeom>
+        </p:spPr>
+        <p:style>
+          <a:lnRef idx="2">
+            <a:schemeClr val="accent6"/>
+          </a:lnRef>
+          <a:fillRef idx="1">
+            <a:schemeClr val="lt1"/>
+          </a:fillRef>
+          <a:effectRef idx="0">
+            <a:schemeClr val="accent6"/>
+          </a:effectRef>
+          <a:fontRef idx="minor">
+            <a:schemeClr val="dk1"/>
+          </a:fontRef>
+        </p:style>
+        <p:txBody>
+          <a:bodyPr rtlCol="0" anchor="ctr"/>
+          <a:lstStyle/>
+          <a:p>
+            <a:pPr algn="ctr"/>
+            <a:endParaRPr lang="pt-BR"/>
+          </a:p>
+        </p:txBody>
+      </p:sp>
+    </p:spTree>
+    <p:extLst>
+      <p:ext uri="{BB962C8B-B14F-4D97-AF65-F5344CB8AC3E}">
+        <p14:creationId xmlns:p14="http://schemas.microsoft.com/office/powerpoint/2010/main" val="982221883"/>
+      </p:ext>
+    </p:extLst>
+  </p:cSld>
+  <p:clrMapOvr>
+    <a:masterClrMapping/>
+  </p:clrMapOvr>
+</p:sld>
+</file>
+
+<file path=ppt/slides/slide19.xml><?xml version="1.0" encoding="utf-8"?>
+<p:sld xmlns:a="http://schemas.openxmlformats.org/drawingml/2006/main" xmlns:r="http://schemas.openxmlformats.org/officeDocument/2006/relationships" xmlns:p="http://schemas.openxmlformats.org/presentationml/2006/main">
+  <p:cSld>
+    <p:spTree>
+      <p:nvGrpSpPr>
+        <p:cNvPr id="1" name=""/>
+        <p:cNvGrpSpPr/>
+        <p:nvPr/>
+      </p:nvGrpSpPr>
+      <p:grpSpPr>
+        <a:xfrm>
+          <a:off x="0" y="0"/>
+          <a:ext cx="0" cy="0"/>
+          <a:chOff x="0" y="0"/>
+          <a:chExt cx="0" cy="0"/>
+        </a:xfrm>
+      </p:grpSpPr>
+      <p:sp>
+        <p:nvSpPr>
+          <p:cNvPr id="2" name="Título 1"/>
+          <p:cNvSpPr>
+            <a:spLocks noGrp="1"/>
+          </p:cNvSpPr>
+          <p:nvPr>
+            <p:ph type="title"/>
+          </p:nvPr>
+        </p:nvSpPr>
+        <p:spPr>
+          <a:xfrm>
+            <a:off x="838200" y="365125"/>
+            <a:ext cx="10515600" cy="450123"/>
+          </a:xfrm>
+        </p:spPr>
+        <p:txBody>
+          <a:bodyPr>
+            <a:normAutofit fontScale="90000"/>
+          </a:bodyPr>
+          <a:lstStyle/>
+          <a:p>
+            <a:r>
+              <a:rPr lang="pt-BR" dirty="0" smtClean="0"/>
+              <a:t>Requisitos</a:t>
+            </a:r>
+            <a:endParaRPr lang="pt-BR" dirty="0"/>
+          </a:p>
+        </p:txBody>
+      </p:sp>
+      <p:graphicFrame>
+        <p:nvGraphicFramePr>
+          <p:cNvPr id="4" name="Espaço Reservado para Conteúdo 3"/>
+          <p:cNvGraphicFramePr>
+            <a:graphicFrameLocks noGrp="1"/>
+          </p:cNvGraphicFramePr>
+          <p:nvPr>
+            <p:ph idx="1"/>
+            <p:extLst>
+              <p:ext uri="{D42A27DB-BD31-4B8C-83A1-F6EECF244321}">
+                <p14:modId xmlns:p14="http://schemas.microsoft.com/office/powerpoint/2010/main" val="3850701536"/>
+              </p:ext>
+            </p:extLst>
+          </p:nvPr>
+        </p:nvGraphicFramePr>
+        <p:xfrm>
+          <a:off x="838200" y="1142579"/>
+          <a:ext cx="10515600" cy="3977640"/>
+        </p:xfrm>
+        <a:graphic>
+          <a:graphicData uri="http://schemas.openxmlformats.org/drawingml/2006/table">
+            <a:tbl>
+              <a:tblPr firstRow="1" bandRow="1">
+                <a:tableStyleId>{21E4AEA4-8DFA-4A89-87EB-49C32662AFE0}</a:tableStyleId>
+              </a:tblPr>
+              <a:tblGrid>
+                <a:gridCol w="1034667">
+                  <a:extLst>
+                    <a:ext uri="{9D8B030D-6E8A-4147-A177-3AD203B41FA5}">
+                      <a16:colId xmlns:a16="http://schemas.microsoft.com/office/drawing/2014/main" val="1323258546"/>
+                    </a:ext>
+                  </a:extLst>
+                </a:gridCol>
+                <a:gridCol w="7546555">
+                  <a:extLst>
+                    <a:ext uri="{9D8B030D-6E8A-4147-A177-3AD203B41FA5}">
+                      <a16:colId xmlns:a16="http://schemas.microsoft.com/office/drawing/2014/main" val="1860149145"/>
+                    </a:ext>
+                  </a:extLst>
+                </a:gridCol>
+                <a:gridCol w="1934378">
+                  <a:extLst>
+                    <a:ext uri="{9D8B030D-6E8A-4147-A177-3AD203B41FA5}">
+                      <a16:colId xmlns:a16="http://schemas.microsoft.com/office/drawing/2014/main" val="678366911"/>
+                    </a:ext>
+                  </a:extLst>
+                </a:gridCol>
+              </a:tblGrid>
+              <a:tr h="370840">
+                <a:tc>
+                  <a:txBody>
+                    <a:bodyPr/>
+                    <a:lstStyle/>
+                    <a:p>
+                      <a:r>
+                        <a:rPr lang="pt-BR" dirty="0" smtClean="0"/>
+                        <a:t>ID</a:t>
+                      </a:r>
+                      <a:endParaRPr lang="pt-BR" dirty="0"/>
+                    </a:p>
+                  </a:txBody>
+                  <a:tcPr/>
+                </a:tc>
+                <a:tc>
+                  <a:txBody>
+                    <a:bodyPr/>
+                    <a:lstStyle/>
+                    <a:p>
+                      <a:r>
+                        <a:rPr lang="pt-BR" dirty="0" smtClean="0"/>
+                        <a:t>Descrição</a:t>
+                      </a:r>
+                      <a:endParaRPr lang="pt-BR" dirty="0"/>
+                    </a:p>
+                  </a:txBody>
+                  <a:tcPr/>
+                </a:tc>
+                <a:tc>
+                  <a:txBody>
+                    <a:bodyPr/>
+                    <a:lstStyle/>
+                    <a:p>
+                      <a:r>
+                        <a:rPr lang="pt-BR" dirty="0" smtClean="0"/>
+                        <a:t>Status/Versão</a:t>
+                      </a:r>
+                      <a:endParaRPr lang="pt-BR" dirty="0"/>
+                    </a:p>
+                  </a:txBody>
+                  <a:tcPr/>
+                </a:tc>
+                <a:extLst>
+                  <a:ext uri="{0D108BD9-81ED-4DB2-BD59-A6C34878D82A}">
+                    <a16:rowId xmlns:a16="http://schemas.microsoft.com/office/drawing/2014/main" val="874644336"/>
+                  </a:ext>
+                </a:extLst>
+              </a:tr>
+              <a:tr h="370840">
+                <a:tc>
+                  <a:txBody>
+                    <a:bodyPr/>
+                    <a:lstStyle/>
+                    <a:p>
+                      <a:r>
+                        <a:rPr lang="pt-BR" dirty="0" smtClean="0"/>
+                        <a:t>RN01</a:t>
+                      </a:r>
+                      <a:endParaRPr lang="pt-BR" dirty="0"/>
+                    </a:p>
+                  </a:txBody>
+                  <a:tcPr/>
+                </a:tc>
+                <a:tc>
+                  <a:txBody>
+                    <a:bodyPr/>
+                    <a:lstStyle/>
+                    <a:p>
+                      <a:r>
+                        <a:rPr lang="pt-BR" dirty="0" err="1" smtClean="0"/>
+                        <a:t>Logar</a:t>
+                      </a:r>
+                      <a:endParaRPr lang="pt-BR" dirty="0"/>
+                    </a:p>
+                  </a:txBody>
+                  <a:tcPr/>
+                </a:tc>
+                <a:tc>
+                  <a:txBody>
+                    <a:bodyPr/>
+                    <a:lstStyle/>
+                    <a:p>
+                      <a:r>
+                        <a:rPr lang="pt-BR" dirty="0" smtClean="0"/>
+                        <a:t>Fazer</a:t>
+                      </a:r>
+                      <a:endParaRPr lang="pt-BR" dirty="0"/>
+                    </a:p>
+                  </a:txBody>
+                  <a:tcPr/>
+                </a:tc>
+                <a:extLst>
+                  <a:ext uri="{0D108BD9-81ED-4DB2-BD59-A6C34878D82A}">
+                    <a16:rowId xmlns:a16="http://schemas.microsoft.com/office/drawing/2014/main" val="1062110084"/>
+                  </a:ext>
+                </a:extLst>
+              </a:tr>
+              <a:tr h="370840">
+                <a:tc>
+                  <a:txBody>
+                    <a:bodyPr/>
+                    <a:lstStyle/>
+                    <a:p>
+                      <a:r>
+                        <a:rPr lang="pt-BR" dirty="0" smtClean="0"/>
+                        <a:t>RN02</a:t>
+                      </a:r>
+                      <a:endParaRPr lang="pt-BR" dirty="0"/>
+                    </a:p>
+                  </a:txBody>
+                  <a:tcPr/>
+                </a:tc>
+                <a:tc>
+                  <a:txBody>
+                    <a:bodyPr/>
+                    <a:lstStyle/>
+                    <a:p>
+                      <a:r>
+                        <a:rPr lang="pt-BR" dirty="0" smtClean="0"/>
+                        <a:t>Tela</a:t>
+                      </a:r>
+                      <a:r>
+                        <a:rPr lang="pt-BR" baseline="0" dirty="0" smtClean="0"/>
+                        <a:t> livros</a:t>
+                      </a:r>
+                      <a:endParaRPr lang="pt-BR" dirty="0"/>
+                    </a:p>
+                  </a:txBody>
+                  <a:tcPr/>
+                </a:tc>
+                <a:tc>
+                  <a:txBody>
+                    <a:bodyPr/>
+                    <a:lstStyle/>
+                    <a:p>
+                      <a:r>
+                        <a:rPr lang="pt-BR" dirty="0" smtClean="0"/>
+                        <a:t>Fazer</a:t>
+                      </a:r>
+                      <a:endParaRPr lang="pt-BR" dirty="0"/>
+                    </a:p>
+                  </a:txBody>
+                  <a:tcPr/>
+                </a:tc>
+                <a:extLst>
+                  <a:ext uri="{0D108BD9-81ED-4DB2-BD59-A6C34878D82A}">
+                    <a16:rowId xmlns:a16="http://schemas.microsoft.com/office/drawing/2014/main" val="3766869317"/>
+                  </a:ext>
+                </a:extLst>
+              </a:tr>
+              <a:tr h="370840">
+                <a:tc>
+                  <a:txBody>
+                    <a:bodyPr/>
+                    <a:lstStyle/>
+                    <a:p>
+                      <a:r>
+                        <a:rPr lang="pt-BR" dirty="0" smtClean="0"/>
+                        <a:t>RN03</a:t>
+                      </a:r>
+                      <a:endParaRPr lang="pt-BR" dirty="0"/>
+                    </a:p>
+                  </a:txBody>
+                  <a:tcPr/>
+                </a:tc>
+                <a:tc>
+                  <a:txBody>
+                    <a:bodyPr/>
+                    <a:lstStyle/>
+                    <a:p>
+                      <a:r>
+                        <a:rPr lang="pt-BR" dirty="0" smtClean="0"/>
+                        <a:t>Tela do Livro</a:t>
+                      </a:r>
+                      <a:endParaRPr lang="pt-BR" dirty="0"/>
+                    </a:p>
+                  </a:txBody>
+                  <a:tcPr/>
+                </a:tc>
+                <a:tc>
+                  <a:txBody>
+                    <a:bodyPr/>
+                    <a:lstStyle/>
+                    <a:p>
+                      <a:pPr marL="0" marR="0" lvl="0" indent="0" algn="l" defTabSz="914400" rtl="0" eaLnBrk="1" fontAlgn="auto" latinLnBrk="0" hangingPunct="1">
+                        <a:lnSpc>
+                          <a:spcPct val="100000"/>
+                        </a:lnSpc>
+                        <a:spcBef>
+                          <a:spcPts val="0"/>
+                        </a:spcBef>
+                        <a:spcAft>
+                          <a:spcPts val="0"/>
+                        </a:spcAft>
+                        <a:buClrTx/>
+                        <a:buSzTx/>
+                        <a:buFontTx/>
+                        <a:buNone/>
+                        <a:tabLst/>
+                        <a:defRPr/>
+                      </a:pPr>
+                      <a:r>
+                        <a:rPr lang="pt-BR" baseline="0" dirty="0" smtClean="0"/>
+                        <a:t>Fazer</a:t>
+                      </a:r>
+                      <a:endParaRPr lang="pt-BR" dirty="0" smtClean="0"/>
+                    </a:p>
+                    <a:p>
+                      <a:endParaRPr lang="pt-BR" dirty="0"/>
+                    </a:p>
+                  </a:txBody>
+                  <a:tcPr/>
+                </a:tc>
+                <a:extLst>
+                  <a:ext uri="{0D108BD9-81ED-4DB2-BD59-A6C34878D82A}">
+                    <a16:rowId xmlns:a16="http://schemas.microsoft.com/office/drawing/2014/main" val="1404998980"/>
+                  </a:ext>
+                </a:extLst>
+              </a:tr>
+              <a:tr h="370840">
+                <a:tc>
+                  <a:txBody>
+                    <a:bodyPr/>
+                    <a:lstStyle/>
+                    <a:p>
+                      <a:r>
+                        <a:rPr lang="pt-BR" dirty="0" smtClean="0"/>
+                        <a:t>RN04</a:t>
+                      </a:r>
+                      <a:endParaRPr lang="pt-BR" dirty="0"/>
+                    </a:p>
+                  </a:txBody>
+                  <a:tcPr/>
+                </a:tc>
+                <a:tc>
+                  <a:txBody>
+                    <a:bodyPr/>
+                    <a:lstStyle/>
+                    <a:p>
+                      <a:r>
+                        <a:rPr lang="pt-BR" dirty="0" smtClean="0"/>
+                        <a:t>Capitulo (escolha)</a:t>
+                      </a:r>
+                      <a:endParaRPr lang="pt-BR" dirty="0"/>
+                    </a:p>
+                  </a:txBody>
+                  <a:tcPr/>
+                </a:tc>
+                <a:tc>
+                  <a:txBody>
+                    <a:bodyPr/>
+                    <a:lstStyle/>
+                    <a:p>
+                      <a:r>
+                        <a:rPr lang="pt-BR" dirty="0" smtClean="0"/>
+                        <a:t>Fazer</a:t>
+                      </a:r>
+                      <a:endParaRPr lang="pt-BR" dirty="0"/>
+                    </a:p>
+                  </a:txBody>
+                  <a:tcPr/>
+                </a:tc>
+                <a:extLst>
+                  <a:ext uri="{0D108BD9-81ED-4DB2-BD59-A6C34878D82A}">
+                    <a16:rowId xmlns:a16="http://schemas.microsoft.com/office/drawing/2014/main" val="2678974122"/>
+                  </a:ext>
+                </a:extLst>
+              </a:tr>
+              <a:tr h="370840">
+                <a:tc>
+                  <a:txBody>
+                    <a:bodyPr/>
+                    <a:lstStyle/>
+                    <a:p>
+                      <a:r>
+                        <a:rPr lang="pt-BR" dirty="0" smtClean="0"/>
+                        <a:t>RN05</a:t>
+                      </a:r>
+                      <a:endParaRPr lang="pt-BR" dirty="0"/>
+                    </a:p>
+                  </a:txBody>
+                  <a:tcPr/>
+                </a:tc>
+                <a:tc>
+                  <a:txBody>
+                    <a:bodyPr/>
+                    <a:lstStyle/>
+                    <a:p>
+                      <a:r>
+                        <a:rPr lang="pt-BR" dirty="0" smtClean="0"/>
+                        <a:t>Lista Escolha</a:t>
+                      </a:r>
+                      <a:endParaRPr lang="pt-BR" dirty="0"/>
+                    </a:p>
+                  </a:txBody>
+                  <a:tcPr/>
+                </a:tc>
+                <a:tc>
+                  <a:txBody>
+                    <a:bodyPr/>
+                    <a:lstStyle/>
+                    <a:p>
+                      <a:r>
+                        <a:rPr lang="pt-BR" dirty="0" smtClean="0"/>
+                        <a:t>Fazer</a:t>
+                      </a:r>
+                      <a:endParaRPr lang="pt-BR" dirty="0"/>
+                    </a:p>
+                  </a:txBody>
+                  <a:tcPr/>
+                </a:tc>
+                <a:extLst>
+                  <a:ext uri="{0D108BD9-81ED-4DB2-BD59-A6C34878D82A}">
+                    <a16:rowId xmlns:a16="http://schemas.microsoft.com/office/drawing/2014/main" val="1665412523"/>
+                  </a:ext>
+                </a:extLst>
+              </a:tr>
+              <a:tr h="370840">
+                <a:tc>
+                  <a:txBody>
+                    <a:bodyPr/>
+                    <a:lstStyle/>
+                    <a:p>
+                      <a:r>
+                        <a:rPr lang="pt-BR" dirty="0" smtClean="0"/>
+                        <a:t>RN06</a:t>
+                      </a:r>
+                      <a:endParaRPr lang="pt-BR" dirty="0"/>
+                    </a:p>
+                  </a:txBody>
+                  <a:tcPr/>
+                </a:tc>
+                <a:tc>
+                  <a:txBody>
+                    <a:bodyPr/>
+                    <a:lstStyle/>
+                    <a:p>
+                      <a:r>
+                        <a:rPr lang="pt-BR" dirty="0" err="1" smtClean="0"/>
+                        <a:t>Card</a:t>
+                      </a:r>
+                      <a:r>
+                        <a:rPr lang="pt-BR" dirty="0" smtClean="0"/>
+                        <a:t> – Leitura</a:t>
+                      </a:r>
+                      <a:endParaRPr lang="pt-BR" dirty="0"/>
+                    </a:p>
+                  </a:txBody>
+                  <a:tcPr/>
+                </a:tc>
+                <a:tc>
+                  <a:txBody>
+                    <a:bodyPr/>
+                    <a:lstStyle/>
+                    <a:p>
+                      <a:r>
+                        <a:rPr lang="pt-BR" dirty="0" smtClean="0"/>
+                        <a:t>Fazer</a:t>
+                      </a:r>
+                      <a:endParaRPr lang="pt-BR" dirty="0"/>
+                    </a:p>
+                  </a:txBody>
+                  <a:tcPr/>
+                </a:tc>
+                <a:extLst>
+                  <a:ext uri="{0D108BD9-81ED-4DB2-BD59-A6C34878D82A}">
+                    <a16:rowId xmlns:a16="http://schemas.microsoft.com/office/drawing/2014/main" val="451677944"/>
+                  </a:ext>
+                </a:extLst>
+              </a:tr>
+              <a:tr h="370840">
+                <a:tc>
+                  <a:txBody>
+                    <a:bodyPr/>
+                    <a:lstStyle/>
+                    <a:p>
+                      <a:r>
+                        <a:rPr lang="pt-BR" dirty="0" smtClean="0"/>
+                        <a:t>RN07</a:t>
+                      </a:r>
+                      <a:endParaRPr lang="pt-BR" dirty="0"/>
+                    </a:p>
+                  </a:txBody>
+                  <a:tcPr/>
+                </a:tc>
+                <a:tc>
+                  <a:txBody>
+                    <a:bodyPr/>
+                    <a:lstStyle/>
+                    <a:p>
+                      <a:r>
+                        <a:rPr lang="pt-BR" dirty="0" smtClean="0"/>
+                        <a:t>Palavras</a:t>
+                      </a:r>
+                      <a:r>
+                        <a:rPr lang="pt-BR" baseline="0" dirty="0" smtClean="0"/>
+                        <a:t> destacadas</a:t>
+                      </a:r>
+                      <a:endParaRPr lang="pt-BR" dirty="0"/>
+                    </a:p>
+                  </a:txBody>
+                  <a:tcPr/>
+                </a:tc>
+                <a:tc>
+                  <a:txBody>
+                    <a:bodyPr/>
+                    <a:lstStyle/>
+                    <a:p>
+                      <a:r>
+                        <a:rPr lang="pt-BR" dirty="0" smtClean="0"/>
+                        <a:t>Fazer</a:t>
+                      </a:r>
+                      <a:endParaRPr lang="pt-BR" dirty="0"/>
+                    </a:p>
+                  </a:txBody>
+                  <a:tcPr/>
+                </a:tc>
+                <a:extLst>
+                  <a:ext uri="{0D108BD9-81ED-4DB2-BD59-A6C34878D82A}">
+                    <a16:rowId xmlns:a16="http://schemas.microsoft.com/office/drawing/2014/main" val="1442878853"/>
+                  </a:ext>
+                </a:extLst>
+              </a:tr>
+              <a:tr h="370840">
+                <a:tc>
+                  <a:txBody>
+                    <a:bodyPr/>
+                    <a:lstStyle/>
+                    <a:p>
+                      <a:r>
+                        <a:rPr lang="pt-BR" dirty="0" smtClean="0"/>
+                        <a:t>RN08</a:t>
+                      </a:r>
+                      <a:r>
+                        <a:rPr lang="pt-BR" baseline="0" dirty="0" smtClean="0"/>
+                        <a:t> </a:t>
+                      </a:r>
+                      <a:endParaRPr lang="pt-BR" dirty="0"/>
+                    </a:p>
+                  </a:txBody>
+                  <a:tcPr/>
+                </a:tc>
+                <a:tc>
+                  <a:txBody>
+                    <a:bodyPr/>
+                    <a:lstStyle/>
+                    <a:p>
+                      <a:r>
+                        <a:rPr lang="pt-BR" dirty="0" smtClean="0"/>
+                        <a:t>Próximo</a:t>
+                      </a:r>
+                      <a:r>
+                        <a:rPr lang="pt-BR" baseline="0" dirty="0" smtClean="0"/>
+                        <a:t> </a:t>
+                      </a:r>
+                      <a:r>
+                        <a:rPr lang="pt-BR" baseline="0" dirty="0" err="1" smtClean="0"/>
+                        <a:t>Card</a:t>
+                      </a:r>
+                      <a:endParaRPr lang="pt-BR" dirty="0"/>
+                    </a:p>
+                  </a:txBody>
+                  <a:tcPr/>
+                </a:tc>
+                <a:tc>
+                  <a:txBody>
+                    <a:bodyPr/>
+                    <a:lstStyle/>
+                    <a:p>
+                      <a:r>
+                        <a:rPr lang="pt-BR" dirty="0" smtClean="0"/>
+                        <a:t>Fazer</a:t>
+                      </a:r>
+                      <a:endParaRPr lang="pt-BR" dirty="0"/>
+                    </a:p>
+                  </a:txBody>
+                  <a:tcPr/>
+                </a:tc>
+                <a:extLst>
+                  <a:ext uri="{0D108BD9-81ED-4DB2-BD59-A6C34878D82A}">
+                    <a16:rowId xmlns:a16="http://schemas.microsoft.com/office/drawing/2014/main" val="2570842362"/>
+                  </a:ext>
+                </a:extLst>
+              </a:tr>
+              <a:tr h="370840">
+                <a:tc>
+                  <a:txBody>
+                    <a:bodyPr/>
+                    <a:lstStyle/>
+                    <a:p>
+                      <a:r>
+                        <a:rPr lang="pt-BR" dirty="0" smtClean="0"/>
+                        <a:t>RN09</a:t>
+                      </a:r>
+                      <a:endParaRPr lang="pt-BR" dirty="0"/>
+                    </a:p>
+                  </a:txBody>
+                  <a:tcPr/>
+                </a:tc>
+                <a:tc>
+                  <a:txBody>
+                    <a:bodyPr/>
+                    <a:lstStyle/>
+                    <a:p>
+                      <a:r>
+                        <a:rPr lang="pt-BR" dirty="0" smtClean="0"/>
+                        <a:t>Palavra destaque</a:t>
+                      </a:r>
+                      <a:endParaRPr lang="pt-BR" dirty="0"/>
+                    </a:p>
+                  </a:txBody>
+                  <a:tcPr/>
+                </a:tc>
+                <a:tc>
+                  <a:txBody>
+                    <a:bodyPr/>
+                    <a:lstStyle/>
+                    <a:p>
+                      <a:r>
+                        <a:rPr lang="pt-BR" smtClean="0"/>
+                        <a:t>Fazer</a:t>
+                      </a:r>
+                      <a:endParaRPr lang="pt-BR" dirty="0"/>
+                    </a:p>
+                  </a:txBody>
+                  <a:tcPr/>
+                </a:tc>
+                <a:extLst>
+                  <a:ext uri="{0D108BD9-81ED-4DB2-BD59-A6C34878D82A}">
+                    <a16:rowId xmlns:a16="http://schemas.microsoft.com/office/drawing/2014/main" val="3293221979"/>
+                  </a:ext>
+                </a:extLst>
+              </a:tr>
+            </a:tbl>
+          </a:graphicData>
+        </a:graphic>
+      </p:graphicFrame>
+    </p:spTree>
+    <p:extLst>
+      <p:ext uri="{BB962C8B-B14F-4D97-AF65-F5344CB8AC3E}">
+        <p14:creationId xmlns:p14="http://schemas.microsoft.com/office/powerpoint/2010/main" val="2436770917"/>
+      </p:ext>
+    </p:extLst>
+  </p:cSld>
+  <p:clrMapOvr>
+    <a:masterClrMapping/>
+  </p:clrMapOvr>
+</p:sld>
+</file>
+
 <file path=ppt/slides/slide2.xml><?xml version="1.0" encoding="utf-8"?>
 <p:sld xmlns:a="http://schemas.openxmlformats.org/drawingml/2006/main" xmlns:r="http://schemas.openxmlformats.org/officeDocument/2006/relationships" xmlns:p="http://schemas.openxmlformats.org/presentationml/2006/main">
   <p:cSld>
@@ -4513,16 +9672,18 @@
         </p:spPr>
         <p:style>
           <a:lnRef idx="2">
-            <a:schemeClr val="accent6"/>
+            <a:schemeClr val="accent1">
+              <a:shade val="50000"/>
+            </a:schemeClr>
           </a:lnRef>
           <a:fillRef idx="1">
-            <a:schemeClr val="lt1"/>
+            <a:schemeClr val="accent1"/>
           </a:fillRef>
           <a:effectRef idx="0">
-            <a:schemeClr val="accent6"/>
+            <a:schemeClr val="accent1"/>
           </a:effectRef>
           <a:fontRef idx="minor">
-            <a:schemeClr val="dk1"/>
+            <a:schemeClr val="lt1"/>
           </a:fontRef>
         </p:style>
         <p:txBody>
@@ -4555,16 +9716,18 @@
         </p:spPr>
         <p:style>
           <a:lnRef idx="2">
-            <a:schemeClr val="accent6"/>
+            <a:schemeClr val="accent1">
+              <a:shade val="50000"/>
+            </a:schemeClr>
           </a:lnRef>
           <a:fillRef idx="1">
-            <a:schemeClr val="lt1"/>
+            <a:schemeClr val="accent1"/>
           </a:fillRef>
           <a:effectRef idx="0">
-            <a:schemeClr val="accent6"/>
+            <a:schemeClr val="accent1"/>
           </a:effectRef>
           <a:fontRef idx="minor">
-            <a:schemeClr val="dk1"/>
+            <a:schemeClr val="lt1"/>
           </a:fontRef>
         </p:style>
         <p:txBody>
@@ -4575,48 +9738,6 @@
             <a:r>
               <a:rPr lang="pt-BR" dirty="0" smtClean="0"/>
               <a:t>CAPITULO</a:t>
-            </a:r>
-            <a:endParaRPr lang="pt-BR" dirty="0"/>
-          </a:p>
-        </p:txBody>
-      </p:sp>
-      <p:sp>
-        <p:nvSpPr>
-          <p:cNvPr id="10" name="Retângulo 9"/>
-          <p:cNvSpPr/>
-          <p:nvPr/>
-        </p:nvSpPr>
-        <p:spPr>
-          <a:xfrm>
-            <a:off x="8594073" y="1454971"/>
-            <a:ext cx="1696597" cy="804231"/>
-          </a:xfrm>
-          <a:prstGeom prst="rect">
-            <a:avLst/>
-          </a:prstGeom>
-        </p:spPr>
-        <p:style>
-          <a:lnRef idx="2">
-            <a:schemeClr val="accent6"/>
-          </a:lnRef>
-          <a:fillRef idx="1">
-            <a:schemeClr val="lt1"/>
-          </a:fillRef>
-          <a:effectRef idx="0">
-            <a:schemeClr val="accent6"/>
-          </a:effectRef>
-          <a:fontRef idx="minor">
-            <a:schemeClr val="dk1"/>
-          </a:fontRef>
-        </p:style>
-        <p:txBody>
-          <a:bodyPr rtlCol="0" anchor="ctr"/>
-          <a:lstStyle/>
-          <a:p>
-            <a:pPr algn="ctr"/>
-            <a:r>
-              <a:rPr lang="pt-BR" dirty="0" smtClean="0"/>
-              <a:t>LISTCARD</a:t>
             </a:r>
             <a:endParaRPr lang="pt-BR" dirty="0"/>
           </a:p>
@@ -4631,44 +9752,6 @@
         <p:spPr>
           <a:xfrm>
             <a:off x="4450814" y="1591536"/>
-            <a:ext cx="583894" cy="495759"/>
-          </a:xfrm>
-          <a:prstGeom prst="diamond">
-            <a:avLst/>
-          </a:prstGeom>
-        </p:spPr>
-        <p:style>
-          <a:lnRef idx="2">
-            <a:schemeClr val="accent6"/>
-          </a:lnRef>
-          <a:fillRef idx="1">
-            <a:schemeClr val="lt1"/>
-          </a:fillRef>
-          <a:effectRef idx="0">
-            <a:schemeClr val="accent6"/>
-          </a:effectRef>
-          <a:fontRef idx="minor">
-            <a:schemeClr val="dk1"/>
-          </a:fontRef>
-        </p:style>
-        <p:txBody>
-          <a:bodyPr rtlCol="0" anchor="ctr"/>
-          <a:lstStyle/>
-          <a:p>
-            <a:pPr algn="ctr"/>
-            <a:endParaRPr lang="pt-BR"/>
-          </a:p>
-        </p:txBody>
-      </p:sp>
-      <p:sp>
-        <p:nvSpPr>
-          <p:cNvPr id="12" name="Losango 11"/>
-          <p:cNvSpPr/>
-          <p:nvPr/>
-        </p:nvSpPr>
-        <p:spPr>
-          <a:xfrm>
-            <a:off x="9150424" y="2454522"/>
             <a:ext cx="583894" cy="495759"/>
           </a:xfrm>
           <a:prstGeom prst="diamond">
@@ -4766,13 +9849,15 @@
       <p:cxnSp>
         <p:nvCxnSpPr>
           <p:cNvPr id="18" name="Conector reto 17"/>
-          <p:cNvCxnSpPr/>
+          <p:cNvCxnSpPr>
+            <a:endCxn id="26" idx="1"/>
+          </p:cNvCxnSpPr>
           <p:nvPr/>
         </p:nvCxnSpPr>
         <p:spPr>
           <a:xfrm>
-            <a:off x="7182997" y="1846874"/>
-            <a:ext cx="440675" cy="10214"/>
+            <a:off x="7167840" y="1836388"/>
+            <a:ext cx="1710824" cy="41717"/>
           </a:xfrm>
           <a:prstGeom prst="line">
             <a:avLst/>
@@ -4793,16 +9878,188 @@
           </a:fontRef>
         </p:style>
       </p:cxnSp>
+      <p:sp>
+        <p:nvSpPr>
+          <p:cNvPr id="20" name="CaixaDeTexto 19"/>
+          <p:cNvSpPr txBox="1"/>
+          <p:nvPr/>
+        </p:nvSpPr>
+        <p:spPr>
+          <a:xfrm>
+            <a:off x="3977089" y="1451818"/>
+            <a:ext cx="330506" cy="369332"/>
+          </a:xfrm>
+          <a:prstGeom prst="rect">
+            <a:avLst/>
+          </a:prstGeom>
+          <a:noFill/>
+        </p:spPr>
+        <p:txBody>
+          <a:bodyPr wrap="square" rtlCol="0">
+            <a:spAutoFit/>
+          </a:bodyPr>
+          <a:lstStyle/>
+          <a:p>
+            <a:r>
+              <a:rPr lang="pt-BR" dirty="0" smtClean="0"/>
+              <a:t>1</a:t>
+            </a:r>
+            <a:endParaRPr lang="pt-BR" dirty="0"/>
+          </a:p>
+        </p:txBody>
+      </p:sp>
+      <p:sp>
+        <p:nvSpPr>
+          <p:cNvPr id="22" name="CaixaDeTexto 21"/>
+          <p:cNvSpPr txBox="1"/>
+          <p:nvPr/>
+        </p:nvSpPr>
+        <p:spPr>
+          <a:xfrm>
+            <a:off x="5167827" y="1491389"/>
+            <a:ext cx="330506" cy="369332"/>
+          </a:xfrm>
+          <a:prstGeom prst="rect">
+            <a:avLst/>
+          </a:prstGeom>
+          <a:noFill/>
+        </p:spPr>
+        <p:txBody>
+          <a:bodyPr wrap="square" rtlCol="0">
+            <a:spAutoFit/>
+          </a:bodyPr>
+          <a:lstStyle/>
+          <a:p>
+            <a:r>
+              <a:rPr lang="pt-BR" dirty="0" smtClean="0"/>
+              <a:t>N</a:t>
+            </a:r>
+            <a:endParaRPr lang="pt-BR" dirty="0"/>
+          </a:p>
+        </p:txBody>
+      </p:sp>
+      <p:sp>
+        <p:nvSpPr>
+          <p:cNvPr id="24" name="CaixaDeTexto 23"/>
+          <p:cNvSpPr txBox="1"/>
+          <p:nvPr/>
+        </p:nvSpPr>
+        <p:spPr>
+          <a:xfrm>
+            <a:off x="7182997" y="1477542"/>
+            <a:ext cx="330506" cy="369332"/>
+          </a:xfrm>
+          <a:prstGeom prst="rect">
+            <a:avLst/>
+          </a:prstGeom>
+          <a:noFill/>
+        </p:spPr>
+        <p:txBody>
+          <a:bodyPr wrap="square" rtlCol="0">
+            <a:spAutoFit/>
+          </a:bodyPr>
+          <a:lstStyle/>
+          <a:p>
+            <a:r>
+              <a:rPr lang="pt-BR" dirty="0" smtClean="0"/>
+              <a:t>1</a:t>
+            </a:r>
+            <a:endParaRPr lang="pt-BR" dirty="0"/>
+          </a:p>
+        </p:txBody>
+      </p:sp>
+      <p:sp>
+        <p:nvSpPr>
+          <p:cNvPr id="25" name="Retângulo 24"/>
+          <p:cNvSpPr/>
+          <p:nvPr/>
+        </p:nvSpPr>
+        <p:spPr>
+          <a:xfrm>
+            <a:off x="8594073" y="3145601"/>
+            <a:ext cx="1696597" cy="804231"/>
+          </a:xfrm>
+          <a:prstGeom prst="rect">
+            <a:avLst/>
+          </a:prstGeom>
+        </p:spPr>
+        <p:style>
+          <a:lnRef idx="2">
+            <a:schemeClr val="dk1">
+              <a:shade val="50000"/>
+            </a:schemeClr>
+          </a:lnRef>
+          <a:fillRef idx="1">
+            <a:schemeClr val="dk1"/>
+          </a:fillRef>
+          <a:effectRef idx="0">
+            <a:schemeClr val="dk1"/>
+          </a:effectRef>
+          <a:fontRef idx="minor">
+            <a:schemeClr val="lt1"/>
+          </a:fontRef>
+        </p:style>
+        <p:txBody>
+          <a:bodyPr rtlCol="0" anchor="ctr"/>
+          <a:lstStyle/>
+          <a:p>
+            <a:pPr algn="ctr"/>
+            <a:r>
+              <a:rPr lang="pt-BR" dirty="0" smtClean="0"/>
+              <a:t>CARDTEXTO</a:t>
+            </a:r>
+            <a:endParaRPr lang="pt-BR" dirty="0"/>
+          </a:p>
+        </p:txBody>
+      </p:sp>
+      <p:sp>
+        <p:nvSpPr>
+          <p:cNvPr id="26" name="Losango 25"/>
+          <p:cNvSpPr/>
+          <p:nvPr/>
+        </p:nvSpPr>
+        <p:spPr>
+          <a:xfrm>
+            <a:off x="8878664" y="1630225"/>
+            <a:ext cx="583894" cy="495759"/>
+          </a:xfrm>
+          <a:prstGeom prst="diamond">
+            <a:avLst/>
+          </a:prstGeom>
+        </p:spPr>
+        <p:style>
+          <a:lnRef idx="2">
+            <a:schemeClr val="accent6"/>
+          </a:lnRef>
+          <a:fillRef idx="1">
+            <a:schemeClr val="lt1"/>
+          </a:fillRef>
+          <a:effectRef idx="0">
+            <a:schemeClr val="accent6"/>
+          </a:effectRef>
+          <a:fontRef idx="minor">
+            <a:schemeClr val="dk1"/>
+          </a:fontRef>
+        </p:style>
+        <p:txBody>
+          <a:bodyPr rtlCol="0" anchor="ctr"/>
+          <a:lstStyle/>
+          <a:p>
+            <a:pPr algn="ctr"/>
+            <a:endParaRPr lang="pt-BR"/>
+          </a:p>
+        </p:txBody>
+      </p:sp>
       <p:cxnSp>
         <p:nvCxnSpPr>
-          <p:cNvPr id="19" name="Conector reto 18"/>
+          <p:cNvPr id="30" name="Conector reto 29"/>
           <p:cNvCxnSpPr/>
           <p:nvPr/>
         </p:nvCxnSpPr>
         <p:spPr>
           <a:xfrm>
-            <a:off x="8153398" y="1868908"/>
-            <a:ext cx="440675" cy="10214"/>
+            <a:off x="9462558" y="1867600"/>
+            <a:ext cx="13775" cy="1278001"/>
           </a:xfrm>
           <a:prstGeom prst="line">
             <a:avLst/>
@@ -4825,280 +10082,24 @@
       </p:cxnSp>
       <p:sp>
         <p:nvSpPr>
-          <p:cNvPr id="20" name="CaixaDeTexto 19"/>
-          <p:cNvSpPr txBox="1"/>
+          <p:cNvPr id="31" name="Retângulo 30"/>
+          <p:cNvSpPr/>
           <p:nvPr/>
         </p:nvSpPr>
         <p:spPr>
           <a:xfrm>
-            <a:off x="3977089" y="1451818"/>
-            <a:ext cx="330506" cy="369332"/>
+            <a:off x="5451512" y="3155346"/>
+            <a:ext cx="1696597" cy="804231"/>
           </a:xfrm>
           <a:prstGeom prst="rect">
             <a:avLst/>
           </a:prstGeom>
-          <a:noFill/>
-        </p:spPr>
-        <p:txBody>
-          <a:bodyPr wrap="square" rtlCol="0">
-            <a:spAutoFit/>
-          </a:bodyPr>
-          <a:lstStyle/>
-          <a:p>
-            <a:r>
-              <a:rPr lang="pt-BR" dirty="0" smtClean="0"/>
-              <a:t>1</a:t>
-            </a:r>
-            <a:endParaRPr lang="pt-BR" dirty="0"/>
-          </a:p>
-        </p:txBody>
-      </p:sp>
-      <p:sp>
-        <p:nvSpPr>
-          <p:cNvPr id="22" name="CaixaDeTexto 21"/>
-          <p:cNvSpPr txBox="1"/>
-          <p:nvPr/>
-        </p:nvSpPr>
-        <p:spPr>
-          <a:xfrm>
-            <a:off x="5167827" y="1491389"/>
-            <a:ext cx="330506" cy="369332"/>
-          </a:xfrm>
-          <a:prstGeom prst="rect">
-            <a:avLst/>
-          </a:prstGeom>
-          <a:noFill/>
-        </p:spPr>
-        <p:txBody>
-          <a:bodyPr wrap="square" rtlCol="0">
-            <a:spAutoFit/>
-          </a:bodyPr>
-          <a:lstStyle/>
-          <a:p>
-            <a:r>
-              <a:rPr lang="pt-BR" dirty="0" smtClean="0"/>
-              <a:t>N</a:t>
-            </a:r>
-            <a:endParaRPr lang="pt-BR" dirty="0"/>
-          </a:p>
-        </p:txBody>
-      </p:sp>
-      <p:sp>
-        <p:nvSpPr>
-          <p:cNvPr id="23" name="CaixaDeTexto 22"/>
-          <p:cNvSpPr txBox="1"/>
-          <p:nvPr/>
-        </p:nvSpPr>
-        <p:spPr>
-          <a:xfrm>
-            <a:off x="8254387" y="1478228"/>
-            <a:ext cx="330506" cy="369332"/>
-          </a:xfrm>
-          <a:prstGeom prst="rect">
-            <a:avLst/>
-          </a:prstGeom>
-          <a:noFill/>
-        </p:spPr>
-        <p:txBody>
-          <a:bodyPr wrap="square" rtlCol="0">
-            <a:spAutoFit/>
-          </a:bodyPr>
-          <a:lstStyle/>
-          <a:p>
-            <a:r>
-              <a:rPr lang="pt-BR" dirty="0" smtClean="0"/>
-              <a:t>N</a:t>
-            </a:r>
-            <a:endParaRPr lang="pt-BR" dirty="0"/>
-          </a:p>
-        </p:txBody>
-      </p:sp>
-      <p:sp>
-        <p:nvSpPr>
-          <p:cNvPr id="24" name="CaixaDeTexto 23"/>
-          <p:cNvSpPr txBox="1"/>
-          <p:nvPr/>
-        </p:nvSpPr>
-        <p:spPr>
-          <a:xfrm>
-            <a:off x="7182997" y="1477542"/>
-            <a:ext cx="330506" cy="369332"/>
-          </a:xfrm>
-          <a:prstGeom prst="rect">
-            <a:avLst/>
-          </a:prstGeom>
-          <a:noFill/>
-        </p:spPr>
-        <p:txBody>
-          <a:bodyPr wrap="square" rtlCol="0">
-            <a:spAutoFit/>
-          </a:bodyPr>
-          <a:lstStyle/>
-          <a:p>
-            <a:r>
-              <a:rPr lang="pt-BR" dirty="0" smtClean="0"/>
-              <a:t>1</a:t>
-            </a:r>
-            <a:endParaRPr lang="pt-BR" dirty="0"/>
-          </a:p>
-        </p:txBody>
-      </p:sp>
-      <p:sp>
-        <p:nvSpPr>
-          <p:cNvPr id="25" name="Retângulo 24"/>
-          <p:cNvSpPr/>
-          <p:nvPr/>
-        </p:nvSpPr>
-        <p:spPr>
-          <a:xfrm>
-            <a:off x="8594073" y="3145601"/>
-            <a:ext cx="1696597" cy="804231"/>
-          </a:xfrm>
-          <a:prstGeom prst="rect">
-            <a:avLst/>
-          </a:prstGeom>
-        </p:spPr>
-        <p:style>
-          <a:lnRef idx="2">
-            <a:schemeClr val="accent6"/>
-          </a:lnRef>
-          <a:fillRef idx="1">
-            <a:schemeClr val="lt1"/>
-          </a:fillRef>
-          <a:effectRef idx="0">
-            <a:schemeClr val="accent6"/>
-          </a:effectRef>
-          <a:fontRef idx="minor">
-            <a:schemeClr val="dk1"/>
-          </a:fontRef>
-        </p:style>
-        <p:txBody>
-          <a:bodyPr rtlCol="0" anchor="ctr"/>
-          <a:lstStyle/>
-          <a:p>
-            <a:pPr algn="ctr"/>
-            <a:r>
-              <a:rPr lang="pt-BR" dirty="0" smtClean="0"/>
-              <a:t>CARDTEXTO</a:t>
-            </a:r>
-            <a:endParaRPr lang="pt-BR" dirty="0"/>
-          </a:p>
-        </p:txBody>
-      </p:sp>
-      <p:sp>
-        <p:nvSpPr>
-          <p:cNvPr id="26" name="Losango 25"/>
-          <p:cNvSpPr/>
-          <p:nvPr/>
-        </p:nvSpPr>
-        <p:spPr>
-          <a:xfrm>
-            <a:off x="7647082" y="1593314"/>
-            <a:ext cx="583894" cy="495759"/>
-          </a:xfrm>
-          <a:prstGeom prst="diamond">
-            <a:avLst/>
-          </a:prstGeom>
-        </p:spPr>
-        <p:style>
-          <a:lnRef idx="2">
-            <a:schemeClr val="accent6"/>
-          </a:lnRef>
-          <a:fillRef idx="1">
-            <a:schemeClr val="lt1"/>
-          </a:fillRef>
-          <a:effectRef idx="0">
-            <a:schemeClr val="accent6"/>
-          </a:effectRef>
-          <a:fontRef idx="minor">
-            <a:schemeClr val="dk1"/>
-          </a:fontRef>
-        </p:style>
-        <p:txBody>
-          <a:bodyPr rtlCol="0" anchor="ctr"/>
-          <a:lstStyle/>
-          <a:p>
-            <a:pPr algn="ctr"/>
-            <a:endParaRPr lang="pt-BR"/>
-          </a:p>
-        </p:txBody>
-      </p:sp>
-      <p:cxnSp>
-        <p:nvCxnSpPr>
-          <p:cNvPr id="28" name="Conector reto 27"/>
-          <p:cNvCxnSpPr>
-            <a:endCxn id="12" idx="0"/>
-          </p:cNvCxnSpPr>
-          <p:nvPr/>
-        </p:nvCxnSpPr>
-        <p:spPr>
-          <a:xfrm>
-            <a:off x="9442371" y="2254098"/>
-            <a:ext cx="0" cy="200424"/>
-          </a:xfrm>
-          <a:prstGeom prst="line">
-            <a:avLst/>
-          </a:prstGeom>
-        </p:spPr>
-        <p:style>
-          <a:lnRef idx="1">
-            <a:schemeClr val="accent1"/>
-          </a:lnRef>
-          <a:fillRef idx="0">
-            <a:schemeClr val="accent1"/>
-          </a:fillRef>
-          <a:effectRef idx="0">
-            <a:schemeClr val="accent1"/>
-          </a:effectRef>
-          <a:fontRef idx="minor">
-            <a:schemeClr val="tx1"/>
-          </a:fontRef>
-        </p:style>
-      </p:cxnSp>
-      <p:cxnSp>
-        <p:nvCxnSpPr>
-          <p:cNvPr id="30" name="Conector reto 29"/>
-          <p:cNvCxnSpPr/>
-          <p:nvPr/>
-        </p:nvCxnSpPr>
-        <p:spPr>
-          <a:xfrm>
-            <a:off x="9442371" y="2945177"/>
-            <a:ext cx="0" cy="200424"/>
-          </a:xfrm>
-          <a:prstGeom prst="line">
-            <a:avLst/>
-          </a:prstGeom>
-        </p:spPr>
-        <p:style>
-          <a:lnRef idx="1">
-            <a:schemeClr val="accent1"/>
-          </a:lnRef>
-          <a:fillRef idx="0">
-            <a:schemeClr val="accent1"/>
-          </a:fillRef>
-          <a:effectRef idx="0">
-            <a:schemeClr val="accent1"/>
-          </a:effectRef>
-          <a:fontRef idx="minor">
-            <a:schemeClr val="tx1"/>
-          </a:fontRef>
-        </p:style>
-      </p:cxnSp>
-      <p:sp>
-        <p:nvSpPr>
-          <p:cNvPr id="31" name="Retângulo 30"/>
-          <p:cNvSpPr/>
-          <p:nvPr/>
-        </p:nvSpPr>
-        <p:spPr>
-          <a:xfrm>
-            <a:off x="5451512" y="3155346"/>
-            <a:ext cx="1696597" cy="804231"/>
-          </a:xfrm>
-          <a:prstGeom prst="rect">
-            <a:avLst/>
-          </a:prstGeom>
+          <a:solidFill>
+            <a:schemeClr val="accent2">
+              <a:lumMod val="20000"/>
+              <a:lumOff val="80000"/>
+            </a:schemeClr>
+          </a:solidFill>
         </p:spPr>
         <p:style>
           <a:lnRef idx="2">
@@ -5227,13 +10228,13 @@
       </p:cxnSp>
       <p:sp>
         <p:nvSpPr>
-          <p:cNvPr id="37" name="CaixaDeTexto 36"/>
+          <p:cNvPr id="38" name="CaixaDeTexto 37"/>
           <p:cNvSpPr txBox="1"/>
           <p:nvPr/>
         </p:nvSpPr>
         <p:spPr>
           <a:xfrm>
-            <a:off x="9479552" y="2169644"/>
+            <a:off x="9555290" y="2690837"/>
             <a:ext cx="330506" cy="369332"/>
           </a:xfrm>
           <a:prstGeom prst="rect">
@@ -5249,7 +10250,7 @@
           <a:p>
             <a:r>
               <a:rPr lang="pt-BR" dirty="0" smtClean="0"/>
-              <a:t>1</a:t>
+              <a:t>N</a:t>
             </a:r>
             <a:endParaRPr lang="pt-BR" dirty="0"/>
           </a:p>
@@ -5257,13 +10258,13 @@
       </p:sp>
       <p:sp>
         <p:nvSpPr>
-          <p:cNvPr id="38" name="CaixaDeTexto 37"/>
+          <p:cNvPr id="39" name="CaixaDeTexto 38"/>
           <p:cNvSpPr txBox="1"/>
           <p:nvPr/>
         </p:nvSpPr>
         <p:spPr>
           <a:xfrm>
-            <a:off x="9499290" y="2847130"/>
+            <a:off x="8263567" y="3216462"/>
             <a:ext cx="330506" cy="369332"/>
           </a:xfrm>
           <a:prstGeom prst="rect">
@@ -5279,7 +10280,7 @@
           <a:p>
             <a:r>
               <a:rPr lang="pt-BR" dirty="0" smtClean="0"/>
-              <a:t>N</a:t>
+              <a:t>1</a:t>
             </a:r>
             <a:endParaRPr lang="pt-BR" dirty="0"/>
           </a:p>
@@ -5287,13 +10288,13 @@
       </p:sp>
       <p:sp>
         <p:nvSpPr>
-          <p:cNvPr id="39" name="CaixaDeTexto 38"/>
+          <p:cNvPr id="40" name="CaixaDeTexto 39"/>
           <p:cNvSpPr txBox="1"/>
           <p:nvPr/>
         </p:nvSpPr>
         <p:spPr>
           <a:xfrm>
-            <a:off x="8263567" y="3216462"/>
+            <a:off x="7129746" y="3194788"/>
             <a:ext cx="330506" cy="369332"/>
           </a:xfrm>
           <a:prstGeom prst="rect">
@@ -5309,7 +10310,7 @@
           <a:p>
             <a:r>
               <a:rPr lang="pt-BR" dirty="0" smtClean="0"/>
-              <a:t>1</a:t>
+              <a:t>N</a:t>
             </a:r>
             <a:endParaRPr lang="pt-BR" dirty="0"/>
           </a:p>
@@ -5317,48 +10318,24 @@
       </p:sp>
       <p:sp>
         <p:nvSpPr>
-          <p:cNvPr id="40" name="CaixaDeTexto 39"/>
-          <p:cNvSpPr txBox="1"/>
+          <p:cNvPr id="41" name="Retângulo 40"/>
+          <p:cNvSpPr/>
           <p:nvPr/>
         </p:nvSpPr>
         <p:spPr>
           <a:xfrm>
-            <a:off x="7129746" y="3194788"/>
-            <a:ext cx="330506" cy="369332"/>
+            <a:off x="2449416" y="3155345"/>
+            <a:ext cx="1696597" cy="804231"/>
           </a:xfrm>
           <a:prstGeom prst="rect">
             <a:avLst/>
           </a:prstGeom>
-          <a:noFill/>
-        </p:spPr>
-        <p:txBody>
-          <a:bodyPr wrap="square" rtlCol="0">
-            <a:spAutoFit/>
-          </a:bodyPr>
-          <a:lstStyle/>
-          <a:p>
-            <a:r>
-              <a:rPr lang="pt-BR" dirty="0" smtClean="0"/>
-              <a:t>N</a:t>
-            </a:r>
-            <a:endParaRPr lang="pt-BR" dirty="0"/>
-          </a:p>
-        </p:txBody>
-      </p:sp>
-      <p:sp>
-        <p:nvSpPr>
-          <p:cNvPr id="41" name="Retângulo 40"/>
-          <p:cNvSpPr/>
-          <p:nvPr/>
-        </p:nvSpPr>
-        <p:spPr>
-          <a:xfrm>
-            <a:off x="2449416" y="3155345"/>
-            <a:ext cx="1696597" cy="804231"/>
-          </a:xfrm>
-          <a:prstGeom prst="rect">
-            <a:avLst/>
-          </a:prstGeom>
+          <a:solidFill>
+            <a:schemeClr val="accent2">
+              <a:lumMod val="20000"/>
+              <a:lumOff val="80000"/>
+            </a:schemeClr>
+          </a:solidFill>
         </p:spPr>
         <p:style>
           <a:lnRef idx="2">
@@ -5561,6 +10538,12 @@
           <a:prstGeom prst="rect">
             <a:avLst/>
           </a:prstGeom>
+          <a:solidFill>
+            <a:schemeClr val="accent2">
+              <a:lumMod val="20000"/>
+              <a:lumOff val="80000"/>
+            </a:schemeClr>
+          </a:solidFill>
         </p:spPr>
         <p:style>
           <a:lnRef idx="2">
@@ -5583,7 +10566,7 @@
             <a:pPr algn="ctr"/>
             <a:r>
               <a:rPr lang="pt-BR" dirty="0" smtClean="0"/>
-              <a:t>CLASSIFICACAOPALAVRA</a:t>
+              <a:t>CLASSIFICACAO (contexto) PALAVRA</a:t>
             </a:r>
             <a:endParaRPr lang="pt-BR" dirty="0"/>
           </a:p>
@@ -5749,16 +10732,16 @@
       </p:sp>
       <p:sp>
         <p:nvSpPr>
-          <p:cNvPr id="55" name="Retângulo 54"/>
+          <p:cNvPr id="5" name="Elipse 4"/>
           <p:cNvSpPr/>
           <p:nvPr/>
         </p:nvSpPr>
         <p:spPr>
           <a:xfrm>
-            <a:off x="8594073" y="4903405"/>
-            <a:ext cx="1696597" cy="804231"/>
-          </a:xfrm>
-          <a:prstGeom prst="rect">
+            <a:off x="6742323" y="2588964"/>
+            <a:ext cx="187287" cy="198303"/>
+          </a:xfrm>
+          <a:prstGeom prst="ellipse">
             <a:avLst/>
           </a:prstGeom>
         </p:spPr>
@@ -5781,65 +10764,57 @@
           <a:lstStyle/>
           <a:p>
             <a:pPr algn="ctr"/>
-            <a:r>
-              <a:rPr lang="pt-BR" dirty="0" smtClean="0"/>
-              <a:t>PALAVRA</a:t>
-            </a:r>
-          </a:p>
-          <a:p>
-            <a:pPr algn="ctr"/>
-            <a:r>
-              <a:rPr lang="pt-BR" dirty="0" smtClean="0"/>
-              <a:t>DESTAQUE</a:t>
-            </a:r>
-            <a:endParaRPr lang="pt-BR" dirty="0"/>
-          </a:p>
-        </p:txBody>
-      </p:sp>
-      <p:sp>
-        <p:nvSpPr>
-          <p:cNvPr id="56" name="CaixaDeTexto 55"/>
-          <p:cNvSpPr txBox="1"/>
+            <a:endParaRPr lang="pt-BR"/>
+          </a:p>
+        </p:txBody>
+      </p:sp>
+      <p:cxnSp>
+        <p:nvCxnSpPr>
+          <p:cNvPr id="51" name="Conector reto 50"/>
+          <p:cNvCxnSpPr/>
           <p:nvPr/>
-        </p:nvSpPr>
-        <p:spPr>
-          <a:xfrm>
-            <a:off x="8807065" y="4028570"/>
-            <a:ext cx="247879" cy="369332"/>
+        </p:nvCxnSpPr>
+        <p:spPr>
+          <a:xfrm flipH="1">
+            <a:off x="6817603" y="2802304"/>
+            <a:ext cx="18364" cy="364477"/>
+          </a:xfrm>
+          <a:prstGeom prst="line">
+            <a:avLst/>
+          </a:prstGeom>
+        </p:spPr>
+        <p:style>
+          <a:lnRef idx="1">
+            <a:schemeClr val="accent1"/>
+          </a:lnRef>
+          <a:fillRef idx="0">
+            <a:schemeClr val="accent1"/>
+          </a:fillRef>
+          <a:effectRef idx="0">
+            <a:schemeClr val="accent1"/>
+          </a:effectRef>
+          <a:fontRef idx="minor">
+            <a:schemeClr val="tx1"/>
+          </a:fontRef>
+        </p:style>
+      </p:cxnSp>
+      <p:sp>
+        <p:nvSpPr>
+          <p:cNvPr id="62" name="Retângulo 61"/>
+          <p:cNvSpPr/>
+          <p:nvPr/>
+        </p:nvSpPr>
+        <p:spPr>
+          <a:xfrm>
+            <a:off x="8706991" y="5301504"/>
+            <a:ext cx="1696597" cy="804231"/>
           </a:xfrm>
           <a:prstGeom prst="rect">
             <a:avLst/>
           </a:prstGeom>
-          <a:noFill/>
-        </p:spPr>
-        <p:txBody>
-          <a:bodyPr wrap="square" rtlCol="0">
-            <a:spAutoFit/>
-          </a:bodyPr>
-          <a:lstStyle/>
-          <a:p>
-            <a:r>
-              <a:rPr lang="pt-BR" dirty="0" smtClean="0"/>
-              <a:t>1</a:t>
-            </a:r>
-            <a:endParaRPr lang="pt-BR" dirty="0"/>
-          </a:p>
-        </p:txBody>
-      </p:sp>
-      <p:sp>
-        <p:nvSpPr>
-          <p:cNvPr id="57" name="Losango 56"/>
-          <p:cNvSpPr/>
-          <p:nvPr/>
-        </p:nvSpPr>
-        <p:spPr>
-          <a:xfrm>
-            <a:off x="9136649" y="4178739"/>
-            <a:ext cx="583894" cy="495759"/>
-          </a:xfrm>
-          <a:prstGeom prst="diamond">
-            <a:avLst/>
-          </a:prstGeom>
+          <a:solidFill>
+            <a:schemeClr val="accent1"/>
+          </a:solidFill>
         </p:spPr>
         <p:style>
           <a:lnRef idx="2">
@@ -5860,20 +10835,62 @@
           <a:lstStyle/>
           <a:p>
             <a:pPr algn="ctr"/>
+            <a:r>
+              <a:rPr lang="pt-BR" dirty="0" smtClean="0"/>
+              <a:t>PALAVRADESTAQUE</a:t>
+            </a:r>
+            <a:endParaRPr lang="pt-BR" dirty="0"/>
+          </a:p>
+        </p:txBody>
+      </p:sp>
+      <p:sp>
+        <p:nvSpPr>
+          <p:cNvPr id="63" name="Losango 62"/>
+          <p:cNvSpPr/>
+          <p:nvPr/>
+        </p:nvSpPr>
+        <p:spPr>
+          <a:xfrm>
+            <a:off x="9301902" y="4413097"/>
+            <a:ext cx="583894" cy="495759"/>
+          </a:xfrm>
+          <a:prstGeom prst="diamond">
+            <a:avLst/>
+          </a:prstGeom>
+        </p:spPr>
+        <p:style>
+          <a:lnRef idx="2">
+            <a:schemeClr val="accent6"/>
+          </a:lnRef>
+          <a:fillRef idx="1">
+            <a:schemeClr val="lt1"/>
+          </a:fillRef>
+          <a:effectRef idx="0">
+            <a:schemeClr val="accent6"/>
+          </a:effectRef>
+          <a:fontRef idx="minor">
+            <a:schemeClr val="dk1"/>
+          </a:fontRef>
+        </p:style>
+        <p:txBody>
+          <a:bodyPr rtlCol="0" anchor="ctr"/>
+          <a:lstStyle/>
+          <a:p>
+            <a:pPr algn="ctr"/>
             <a:endParaRPr lang="pt-BR"/>
           </a:p>
         </p:txBody>
       </p:sp>
       <p:cxnSp>
         <p:nvCxnSpPr>
-          <p:cNvPr id="59" name="Conector reto 58"/>
+          <p:cNvPr id="64" name="Conector reto 63"/>
           <p:cNvCxnSpPr/>
           <p:nvPr/>
         </p:nvCxnSpPr>
         <p:spPr>
-          <a:xfrm>
-            <a:off x="9441450" y="3998878"/>
-            <a:ext cx="0" cy="200424"/>
+          <a:xfrm flipH="1" flipV="1">
+            <a:off x="9522239" y="3949832"/>
+            <a:ext cx="33050" cy="448070"/>
           </a:xfrm>
           <a:prstGeom prst="line">
             <a:avLst/>
@@ -5896,14 +10913,14 @@
       </p:cxnSp>
       <p:cxnSp>
         <p:nvCxnSpPr>
-          <p:cNvPr id="60" name="Conector reto 59"/>
+          <p:cNvPr id="65" name="Conector reto 64"/>
           <p:cNvCxnSpPr/>
           <p:nvPr/>
         </p:nvCxnSpPr>
         <p:spPr>
-          <a:xfrm>
-            <a:off x="9439608" y="4693237"/>
-            <a:ext cx="0" cy="200424"/>
+          <a:xfrm flipH="1" flipV="1">
+            <a:off x="9564464" y="4874356"/>
+            <a:ext cx="33050" cy="448070"/>
           </a:xfrm>
           <a:prstGeom prst="line">
             <a:avLst/>
@@ -5924,36 +10941,6 @@
           </a:fontRef>
         </p:style>
       </p:cxnSp>
-      <p:sp>
-        <p:nvSpPr>
-          <p:cNvPr id="61" name="CaixaDeTexto 60"/>
-          <p:cNvSpPr txBox="1"/>
-          <p:nvPr/>
-        </p:nvSpPr>
-        <p:spPr>
-          <a:xfrm>
-            <a:off x="9462558" y="4608783"/>
-            <a:ext cx="330506" cy="369332"/>
-          </a:xfrm>
-          <a:prstGeom prst="rect">
-            <a:avLst/>
-          </a:prstGeom>
-          <a:noFill/>
-        </p:spPr>
-        <p:txBody>
-          <a:bodyPr wrap="square" rtlCol="0">
-            <a:spAutoFit/>
-          </a:bodyPr>
-          <a:lstStyle/>
-          <a:p>
-            <a:r>
-              <a:rPr lang="pt-BR" dirty="0" smtClean="0"/>
-              <a:t>N</a:t>
-            </a:r>
-            <a:endParaRPr lang="pt-BR" dirty="0"/>
-          </a:p>
-        </p:txBody>
-      </p:sp>
     </p:spTree>
     <p:extLst>
       <p:ext uri="{BB962C8B-B14F-4D97-AF65-F5344CB8AC3E}">
@@ -5968,6 +10955,88 @@
 </file>
 
 <file path=ppt/slides/slide4.xml><?xml version="1.0" encoding="utf-8"?>
+<p:sld xmlns:a="http://schemas.openxmlformats.org/drawingml/2006/main" xmlns:r="http://schemas.openxmlformats.org/officeDocument/2006/relationships" xmlns:p="http://schemas.openxmlformats.org/presentationml/2006/main">
+  <p:cSld>
+    <p:spTree>
+      <p:nvGrpSpPr>
+        <p:cNvPr id="1" name=""/>
+        <p:cNvGrpSpPr/>
+        <p:nvPr/>
+      </p:nvGrpSpPr>
+      <p:grpSpPr>
+        <a:xfrm>
+          <a:off x="0" y="0"/>
+          <a:ext cx="0" cy="0"/>
+          <a:chOff x="0" y="0"/>
+          <a:chExt cx="0" cy="0"/>
+        </a:xfrm>
+      </p:grpSpPr>
+      <p:sp>
+        <p:nvSpPr>
+          <p:cNvPr id="6" name="Título 5"/>
+          <p:cNvSpPr>
+            <a:spLocks noGrp="1"/>
+          </p:cNvSpPr>
+          <p:nvPr>
+            <p:ph type="title"/>
+          </p:nvPr>
+        </p:nvSpPr>
+        <p:spPr>
+          <a:xfrm>
+            <a:off x="381287" y="-97583"/>
+            <a:ext cx="10515600" cy="1325563"/>
+          </a:xfrm>
+        </p:spPr>
+        <p:txBody>
+          <a:bodyPr/>
+          <a:lstStyle/>
+          <a:p>
+            <a:r>
+              <a:rPr lang="pt-BR" dirty="0" err="1" smtClean="0"/>
+              <a:t>Database</a:t>
+            </a:r>
+            <a:endParaRPr lang="pt-BR" dirty="0"/>
+          </a:p>
+        </p:txBody>
+      </p:sp>
+      <p:pic>
+        <p:nvPicPr>
+          <p:cNvPr id="2" name="Imagem 1"/>
+          <p:cNvPicPr>
+            <a:picLocks noChangeAspect="1"/>
+          </p:cNvPicPr>
+          <p:nvPr/>
+        </p:nvPicPr>
+        <p:blipFill>
+          <a:blip r:embed="rId2"/>
+          <a:stretch>
+            <a:fillRect/>
+          </a:stretch>
+        </p:blipFill>
+        <p:spPr>
+          <a:xfrm>
+            <a:off x="1724772" y="1070851"/>
+            <a:ext cx="8014140" cy="5021668"/>
+          </a:xfrm>
+          <a:prstGeom prst="rect">
+            <a:avLst/>
+          </a:prstGeom>
+        </p:spPr>
+      </p:pic>
+    </p:spTree>
+    <p:extLst>
+      <p:ext uri="{BB962C8B-B14F-4D97-AF65-F5344CB8AC3E}">
+        <p14:creationId xmlns:p14="http://schemas.microsoft.com/office/powerpoint/2010/main" val="2998034360"/>
+      </p:ext>
+    </p:extLst>
+  </p:cSld>
+  <p:clrMapOvr>
+    <a:masterClrMapping/>
+  </p:clrMapOvr>
+</p:sld>
+</file>
+
+<file path=ppt/slides/slide5.xml><?xml version="1.0" encoding="utf-8"?>
 <p:sld xmlns:a="http://schemas.openxmlformats.org/drawingml/2006/main" xmlns:r="http://schemas.openxmlformats.org/officeDocument/2006/relationships" xmlns:p="http://schemas.openxmlformats.org/presentationml/2006/main">
   <p:cSld>
     <p:spTree>
@@ -6428,7 +11497,7 @@
 </p:sld>
 </file>
 
-<file path=ppt/slides/slide5.xml><?xml version="1.0" encoding="utf-8"?>
+<file path=ppt/slides/slide6.xml><?xml version="1.0" encoding="utf-8"?>
 <p:sld xmlns:a="http://schemas.openxmlformats.org/drawingml/2006/main" xmlns:r="http://schemas.openxmlformats.org/officeDocument/2006/relationships" xmlns:p="http://schemas.openxmlformats.org/presentationml/2006/main">
   <p:cSld>
     <p:spTree>
@@ -6893,584 +11962,6 @@
 </p:sld>
 </file>
 
-<file path=ppt/slides/slide6.xml><?xml version="1.0" encoding="utf-8"?>
-<p:sld xmlns:a="http://schemas.openxmlformats.org/drawingml/2006/main" xmlns:r="http://schemas.openxmlformats.org/officeDocument/2006/relationships" xmlns:p="http://schemas.openxmlformats.org/presentationml/2006/main">
-  <p:cSld>
-    <p:spTree>
-      <p:nvGrpSpPr>
-        <p:cNvPr id="1" name=""/>
-        <p:cNvGrpSpPr/>
-        <p:nvPr/>
-      </p:nvGrpSpPr>
-      <p:grpSpPr>
-        <a:xfrm>
-          <a:off x="0" y="0"/>
-          <a:ext cx="0" cy="0"/>
-          <a:chOff x="0" y="0"/>
-          <a:chExt cx="0" cy="0"/>
-        </a:xfrm>
-      </p:grpSpPr>
-      <p:graphicFrame>
-        <p:nvGraphicFramePr>
-          <p:cNvPr id="3" name="Tabela 2"/>
-          <p:cNvGraphicFramePr>
-            <a:graphicFrameLocks noGrp="1"/>
-          </p:cNvGraphicFramePr>
-          <p:nvPr>
-            <p:extLst>
-              <p:ext uri="{D42A27DB-BD31-4B8C-83A1-F6EECF244321}">
-                <p14:modId xmlns:p14="http://schemas.microsoft.com/office/powerpoint/2010/main" val="4044056692"/>
-              </p:ext>
-            </p:extLst>
-          </p:nvPr>
-        </p:nvGraphicFramePr>
-        <p:xfrm>
-          <a:off x="1095566" y="1722201"/>
-          <a:ext cx="10086555" cy="2123440"/>
-        </p:xfrm>
-        <a:graphic>
-          <a:graphicData uri="http://schemas.openxmlformats.org/drawingml/2006/table">
-            <a:tbl>
-              <a:tblPr firstRow="1" bandRow="1">
-                <a:tableStyleId>{5C22544A-7EE6-4342-B048-85BDC9FD1C3A}</a:tableStyleId>
-              </a:tblPr>
-              <a:tblGrid>
-                <a:gridCol w="663829">
-                  <a:extLst>
-                    <a:ext uri="{9D8B030D-6E8A-4147-A177-3AD203B41FA5}">
-                      <a16:colId xmlns:a16="http://schemas.microsoft.com/office/drawing/2014/main" val="594636436"/>
-                    </a:ext>
-                  </a:extLst>
-                </a:gridCol>
-                <a:gridCol w="1887188">
-                  <a:extLst>
-                    <a:ext uri="{9D8B030D-6E8A-4147-A177-3AD203B41FA5}">
-                      <a16:colId xmlns:a16="http://schemas.microsoft.com/office/drawing/2014/main" val="520013200"/>
-                    </a:ext>
-                  </a:extLst>
-                </a:gridCol>
-                <a:gridCol w="1784733">
-                  <a:extLst>
-                    <a:ext uri="{9D8B030D-6E8A-4147-A177-3AD203B41FA5}">
-                      <a16:colId xmlns:a16="http://schemas.microsoft.com/office/drawing/2014/main" val="3328953442"/>
-                    </a:ext>
-                  </a:extLst>
-                </a:gridCol>
-                <a:gridCol w="2335576">
-                  <a:extLst>
-                    <a:ext uri="{9D8B030D-6E8A-4147-A177-3AD203B41FA5}">
-                      <a16:colId xmlns:a16="http://schemas.microsoft.com/office/drawing/2014/main" val="1031207000"/>
-                    </a:ext>
-                  </a:extLst>
-                </a:gridCol>
-                <a:gridCol w="3415229">
-                  <a:extLst>
-                    <a:ext uri="{9D8B030D-6E8A-4147-A177-3AD203B41FA5}">
-                      <a16:colId xmlns:a16="http://schemas.microsoft.com/office/drawing/2014/main" val="1532557314"/>
-                    </a:ext>
-                  </a:extLst>
-                </a:gridCol>
-              </a:tblGrid>
-              <a:tr h="370840">
-                <a:tc>
-                  <a:txBody>
-                    <a:bodyPr/>
-                    <a:lstStyle/>
-                    <a:p>
-                      <a:endParaRPr lang="pt-BR" dirty="0"/>
-                    </a:p>
-                  </a:txBody>
-                  <a:tcPr/>
-                </a:tc>
-                <a:tc>
-                  <a:txBody>
-                    <a:bodyPr/>
-                    <a:lstStyle/>
-                    <a:p>
-                      <a:r>
-                        <a:rPr lang="pt-BR" dirty="0" smtClean="0"/>
-                        <a:t>CAMPO</a:t>
-                      </a:r>
-                    </a:p>
-                  </a:txBody>
-                  <a:tcPr/>
-                </a:tc>
-                <a:tc>
-                  <a:txBody>
-                    <a:bodyPr/>
-                    <a:lstStyle/>
-                    <a:p>
-                      <a:r>
-                        <a:rPr lang="pt-BR" dirty="0" smtClean="0"/>
-                        <a:t>TIPO</a:t>
-                      </a:r>
-                      <a:endParaRPr lang="pt-BR" dirty="0"/>
-                    </a:p>
-                  </a:txBody>
-                  <a:tcPr/>
-                </a:tc>
-                <a:tc>
-                  <a:txBody>
-                    <a:bodyPr/>
-                    <a:lstStyle/>
-                    <a:p>
-                      <a:r>
-                        <a:rPr lang="pt-BR" dirty="0" smtClean="0"/>
-                        <a:t>Restrição</a:t>
-                      </a:r>
-                      <a:endParaRPr lang="pt-BR" dirty="0"/>
-                    </a:p>
-                  </a:txBody>
-                  <a:tcPr/>
-                </a:tc>
-                <a:tc>
-                  <a:txBody>
-                    <a:bodyPr/>
-                    <a:lstStyle/>
-                    <a:p>
-                      <a:r>
-                        <a:rPr lang="pt-BR" dirty="0" err="1" smtClean="0"/>
-                        <a:t>Obs</a:t>
-                      </a:r>
-                      <a:endParaRPr lang="pt-BR" dirty="0"/>
-                    </a:p>
-                  </a:txBody>
-                  <a:tcPr/>
-                </a:tc>
-                <a:extLst>
-                  <a:ext uri="{0D108BD9-81ED-4DB2-BD59-A6C34878D82A}">
-                    <a16:rowId xmlns:a16="http://schemas.microsoft.com/office/drawing/2014/main" val="878361534"/>
-                  </a:ext>
-                </a:extLst>
-              </a:tr>
-              <a:tr h="370840">
-                <a:tc>
-                  <a:txBody>
-                    <a:bodyPr/>
-                    <a:lstStyle/>
-                    <a:p>
-                      <a:r>
-                        <a:rPr lang="pt-BR" dirty="0" smtClean="0"/>
-                        <a:t>01</a:t>
-                      </a:r>
-                      <a:endParaRPr lang="pt-BR" dirty="0"/>
-                    </a:p>
-                  </a:txBody>
-                  <a:tcPr/>
-                </a:tc>
-                <a:tc>
-                  <a:txBody>
-                    <a:bodyPr/>
-                    <a:lstStyle/>
-                    <a:p>
-                      <a:r>
-                        <a:rPr lang="pt-BR" dirty="0" smtClean="0"/>
-                        <a:t>LISID</a:t>
-                      </a:r>
-                    </a:p>
-                  </a:txBody>
-                  <a:tcPr/>
-                </a:tc>
-                <a:tc>
-                  <a:txBody>
-                    <a:bodyPr/>
-                    <a:lstStyle/>
-                    <a:p>
-                      <a:r>
-                        <a:rPr lang="pt-BR" dirty="0" smtClean="0"/>
-                        <a:t>INT</a:t>
-                      </a:r>
-                      <a:endParaRPr lang="pt-BR" dirty="0"/>
-                    </a:p>
-                  </a:txBody>
-                  <a:tcPr/>
-                </a:tc>
-                <a:tc>
-                  <a:txBody>
-                    <a:bodyPr/>
-                    <a:lstStyle/>
-                    <a:p>
-                      <a:r>
-                        <a:rPr lang="pt-BR" dirty="0" smtClean="0"/>
-                        <a:t>PK</a:t>
-                      </a:r>
-                      <a:endParaRPr lang="pt-BR" dirty="0"/>
-                    </a:p>
-                  </a:txBody>
-                  <a:tcPr/>
-                </a:tc>
-                <a:tc>
-                  <a:txBody>
-                    <a:bodyPr/>
-                    <a:lstStyle/>
-                    <a:p>
-                      <a:r>
-                        <a:rPr lang="pt-BR" dirty="0" smtClean="0"/>
-                        <a:t>Numeração</a:t>
-                      </a:r>
-                      <a:r>
-                        <a:rPr lang="pt-BR" baseline="0" dirty="0" smtClean="0"/>
-                        <a:t> automática</a:t>
-                      </a:r>
-                      <a:endParaRPr lang="pt-BR" dirty="0"/>
-                    </a:p>
-                  </a:txBody>
-                  <a:tcPr/>
-                </a:tc>
-                <a:extLst>
-                  <a:ext uri="{0D108BD9-81ED-4DB2-BD59-A6C34878D82A}">
-                    <a16:rowId xmlns:a16="http://schemas.microsoft.com/office/drawing/2014/main" val="1356624889"/>
-                  </a:ext>
-                </a:extLst>
-              </a:tr>
-              <a:tr h="370840">
-                <a:tc>
-                  <a:txBody>
-                    <a:bodyPr/>
-                    <a:lstStyle/>
-                    <a:p>
-                      <a:r>
-                        <a:rPr lang="pt-BR" dirty="0" smtClean="0"/>
-                        <a:t>02</a:t>
-                      </a:r>
-                      <a:endParaRPr lang="pt-BR" dirty="0"/>
-                    </a:p>
-                  </a:txBody>
-                  <a:tcPr/>
-                </a:tc>
-                <a:tc>
-                  <a:txBody>
-                    <a:bodyPr/>
-                    <a:lstStyle/>
-                    <a:p>
-                      <a:r>
-                        <a:rPr lang="pt-BR" dirty="0" smtClean="0"/>
-                        <a:t>LISNOME</a:t>
-                      </a:r>
-                    </a:p>
-                  </a:txBody>
-                  <a:tcPr/>
-                </a:tc>
-                <a:tc>
-                  <a:txBody>
-                    <a:bodyPr/>
-                    <a:lstStyle/>
-                    <a:p>
-                      <a:r>
-                        <a:rPr lang="pt-BR" dirty="0" smtClean="0"/>
-                        <a:t>Texto(100)</a:t>
-                      </a:r>
-                      <a:endParaRPr lang="pt-BR" dirty="0"/>
-                    </a:p>
-                  </a:txBody>
-                  <a:tcPr/>
-                </a:tc>
-                <a:tc>
-                  <a:txBody>
-                    <a:bodyPr/>
-                    <a:lstStyle/>
-                    <a:p>
-                      <a:endParaRPr lang="pt-BR" dirty="0"/>
-                    </a:p>
-                  </a:txBody>
-                  <a:tcPr/>
-                </a:tc>
-                <a:tc>
-                  <a:txBody>
-                    <a:bodyPr/>
-                    <a:lstStyle/>
-                    <a:p>
-                      <a:r>
-                        <a:rPr lang="pt-BR" dirty="0" smtClean="0"/>
-                        <a:t>Não</a:t>
-                      </a:r>
-                      <a:r>
-                        <a:rPr lang="pt-BR" baseline="0" dirty="0" smtClean="0"/>
-                        <a:t> aceita </a:t>
-                      </a:r>
-                      <a:r>
-                        <a:rPr lang="pt-BR" baseline="0" dirty="0" err="1" smtClean="0"/>
-                        <a:t>nullo</a:t>
-                      </a:r>
-                      <a:endParaRPr lang="pt-BR" dirty="0"/>
-                    </a:p>
-                  </a:txBody>
-                  <a:tcPr/>
-                </a:tc>
-                <a:extLst>
-                  <a:ext uri="{0D108BD9-81ED-4DB2-BD59-A6C34878D82A}">
-                    <a16:rowId xmlns:a16="http://schemas.microsoft.com/office/drawing/2014/main" val="1611825664"/>
-                  </a:ext>
-                </a:extLst>
-              </a:tr>
-              <a:tr h="370840">
-                <a:tc>
-                  <a:txBody>
-                    <a:bodyPr/>
-                    <a:lstStyle/>
-                    <a:p>
-                      <a:r>
-                        <a:rPr lang="pt-BR" dirty="0" smtClean="0"/>
-                        <a:t>03</a:t>
-                      </a:r>
-                      <a:endParaRPr lang="pt-BR" dirty="0"/>
-                    </a:p>
-                  </a:txBody>
-                  <a:tcPr/>
-                </a:tc>
-                <a:tc>
-                  <a:txBody>
-                    <a:bodyPr/>
-                    <a:lstStyle/>
-                    <a:p>
-                      <a:r>
-                        <a:rPr lang="pt-BR" dirty="0" smtClean="0"/>
-                        <a:t>LISOVERVIEW</a:t>
-                      </a:r>
-                    </a:p>
-                  </a:txBody>
-                  <a:tcPr/>
-                </a:tc>
-                <a:tc>
-                  <a:txBody>
-                    <a:bodyPr/>
-                    <a:lstStyle/>
-                    <a:p>
-                      <a:pPr marL="0" marR="0" lvl="0" indent="0" algn="l" defTabSz="914400" rtl="0" eaLnBrk="1" fontAlgn="auto" latinLnBrk="0" hangingPunct="1">
-                        <a:lnSpc>
-                          <a:spcPct val="100000"/>
-                        </a:lnSpc>
-                        <a:spcBef>
-                          <a:spcPts val="0"/>
-                        </a:spcBef>
-                        <a:spcAft>
-                          <a:spcPts val="0"/>
-                        </a:spcAft>
-                        <a:buClrTx/>
-                        <a:buSzTx/>
-                        <a:buFontTx/>
-                        <a:buNone/>
-                        <a:tabLst/>
-                        <a:defRPr/>
-                      </a:pPr>
-                      <a:r>
-                        <a:rPr lang="pt-BR" dirty="0" smtClean="0"/>
-                        <a:t>INT</a:t>
-                      </a:r>
-                    </a:p>
-                  </a:txBody>
-                  <a:tcPr/>
-                </a:tc>
-                <a:tc>
-                  <a:txBody>
-                    <a:bodyPr/>
-                    <a:lstStyle/>
-                    <a:p>
-                      <a:endParaRPr lang="pt-BR" dirty="0"/>
-                    </a:p>
-                  </a:txBody>
-                  <a:tcPr/>
-                </a:tc>
-                <a:tc>
-                  <a:txBody>
-                    <a:bodyPr/>
-                    <a:lstStyle/>
-                    <a:p>
-                      <a:r>
-                        <a:rPr lang="pt-BR" dirty="0" smtClean="0"/>
-                        <a:t>Aceita</a:t>
-                      </a:r>
-                      <a:r>
-                        <a:rPr lang="pt-BR" baseline="0" dirty="0" smtClean="0"/>
-                        <a:t> </a:t>
-                      </a:r>
-                      <a:r>
-                        <a:rPr lang="pt-BR" baseline="0" dirty="0" err="1" smtClean="0"/>
-                        <a:t>nullo</a:t>
-                      </a:r>
-                      <a:endParaRPr lang="pt-BR" dirty="0"/>
-                    </a:p>
-                  </a:txBody>
-                  <a:tcPr/>
-                </a:tc>
-                <a:extLst>
-                  <a:ext uri="{0D108BD9-81ED-4DB2-BD59-A6C34878D82A}">
-                    <a16:rowId xmlns:a16="http://schemas.microsoft.com/office/drawing/2014/main" val="615865771"/>
-                  </a:ext>
-                </a:extLst>
-              </a:tr>
-              <a:tr h="370840">
-                <a:tc>
-                  <a:txBody>
-                    <a:bodyPr/>
-                    <a:lstStyle/>
-                    <a:p>
-                      <a:r>
-                        <a:rPr lang="pt-BR" dirty="0" smtClean="0"/>
-                        <a:t>04</a:t>
-                      </a:r>
-                      <a:endParaRPr lang="pt-BR" dirty="0"/>
-                    </a:p>
-                  </a:txBody>
-                  <a:tcPr/>
-                </a:tc>
-                <a:tc>
-                  <a:txBody>
-                    <a:bodyPr/>
-                    <a:lstStyle/>
-                    <a:p>
-                      <a:r>
-                        <a:rPr lang="pt-BR" dirty="0" smtClean="0"/>
-                        <a:t>CAPID</a:t>
-                      </a:r>
-                    </a:p>
-                  </a:txBody>
-                  <a:tcPr/>
-                </a:tc>
-                <a:tc>
-                  <a:txBody>
-                    <a:bodyPr/>
-                    <a:lstStyle/>
-                    <a:p>
-                      <a:pPr marL="0" marR="0" lvl="0" indent="0" algn="l" defTabSz="914400" rtl="0" eaLnBrk="1" fontAlgn="auto" latinLnBrk="0" hangingPunct="1">
-                        <a:lnSpc>
-                          <a:spcPct val="100000"/>
-                        </a:lnSpc>
-                        <a:spcBef>
-                          <a:spcPts val="0"/>
-                        </a:spcBef>
-                        <a:spcAft>
-                          <a:spcPts val="0"/>
-                        </a:spcAft>
-                        <a:buClrTx/>
-                        <a:buSzTx/>
-                        <a:buFontTx/>
-                        <a:buNone/>
-                        <a:tabLst/>
-                        <a:defRPr/>
-                      </a:pPr>
-                      <a:r>
-                        <a:rPr lang="pt-BR" dirty="0" smtClean="0"/>
-                        <a:t>INT</a:t>
-                      </a:r>
-                    </a:p>
-                  </a:txBody>
-                  <a:tcPr/>
-                </a:tc>
-                <a:tc>
-                  <a:txBody>
-                    <a:bodyPr/>
-                    <a:lstStyle/>
-                    <a:p>
-                      <a:r>
-                        <a:rPr lang="pt-BR" dirty="0" smtClean="0"/>
-                        <a:t>FK</a:t>
-                      </a:r>
-                      <a:endParaRPr lang="pt-BR" dirty="0"/>
-                    </a:p>
-                  </a:txBody>
-                  <a:tcPr/>
-                </a:tc>
-                <a:tc>
-                  <a:txBody>
-                    <a:bodyPr/>
-                    <a:lstStyle/>
-                    <a:p>
-                      <a:pPr marL="0" marR="0" lvl="0" indent="0" algn="l" defTabSz="914400" rtl="0" eaLnBrk="1" fontAlgn="auto" latinLnBrk="0" hangingPunct="1">
-                        <a:lnSpc>
-                          <a:spcPct val="100000"/>
-                        </a:lnSpc>
-                        <a:spcBef>
-                          <a:spcPts val="0"/>
-                        </a:spcBef>
-                        <a:spcAft>
-                          <a:spcPts val="0"/>
-                        </a:spcAft>
-                        <a:buClrTx/>
-                        <a:buSzTx/>
-                        <a:buFontTx/>
-                        <a:buNone/>
-                        <a:tabLst/>
-                        <a:defRPr/>
-                      </a:pPr>
-                      <a:r>
-                        <a:rPr lang="pt-BR" dirty="0" smtClean="0"/>
-                        <a:t>Relação</a:t>
-                      </a:r>
-                      <a:r>
-                        <a:rPr lang="pt-BR" baseline="0" dirty="0" smtClean="0"/>
-                        <a:t> com tabela CAPITULO(CAPID)</a:t>
-                      </a:r>
-                      <a:endParaRPr lang="pt-BR" dirty="0" smtClean="0"/>
-                    </a:p>
-                  </a:txBody>
-                  <a:tcPr/>
-                </a:tc>
-                <a:extLst>
-                  <a:ext uri="{0D108BD9-81ED-4DB2-BD59-A6C34878D82A}">
-                    <a16:rowId xmlns:a16="http://schemas.microsoft.com/office/drawing/2014/main" val="115902013"/>
-                  </a:ext>
-                </a:extLst>
-              </a:tr>
-            </a:tbl>
-          </a:graphicData>
-        </a:graphic>
-      </p:graphicFrame>
-      <p:sp>
-        <p:nvSpPr>
-          <p:cNvPr id="5" name="Retângulo 4"/>
-          <p:cNvSpPr/>
-          <p:nvPr/>
-        </p:nvSpPr>
-        <p:spPr>
-          <a:xfrm>
-            <a:off x="1322941" y="540571"/>
-            <a:ext cx="1696597" cy="804231"/>
-          </a:xfrm>
-          <a:prstGeom prst="rect">
-            <a:avLst/>
-          </a:prstGeom>
-        </p:spPr>
-        <p:style>
-          <a:lnRef idx="2">
-            <a:schemeClr val="accent6"/>
-          </a:lnRef>
-          <a:fillRef idx="1">
-            <a:schemeClr val="lt1"/>
-          </a:fillRef>
-          <a:effectRef idx="0">
-            <a:schemeClr val="accent6"/>
-          </a:effectRef>
-          <a:fontRef idx="minor">
-            <a:schemeClr val="dk1"/>
-          </a:fontRef>
-        </p:style>
-        <p:txBody>
-          <a:bodyPr rtlCol="0" anchor="ctr"/>
-          <a:lstStyle/>
-          <a:p>
-            <a:pPr algn="ctr"/>
-            <a:r>
-              <a:rPr lang="pt-BR" dirty="0" smtClean="0"/>
-              <a:t>LISTCARD</a:t>
-            </a:r>
-            <a:endParaRPr lang="pt-BR" dirty="0"/>
-          </a:p>
-        </p:txBody>
-      </p:sp>
-    </p:spTree>
-    <p:extLst>
-      <p:ext uri="{BB962C8B-B14F-4D97-AF65-F5344CB8AC3E}">
-        <p14:creationId xmlns:p14="http://schemas.microsoft.com/office/powerpoint/2010/main" val="259931078"/>
-      </p:ext>
-    </p:extLst>
-  </p:cSld>
-  <p:clrMapOvr>
-    <a:masterClrMapping/>
-  </p:clrMapOvr>
-</p:sld>
-</file>
-
 <file path=ppt/slides/slide7.xml><?xml version="1.0" encoding="utf-8"?>
 <p:sld xmlns:a="http://schemas.openxmlformats.org/drawingml/2006/main" xmlns:r="http://schemas.openxmlformats.org/officeDocument/2006/relationships" xmlns:p="http://schemas.openxmlformats.org/presentationml/2006/main">
   <p:cSld>
@@ -7497,7 +11988,7 @@
           <p:nvPr>
             <p:extLst>
               <p:ext uri="{D42A27DB-BD31-4B8C-83A1-F6EECF244321}">
-                <p14:modId xmlns:p14="http://schemas.microsoft.com/office/powerpoint/2010/main" val="2299189958"/>
+                <p14:modId xmlns:p14="http://schemas.microsoft.com/office/powerpoint/2010/main" val="1220995041"/>
               </p:ext>
             </p:extLst>
           </p:nvPr>
@@ -7803,8 +12294,9 @@
                     <a:p>
                       <a:r>
                         <a:rPr lang="pt-BR" dirty="0" smtClean="0"/>
-                        <a:t>LISID</a:t>
-                      </a:r>
+                        <a:t>CAPID</a:t>
+                      </a:r>
+                      <a:endParaRPr lang="pt-BR" dirty="0" smtClean="0"/>
                     </a:p>
                   </a:txBody>
                   <a:tcPr/>
@@ -7881,7 +12373,11 @@
                       </a:r>
                       <a:r>
                         <a:rPr lang="pt-BR" baseline="0" dirty="0" smtClean="0"/>
-                        <a:t> com tabela LISTACARD(LISID)</a:t>
+                        <a:t> com tabela </a:t>
+                      </a:r>
+                      <a:r>
+                        <a:rPr lang="pt-BR" baseline="0" dirty="0" smtClean="0"/>
+                        <a:t>CAPITULO(CAP)</a:t>
                       </a:r>
                       <a:endParaRPr lang="pt-BR" dirty="0" smtClean="0"/>
                     </a:p>
